--- a/slide/midterm test/midterm.pptx
+++ b/slide/midterm test/midterm.pptx
@@ -2,16 +2,23 @@
 <file path=ppt/presentation.xml><?xml version="1.0" encoding="utf-8"?>
 <p:presentation xmlns:a="http://schemas.openxmlformats.org/drawingml/2006/main" xmlns:r="http://schemas.openxmlformats.org/officeDocument/2006/relationships" xmlns:p="http://schemas.openxmlformats.org/presentationml/2006/main" saveSubsetFonts="1">
   <p:sldMasterIdLst>
-    <p:sldMasterId id="2147483648" r:id="rId1"/>
+    <p:sldMasterId id="2147483660" r:id="rId1"/>
   </p:sldMasterIdLst>
   <p:notesMasterIdLst>
-    <p:notesMasterId r:id="rId6"/>
+    <p:notesMasterId r:id="rId13"/>
   </p:notesMasterIdLst>
   <p:sldIdLst>
     <p:sldId id="256" r:id="rId2"/>
-    <p:sldId id="300" r:id="rId3"/>
-    <p:sldId id="301" r:id="rId4"/>
-    <p:sldId id="289" r:id="rId5"/>
+    <p:sldId id="303" r:id="rId3"/>
+    <p:sldId id="304" r:id="rId4"/>
+    <p:sldId id="300" r:id="rId5"/>
+    <p:sldId id="302" r:id="rId6"/>
+    <p:sldId id="307" r:id="rId7"/>
+    <p:sldId id="305" r:id="rId8"/>
+    <p:sldId id="308" r:id="rId9"/>
+    <p:sldId id="306" r:id="rId10"/>
+    <p:sldId id="309" r:id="rId11"/>
+    <p:sldId id="289" r:id="rId12"/>
   </p:sldIdLst>
   <p:sldSz cx="12192000" cy="6858000"/>
   <p:notesSz cx="6858000" cy="9144000"/>
@@ -19,7 +26,7 @@
     <a:defPPr>
       <a:defRPr lang="en-US"/>
     </a:defPPr>
-    <a:lvl1pPr marL="0" algn="l" defTabSz="914400" rtl="0" eaLnBrk="1" latinLnBrk="0" hangingPunct="1">
+    <a:lvl1pPr marL="0" algn="l" defTabSz="457200" rtl="0" eaLnBrk="1" latinLnBrk="0" hangingPunct="1">
       <a:defRPr sz="1800" kern="1200">
         <a:solidFill>
           <a:schemeClr val="tx1"/>
@@ -29,7 +36,7 @@
         <a:cs typeface="+mn-cs"/>
       </a:defRPr>
     </a:lvl1pPr>
-    <a:lvl2pPr marL="457200" algn="l" defTabSz="914400" rtl="0" eaLnBrk="1" latinLnBrk="0" hangingPunct="1">
+    <a:lvl2pPr marL="457200" algn="l" defTabSz="457200" rtl="0" eaLnBrk="1" latinLnBrk="0" hangingPunct="1">
       <a:defRPr sz="1800" kern="1200">
         <a:solidFill>
           <a:schemeClr val="tx1"/>
@@ -39,7 +46,7 @@
         <a:cs typeface="+mn-cs"/>
       </a:defRPr>
     </a:lvl2pPr>
-    <a:lvl3pPr marL="914400" algn="l" defTabSz="914400" rtl="0" eaLnBrk="1" latinLnBrk="0" hangingPunct="1">
+    <a:lvl3pPr marL="914400" algn="l" defTabSz="457200" rtl="0" eaLnBrk="1" latinLnBrk="0" hangingPunct="1">
       <a:defRPr sz="1800" kern="1200">
         <a:solidFill>
           <a:schemeClr val="tx1"/>
@@ -49,7 +56,7 @@
         <a:cs typeface="+mn-cs"/>
       </a:defRPr>
     </a:lvl3pPr>
-    <a:lvl4pPr marL="1371600" algn="l" defTabSz="914400" rtl="0" eaLnBrk="1" latinLnBrk="0" hangingPunct="1">
+    <a:lvl4pPr marL="1371600" algn="l" defTabSz="457200" rtl="0" eaLnBrk="1" latinLnBrk="0" hangingPunct="1">
       <a:defRPr sz="1800" kern="1200">
         <a:solidFill>
           <a:schemeClr val="tx1"/>
@@ -59,7 +66,7 @@
         <a:cs typeface="+mn-cs"/>
       </a:defRPr>
     </a:lvl4pPr>
-    <a:lvl5pPr marL="1828800" algn="l" defTabSz="914400" rtl="0" eaLnBrk="1" latinLnBrk="0" hangingPunct="1">
+    <a:lvl5pPr marL="1828800" algn="l" defTabSz="457200" rtl="0" eaLnBrk="1" latinLnBrk="0" hangingPunct="1">
       <a:defRPr sz="1800" kern="1200">
         <a:solidFill>
           <a:schemeClr val="tx1"/>
@@ -69,7 +76,7 @@
         <a:cs typeface="+mn-cs"/>
       </a:defRPr>
     </a:lvl5pPr>
-    <a:lvl6pPr marL="2286000" algn="l" defTabSz="914400" rtl="0" eaLnBrk="1" latinLnBrk="0" hangingPunct="1">
+    <a:lvl6pPr marL="2286000" algn="l" defTabSz="457200" rtl="0" eaLnBrk="1" latinLnBrk="0" hangingPunct="1">
       <a:defRPr sz="1800" kern="1200">
         <a:solidFill>
           <a:schemeClr val="tx1"/>
@@ -79,7 +86,7 @@
         <a:cs typeface="+mn-cs"/>
       </a:defRPr>
     </a:lvl6pPr>
-    <a:lvl7pPr marL="2743200" algn="l" defTabSz="914400" rtl="0" eaLnBrk="1" latinLnBrk="0" hangingPunct="1">
+    <a:lvl7pPr marL="2743200" algn="l" defTabSz="457200" rtl="0" eaLnBrk="1" latinLnBrk="0" hangingPunct="1">
       <a:defRPr sz="1800" kern="1200">
         <a:solidFill>
           <a:schemeClr val="tx1"/>
@@ -89,7 +96,7 @@
         <a:cs typeface="+mn-cs"/>
       </a:defRPr>
     </a:lvl7pPr>
-    <a:lvl8pPr marL="3200400" algn="l" defTabSz="914400" rtl="0" eaLnBrk="1" latinLnBrk="0" hangingPunct="1">
+    <a:lvl8pPr marL="3200400" algn="l" defTabSz="457200" rtl="0" eaLnBrk="1" latinLnBrk="0" hangingPunct="1">
       <a:defRPr sz="1800" kern="1200">
         <a:solidFill>
           <a:schemeClr val="tx1"/>
@@ -99,7 +106,7 @@
         <a:cs typeface="+mn-cs"/>
       </a:defRPr>
     </a:lvl8pPr>
-    <a:lvl9pPr marL="3657600" algn="l" defTabSz="914400" rtl="0" eaLnBrk="1" latinLnBrk="0" hangingPunct="1">
+    <a:lvl9pPr marL="3657600" algn="l" defTabSz="457200" rtl="0" eaLnBrk="1" latinLnBrk="0" hangingPunct="1">
       <a:defRPr sz="1800" kern="1200">
         <a:solidFill>
           <a:schemeClr val="tx1"/>
@@ -200,7 +207,7 @@
           <a:p>
             <a:fld id="{51CA9FB8-3050-46C5-BCC2-01B763353D55}" type="datetimeFigureOut">
               <a:rPr lang="en-US" smtClean="0"/>
-              <a:t>7/9/2022</a:t>
+              <a:t>8/11/2022</a:t>
             </a:fld>
             <a:endParaRPr lang="en-US"/>
           </a:p>
@@ -514,16 +521,8 @@
           <a:p>
             <a:r>
               <a:rPr lang="en-US" dirty="0" smtClean="0"/>
-              <a:t>https://towardsdatascience.com/intuitively-understanding-connectionist-temporal-classification-3797e43a86c</a:t>
-            </a:r>
-          </a:p>
-          <a:p>
-            <a:r>
-              <a:rPr lang="en-US" dirty="0" smtClean="0"/>
-              <a:t>https://towardsdatascience.com/beam-search-decoding-in-ctc-trained-neural-networks-5a889a3d85a7</a:t>
-            </a:r>
-          </a:p>
-          <a:p>
+              <a:t>https://arxiv.org/pdf/1507.05717.pdf</a:t>
+            </a:r>
             <a:endParaRPr lang="en-US" dirty="0"/>
           </a:p>
         </p:txBody>
@@ -545,7 +544,7 @@
           <a:p>
             <a:fld id="{74668BCF-21A2-461F-AAC6-16B7FF9C72B7}" type="slidenum">
               <a:rPr lang="en-US" smtClean="0"/>
-              <a:t>3</a:t>
+              <a:t>5</a:t>
             </a:fld>
             <a:endParaRPr lang="en-US"/>
           </a:p>
@@ -554,7 +553,375 @@
     </p:spTree>
     <p:extLst>
       <p:ext uri="{BB962C8B-B14F-4D97-AF65-F5344CB8AC3E}">
-        <p14:creationId xmlns:p14="http://schemas.microsoft.com/office/powerpoint/2010/main" val="2790523808"/>
+        <p14:creationId xmlns:p14="http://schemas.microsoft.com/office/powerpoint/2010/main" val="954339761"/>
+      </p:ext>
+    </p:extLst>
+  </p:cSld>
+  <p:clrMapOvr>
+    <a:masterClrMapping/>
+  </p:clrMapOvr>
+</p:notes>
+</file>
+
+<file path=ppt/notesSlides/notesSlide2.xml><?xml version="1.0" encoding="utf-8"?>
+<p:notes xmlns:a="http://schemas.openxmlformats.org/drawingml/2006/main" xmlns:r="http://schemas.openxmlformats.org/officeDocument/2006/relationships" xmlns:p="http://schemas.openxmlformats.org/presentationml/2006/main">
+  <p:cSld>
+    <p:spTree>
+      <p:nvGrpSpPr>
+        <p:cNvPr id="1" name=""/>
+        <p:cNvGrpSpPr/>
+        <p:nvPr/>
+      </p:nvGrpSpPr>
+      <p:grpSpPr>
+        <a:xfrm>
+          <a:off x="0" y="0"/>
+          <a:ext cx="0" cy="0"/>
+          <a:chOff x="0" y="0"/>
+          <a:chExt cx="0" cy="0"/>
+        </a:xfrm>
+      </p:grpSpPr>
+      <p:sp>
+        <p:nvSpPr>
+          <p:cNvPr id="2" name="Slide Image Placeholder 1"/>
+          <p:cNvSpPr>
+            <a:spLocks noGrp="1" noRot="1" noChangeAspect="1"/>
+          </p:cNvSpPr>
+          <p:nvPr>
+            <p:ph type="sldImg"/>
+          </p:nvPr>
+        </p:nvSpPr>
+        <p:spPr/>
+      </p:sp>
+      <p:sp>
+        <p:nvSpPr>
+          <p:cNvPr id="3" name="Notes Placeholder 2"/>
+          <p:cNvSpPr>
+            <a:spLocks noGrp="1"/>
+          </p:cNvSpPr>
+          <p:nvPr>
+            <p:ph type="body" idx="1"/>
+          </p:nvPr>
+        </p:nvSpPr>
+        <p:spPr/>
+        <p:txBody>
+          <a:bodyPr/>
+          <a:lstStyle/>
+          <a:p>
+            <a:r>
+              <a:rPr lang="en-US" dirty="0" smtClean="0"/>
+              <a:t>https://miai.vn/2021/01/06/nhin-doi-theo-cach-cua-mang-cnn-visualize-feature-maps-heatmap/</a:t>
+            </a:r>
+            <a:endParaRPr lang="en-US" dirty="0"/>
+          </a:p>
+        </p:txBody>
+      </p:sp>
+      <p:sp>
+        <p:nvSpPr>
+          <p:cNvPr id="4" name="Slide Number Placeholder 3"/>
+          <p:cNvSpPr>
+            <a:spLocks noGrp="1"/>
+          </p:cNvSpPr>
+          <p:nvPr>
+            <p:ph type="sldNum" sz="quarter" idx="10"/>
+          </p:nvPr>
+        </p:nvSpPr>
+        <p:spPr/>
+        <p:txBody>
+          <a:bodyPr/>
+          <a:lstStyle/>
+          <a:p>
+            <a:fld id="{74668BCF-21A2-461F-AAC6-16B7FF9C72B7}" type="slidenum">
+              <a:rPr lang="en-US" smtClean="0"/>
+              <a:t>7</a:t>
+            </a:fld>
+            <a:endParaRPr lang="en-US"/>
+          </a:p>
+        </p:txBody>
+      </p:sp>
+    </p:spTree>
+    <p:extLst>
+      <p:ext uri="{BB962C8B-B14F-4D97-AF65-F5344CB8AC3E}">
+        <p14:creationId xmlns:p14="http://schemas.microsoft.com/office/powerpoint/2010/main" val="1661528296"/>
+      </p:ext>
+    </p:extLst>
+  </p:cSld>
+  <p:clrMapOvr>
+    <a:masterClrMapping/>
+  </p:clrMapOvr>
+</p:notes>
+</file>
+
+<file path=ppt/notesSlides/notesSlide3.xml><?xml version="1.0" encoding="utf-8"?>
+<p:notes xmlns:a="http://schemas.openxmlformats.org/drawingml/2006/main" xmlns:r="http://schemas.openxmlformats.org/officeDocument/2006/relationships" xmlns:p="http://schemas.openxmlformats.org/presentationml/2006/main">
+  <p:cSld>
+    <p:spTree>
+      <p:nvGrpSpPr>
+        <p:cNvPr id="1" name=""/>
+        <p:cNvGrpSpPr/>
+        <p:nvPr/>
+      </p:nvGrpSpPr>
+      <p:grpSpPr>
+        <a:xfrm>
+          <a:off x="0" y="0"/>
+          <a:ext cx="0" cy="0"/>
+          <a:chOff x="0" y="0"/>
+          <a:chExt cx="0" cy="0"/>
+        </a:xfrm>
+      </p:grpSpPr>
+      <p:sp>
+        <p:nvSpPr>
+          <p:cNvPr id="2" name="Slide Image Placeholder 1"/>
+          <p:cNvSpPr>
+            <a:spLocks noGrp="1" noRot="1" noChangeAspect="1"/>
+          </p:cNvSpPr>
+          <p:nvPr>
+            <p:ph type="sldImg"/>
+          </p:nvPr>
+        </p:nvSpPr>
+        <p:spPr/>
+      </p:sp>
+      <p:sp>
+        <p:nvSpPr>
+          <p:cNvPr id="3" name="Notes Placeholder 2"/>
+          <p:cNvSpPr>
+            <a:spLocks noGrp="1"/>
+          </p:cNvSpPr>
+          <p:nvPr>
+            <p:ph type="body" idx="1"/>
+          </p:nvPr>
+        </p:nvSpPr>
+        <p:spPr/>
+        <p:txBody>
+          <a:bodyPr/>
+          <a:lstStyle/>
+          <a:p>
+            <a:r>
+              <a:rPr lang="en-US" dirty="0" smtClean="0"/>
+              <a:t>https://miai.vn/2021/01/06/nhin-doi-theo-cach-cua-mang-cnn-visualize-feature-maps-heatmap/</a:t>
+            </a:r>
+            <a:endParaRPr lang="en-US" dirty="0"/>
+          </a:p>
+        </p:txBody>
+      </p:sp>
+      <p:sp>
+        <p:nvSpPr>
+          <p:cNvPr id="4" name="Slide Number Placeholder 3"/>
+          <p:cNvSpPr>
+            <a:spLocks noGrp="1"/>
+          </p:cNvSpPr>
+          <p:nvPr>
+            <p:ph type="sldNum" sz="quarter" idx="10"/>
+          </p:nvPr>
+        </p:nvSpPr>
+        <p:spPr/>
+        <p:txBody>
+          <a:bodyPr/>
+          <a:lstStyle/>
+          <a:p>
+            <a:fld id="{74668BCF-21A2-461F-AAC6-16B7FF9C72B7}" type="slidenum">
+              <a:rPr lang="en-US" smtClean="0"/>
+              <a:t>8</a:t>
+            </a:fld>
+            <a:endParaRPr lang="en-US"/>
+          </a:p>
+        </p:txBody>
+      </p:sp>
+    </p:spTree>
+    <p:extLst>
+      <p:ext uri="{BB962C8B-B14F-4D97-AF65-F5344CB8AC3E}">
+        <p14:creationId xmlns:p14="http://schemas.microsoft.com/office/powerpoint/2010/main" val="2481347016"/>
+      </p:ext>
+    </p:extLst>
+  </p:cSld>
+  <p:clrMapOvr>
+    <a:masterClrMapping/>
+  </p:clrMapOvr>
+</p:notes>
+</file>
+
+<file path=ppt/notesSlides/notesSlide4.xml><?xml version="1.0" encoding="utf-8"?>
+<p:notes xmlns:a="http://schemas.openxmlformats.org/drawingml/2006/main" xmlns:r="http://schemas.openxmlformats.org/officeDocument/2006/relationships" xmlns:p="http://schemas.openxmlformats.org/presentationml/2006/main">
+  <p:cSld>
+    <p:spTree>
+      <p:nvGrpSpPr>
+        <p:cNvPr id="1" name=""/>
+        <p:cNvGrpSpPr/>
+        <p:nvPr/>
+      </p:nvGrpSpPr>
+      <p:grpSpPr>
+        <a:xfrm>
+          <a:off x="0" y="0"/>
+          <a:ext cx="0" cy="0"/>
+          <a:chOff x="0" y="0"/>
+          <a:chExt cx="0" cy="0"/>
+        </a:xfrm>
+      </p:grpSpPr>
+      <p:sp>
+        <p:nvSpPr>
+          <p:cNvPr id="2" name="Slide Image Placeholder 1"/>
+          <p:cNvSpPr>
+            <a:spLocks noGrp="1" noRot="1" noChangeAspect="1"/>
+          </p:cNvSpPr>
+          <p:nvPr>
+            <p:ph type="sldImg"/>
+          </p:nvPr>
+        </p:nvSpPr>
+        <p:spPr/>
+      </p:sp>
+      <p:sp>
+        <p:nvSpPr>
+          <p:cNvPr id="3" name="Notes Placeholder 2"/>
+          <p:cNvSpPr>
+            <a:spLocks noGrp="1"/>
+          </p:cNvSpPr>
+          <p:nvPr>
+            <p:ph type="body" idx="1"/>
+          </p:nvPr>
+        </p:nvSpPr>
+        <p:spPr/>
+        <p:txBody>
+          <a:bodyPr/>
+          <a:lstStyle/>
+          <a:p>
+            <a:r>
+              <a:rPr lang="en-US" dirty="0" smtClean="0"/>
+              <a:t>https://towardsdatascience.com/intuitively-understanding-connectionist-temporal-classification-3797e43a86c</a:t>
+            </a:r>
+          </a:p>
+          <a:p>
+            <a:r>
+              <a:rPr lang="en-US" dirty="0" smtClean="0"/>
+              <a:t>https://towardsdatascience.com/beam-search-decoding-in-ctc-trained-neural-networks-5a889a3d85a7</a:t>
+            </a:r>
+          </a:p>
+          <a:p>
+            <a:endParaRPr lang="en-US" dirty="0"/>
+          </a:p>
+        </p:txBody>
+      </p:sp>
+      <p:sp>
+        <p:nvSpPr>
+          <p:cNvPr id="4" name="Slide Number Placeholder 3"/>
+          <p:cNvSpPr>
+            <a:spLocks noGrp="1"/>
+          </p:cNvSpPr>
+          <p:nvPr>
+            <p:ph type="sldNum" sz="quarter" idx="10"/>
+          </p:nvPr>
+        </p:nvSpPr>
+        <p:spPr/>
+        <p:txBody>
+          <a:bodyPr/>
+          <a:lstStyle/>
+          <a:p>
+            <a:fld id="{74668BCF-21A2-461F-AAC6-16B7FF9C72B7}" type="slidenum">
+              <a:rPr lang="en-US" smtClean="0"/>
+              <a:t>9</a:t>
+            </a:fld>
+            <a:endParaRPr lang="en-US"/>
+          </a:p>
+        </p:txBody>
+      </p:sp>
+    </p:spTree>
+    <p:extLst>
+      <p:ext uri="{BB962C8B-B14F-4D97-AF65-F5344CB8AC3E}">
+        <p14:creationId xmlns:p14="http://schemas.microsoft.com/office/powerpoint/2010/main" val="3403773806"/>
+      </p:ext>
+    </p:extLst>
+  </p:cSld>
+  <p:clrMapOvr>
+    <a:masterClrMapping/>
+  </p:clrMapOvr>
+</p:notes>
+</file>
+
+<file path=ppt/notesSlides/notesSlide5.xml><?xml version="1.0" encoding="utf-8"?>
+<p:notes xmlns:a="http://schemas.openxmlformats.org/drawingml/2006/main" xmlns:r="http://schemas.openxmlformats.org/officeDocument/2006/relationships" xmlns:p="http://schemas.openxmlformats.org/presentationml/2006/main">
+  <p:cSld>
+    <p:spTree>
+      <p:nvGrpSpPr>
+        <p:cNvPr id="1" name=""/>
+        <p:cNvGrpSpPr/>
+        <p:nvPr/>
+      </p:nvGrpSpPr>
+      <p:grpSpPr>
+        <a:xfrm>
+          <a:off x="0" y="0"/>
+          <a:ext cx="0" cy="0"/>
+          <a:chOff x="0" y="0"/>
+          <a:chExt cx="0" cy="0"/>
+        </a:xfrm>
+      </p:grpSpPr>
+      <p:sp>
+        <p:nvSpPr>
+          <p:cNvPr id="2" name="Slide Image Placeholder 1"/>
+          <p:cNvSpPr>
+            <a:spLocks noGrp="1" noRot="1" noChangeAspect="1"/>
+          </p:cNvSpPr>
+          <p:nvPr>
+            <p:ph type="sldImg"/>
+          </p:nvPr>
+        </p:nvSpPr>
+        <p:spPr/>
+      </p:sp>
+      <p:sp>
+        <p:nvSpPr>
+          <p:cNvPr id="3" name="Notes Placeholder 2"/>
+          <p:cNvSpPr>
+            <a:spLocks noGrp="1"/>
+          </p:cNvSpPr>
+          <p:nvPr>
+            <p:ph type="body" idx="1"/>
+          </p:nvPr>
+        </p:nvSpPr>
+        <p:spPr/>
+        <p:txBody>
+          <a:bodyPr/>
+          <a:lstStyle/>
+          <a:p>
+            <a:r>
+              <a:rPr lang="en-US" dirty="0" smtClean="0"/>
+              <a:t>https://towardsdatascience.com/intuitively-understanding-connectionist-temporal-classification-3797e43a86c</a:t>
+            </a:r>
+          </a:p>
+          <a:p>
+            <a:r>
+              <a:rPr lang="en-US" dirty="0" smtClean="0"/>
+              <a:t>https://towardsdatascience.com/beam-search-decoding-in-ctc-trained-neural-networks-5a889a3d85a7</a:t>
+            </a:r>
+          </a:p>
+          <a:p>
+            <a:endParaRPr lang="en-US" dirty="0"/>
+          </a:p>
+        </p:txBody>
+      </p:sp>
+      <p:sp>
+        <p:nvSpPr>
+          <p:cNvPr id="4" name="Slide Number Placeholder 3"/>
+          <p:cNvSpPr>
+            <a:spLocks noGrp="1"/>
+          </p:cNvSpPr>
+          <p:nvPr>
+            <p:ph type="sldNum" sz="quarter" idx="10"/>
+          </p:nvPr>
+        </p:nvSpPr>
+        <p:spPr/>
+        <p:txBody>
+          <a:bodyPr/>
+          <a:lstStyle/>
+          <a:p>
+            <a:fld id="{74668BCF-21A2-461F-AAC6-16B7FF9C72B7}" type="slidenum">
+              <a:rPr lang="en-US" smtClean="0"/>
+              <a:t>10</a:t>
+            </a:fld>
+            <a:endParaRPr lang="en-US"/>
+          </a:p>
+        </p:txBody>
+      </p:sp>
+    </p:spTree>
+    <p:extLst>
+      <p:ext uri="{BB962C8B-B14F-4D97-AF65-F5344CB8AC3E}">
+        <p14:creationId xmlns:p14="http://schemas.microsoft.com/office/powerpoint/2010/main" val="2168442189"/>
       </p:ext>
     </p:extLst>
   </p:cSld>
@@ -565,7 +932,7 @@
 </file>
 
 <file path=ppt/slideLayouts/slideLayout1.xml><?xml version="1.0" encoding="utf-8"?>
-<p:sldLayout xmlns:a="http://schemas.openxmlformats.org/drawingml/2006/main" xmlns:r="http://schemas.openxmlformats.org/officeDocument/2006/relationships" xmlns:p="http://schemas.openxmlformats.org/presentationml/2006/main" type="title" preserve="1">
+<p:sldLayout xmlns:a="http://schemas.openxmlformats.org/drawingml/2006/main" xmlns:r="http://schemas.openxmlformats.org/officeDocument/2006/relationships" xmlns:p="http://schemas.openxmlformats.org/presentationml/2006/main" showMasterSp="0" type="title" preserve="1">
   <p:cSld name="Title Slide">
     <p:spTree>
       <p:nvGrpSpPr>
@@ -583,25 +950,113 @@
       </p:grpSpPr>
       <p:sp>
         <p:nvSpPr>
-          <p:cNvPr id="2" name="Title 1"/>
-          <p:cNvSpPr>
-            <a:spLocks noGrp="1"/>
-          </p:cNvSpPr>
-          <p:nvPr>
-            <p:ph type="ctrTitle"/>
-          </p:nvPr>
+          <p:cNvPr id="7" name="Rectangle 6"/>
+          <p:cNvSpPr/>
+          <p:nvPr/>
         </p:nvSpPr>
         <p:spPr>
           <a:xfrm>
-            <a:off x="1524000" y="1122363"/>
-            <a:ext cx="9144000" cy="2387600"/>
+            <a:off x="3175" y="6400800"/>
+            <a:ext cx="12188825" cy="457200"/>
+          </a:xfrm>
+          <a:prstGeom prst="rect">
+            <a:avLst/>
+          </a:prstGeom>
+          <a:solidFill>
+            <a:schemeClr val="accent2"/>
+          </a:solidFill>
+          <a:ln>
+            <a:noFill/>
+          </a:ln>
+        </p:spPr>
+        <p:style>
+          <a:lnRef idx="2">
+            <a:schemeClr val="accent1">
+              <a:shade val="50000"/>
+            </a:schemeClr>
+          </a:lnRef>
+          <a:fillRef idx="1">
+            <a:schemeClr val="accent1"/>
+          </a:fillRef>
+          <a:effectRef idx="0">
+            <a:schemeClr val="accent1"/>
+          </a:effectRef>
+          <a:fontRef idx="minor">
+            <a:schemeClr val="lt1"/>
+          </a:fontRef>
+        </p:style>
+      </p:sp>
+      <p:sp>
+        <p:nvSpPr>
+          <p:cNvPr id="8" name="Rectangle 7"/>
+          <p:cNvSpPr/>
+          <p:nvPr/>
+        </p:nvSpPr>
+        <p:spPr>
+          <a:xfrm>
+            <a:off x="15" y="6334316"/>
+            <a:ext cx="12188825" cy="64008"/>
+          </a:xfrm>
+          <a:prstGeom prst="rect">
+            <a:avLst/>
+          </a:prstGeom>
+          <a:solidFill>
+            <a:schemeClr val="accent1"/>
+          </a:solidFill>
+          <a:ln>
+            <a:noFill/>
+          </a:ln>
+        </p:spPr>
+        <p:style>
+          <a:lnRef idx="2">
+            <a:schemeClr val="accent1">
+              <a:shade val="50000"/>
+            </a:schemeClr>
+          </a:lnRef>
+          <a:fillRef idx="1">
+            <a:schemeClr val="accent1"/>
+          </a:fillRef>
+          <a:effectRef idx="0">
+            <a:schemeClr val="accent1"/>
+          </a:effectRef>
+          <a:fontRef idx="minor">
+            <a:schemeClr val="lt1"/>
+          </a:fontRef>
+        </p:style>
+      </p:sp>
+      <p:sp>
+        <p:nvSpPr>
+          <p:cNvPr id="2" name="Title 1"/>
+          <p:cNvSpPr>
+            <a:spLocks noGrp="1"/>
+          </p:cNvSpPr>
+          <p:nvPr>
+            <p:ph type="ctrTitle"/>
+          </p:nvPr>
+        </p:nvSpPr>
+        <p:spPr>
+          <a:xfrm>
+            <a:off x="1097280" y="758952"/>
+            <a:ext cx="10058400" cy="3566160"/>
           </a:xfrm>
         </p:spPr>
         <p:txBody>
-          <a:bodyPr anchor="b"/>
+          <a:bodyPr anchor="b">
+            <a:normAutofit/>
+          </a:bodyPr>
           <a:lstStyle>
-            <a:lvl1pPr algn="ctr">
-              <a:defRPr sz="6000"/>
+            <a:lvl1pPr algn="l">
+              <a:lnSpc>
+                <a:spcPct val="85000"/>
+              </a:lnSpc>
+              <a:defRPr sz="8000" spc="-50" baseline="0">
+                <a:solidFill>
+                  <a:schemeClr val="tx1">
+                    <a:lumMod val="85000"/>
+                    <a:lumOff val="15000"/>
+                  </a:schemeClr>
+                </a:solidFill>
+              </a:defRPr>
             </a:lvl1pPr>
           </a:lstStyle>
           <a:p>
@@ -609,7 +1064,7 @@
               <a:rPr lang="en-US" smtClean="0"/>
               <a:t>Click to edit Master title style</a:t>
             </a:r>
-            <a:endParaRPr lang="en-US"/>
+            <a:endParaRPr lang="en-US" dirty="0"/>
           </a:p>
         </p:txBody>
       </p:sp>
@@ -625,48 +1080,55 @@
         </p:nvSpPr>
         <p:spPr>
           <a:xfrm>
-            <a:off x="1524000" y="3602038"/>
-            <a:ext cx="9144000" cy="1655762"/>
+            <a:off x="1100051" y="4455620"/>
+            <a:ext cx="10058400" cy="1143000"/>
           </a:xfrm>
         </p:spPr>
         <p:txBody>
-          <a:bodyPr/>
+          <a:bodyPr lIns="91440" rIns="91440">
+            <a:normAutofit/>
+          </a:bodyPr>
           <a:lstStyle>
-            <a:lvl1pPr marL="0" indent="0" algn="ctr">
+            <a:lvl1pPr marL="0" indent="0" algn="l">
               <a:buNone/>
-              <a:defRPr sz="2400"/>
+              <a:defRPr sz="2400" cap="all" spc="200" baseline="0">
+                <a:solidFill>
+                  <a:schemeClr val="tx2"/>
+                </a:solidFill>
+                <a:latin typeface="+mj-lt"/>
+              </a:defRPr>
             </a:lvl1pPr>
             <a:lvl2pPr marL="457200" indent="0" algn="ctr">
               <a:buNone/>
-              <a:defRPr sz="2000"/>
+              <a:defRPr sz="2400"/>
             </a:lvl2pPr>
             <a:lvl3pPr marL="914400" indent="0" algn="ctr">
               <a:buNone/>
-              <a:defRPr sz="1800"/>
+              <a:defRPr sz="2400"/>
             </a:lvl3pPr>
             <a:lvl4pPr marL="1371600" indent="0" algn="ctr">
               <a:buNone/>
-              <a:defRPr sz="1600"/>
+              <a:defRPr sz="2000"/>
             </a:lvl4pPr>
             <a:lvl5pPr marL="1828800" indent="0" algn="ctr">
               <a:buNone/>
-              <a:defRPr sz="1600"/>
+              <a:defRPr sz="2000"/>
             </a:lvl5pPr>
             <a:lvl6pPr marL="2286000" indent="0" algn="ctr">
               <a:buNone/>
-              <a:defRPr sz="1600"/>
+              <a:defRPr sz="2000"/>
             </a:lvl6pPr>
             <a:lvl7pPr marL="2743200" indent="0" algn="ctr">
               <a:buNone/>
-              <a:defRPr sz="1600"/>
+              <a:defRPr sz="2000"/>
             </a:lvl7pPr>
             <a:lvl8pPr marL="3200400" indent="0" algn="ctr">
               <a:buNone/>
-              <a:defRPr sz="1600"/>
+              <a:defRPr sz="2000"/>
             </a:lvl8pPr>
             <a:lvl9pPr marL="3657600" indent="0" algn="ctr">
               <a:buNone/>
-              <a:defRPr sz="1600"/>
+              <a:defRPr sz="2000"/>
             </a:lvl9pPr>
           </a:lstStyle>
           <a:p>
@@ -674,7 +1136,7 @@
               <a:rPr lang="en-US" smtClean="0"/>
               <a:t>Click to edit Master subtitle style</a:t>
             </a:r>
-            <a:endParaRPr lang="en-US"/>
+            <a:endParaRPr lang="en-US" dirty="0"/>
           </a:p>
         </p:txBody>
       </p:sp>
@@ -695,7 +1157,7 @@
           <a:p>
             <a:fld id="{605F9D8B-F268-4FDC-9177-FD3B20249225}" type="datetimeFigureOut">
               <a:rPr lang="en-US" smtClean="0"/>
-              <a:t>7/9/2022</a:t>
+              <a:t>8/11/2022</a:t>
             </a:fld>
             <a:endParaRPr lang="en-US"/>
           </a:p>
@@ -743,10 +1205,48 @@
           </a:p>
         </p:txBody>
       </p:sp>
+      <p:cxnSp>
+        <p:nvCxnSpPr>
+          <p:cNvPr id="9" name="Straight Connector 8"/>
+          <p:cNvCxnSpPr/>
+          <p:nvPr/>
+        </p:nvCxnSpPr>
+        <p:spPr>
+          <a:xfrm>
+            <a:off x="1207658" y="4343400"/>
+            <a:ext cx="9875520" cy="0"/>
+          </a:xfrm>
+          <a:prstGeom prst="line">
+            <a:avLst/>
+          </a:prstGeom>
+          <a:ln w="6350">
+            <a:solidFill>
+              <a:schemeClr val="tx1">
+                <a:lumMod val="50000"/>
+                <a:lumOff val="50000"/>
+              </a:schemeClr>
+            </a:solidFill>
+          </a:ln>
+        </p:spPr>
+        <p:style>
+          <a:lnRef idx="1">
+            <a:schemeClr val="accent1"/>
+          </a:lnRef>
+          <a:fillRef idx="0">
+            <a:schemeClr val="accent1"/>
+          </a:fillRef>
+          <a:effectRef idx="0">
+            <a:schemeClr val="accent1"/>
+          </a:effectRef>
+          <a:fontRef idx="minor">
+            <a:schemeClr val="tx1"/>
+          </a:fontRef>
+        </p:style>
+      </p:cxnSp>
     </p:spTree>
     <p:extLst>
       <p:ext uri="{BB962C8B-B14F-4D97-AF65-F5344CB8AC3E}">
-        <p14:creationId xmlns:p14="http://schemas.microsoft.com/office/powerpoint/2010/main" val="1122554748"/>
+        <p14:creationId xmlns:p14="http://schemas.microsoft.com/office/powerpoint/2010/main" val="2580669439"/>
       </p:ext>
     </p:extLst>
   </p:cSld>
@@ -792,7 +1292,7 @@
               <a:rPr lang="en-US" smtClean="0"/>
               <a:t>Click to edit Master title style</a:t>
             </a:r>
-            <a:endParaRPr lang="en-US"/>
+            <a:endParaRPr lang="en-US" dirty="0"/>
           </a:p>
         </p:txBody>
       </p:sp>
@@ -808,7 +1308,7 @@
         </p:nvSpPr>
         <p:spPr/>
         <p:txBody>
-          <a:bodyPr vert="eaVert"/>
+          <a:bodyPr vert="eaVert" lIns="45720" tIns="0" rIns="45720" bIns="0"/>
           <a:lstStyle/>
           <a:p>
             <a:pPr lvl="0"/>
@@ -844,7 +1344,7 @@
               <a:rPr lang="en-US" smtClean="0"/>
               <a:t>Fifth level</a:t>
             </a:r>
-            <a:endParaRPr lang="en-US"/>
+            <a:endParaRPr lang="en-US" dirty="0"/>
           </a:p>
         </p:txBody>
       </p:sp>
@@ -865,7 +1365,7 @@
           <a:p>
             <a:fld id="{605F9D8B-F268-4FDC-9177-FD3B20249225}" type="datetimeFigureOut">
               <a:rPr lang="en-US" smtClean="0"/>
-              <a:t>7/9/2022</a:t>
+              <a:t>8/11/2022</a:t>
             </a:fld>
             <a:endParaRPr lang="en-US"/>
           </a:p>
@@ -916,7 +1416,7 @@
     </p:spTree>
     <p:extLst>
       <p:ext uri="{BB962C8B-B14F-4D97-AF65-F5344CB8AC3E}">
-        <p14:creationId xmlns:p14="http://schemas.microsoft.com/office/powerpoint/2010/main" val="3094653666"/>
+        <p14:creationId xmlns:p14="http://schemas.microsoft.com/office/powerpoint/2010/main" val="2525405085"/>
       </p:ext>
     </p:extLst>
   </p:cSld>
@@ -927,7 +1427,7 @@
 </file>
 
 <file path=ppt/slideLayouts/slideLayout11.xml><?xml version="1.0" encoding="utf-8"?>
-<p:sldLayout xmlns:a="http://schemas.openxmlformats.org/drawingml/2006/main" xmlns:r="http://schemas.openxmlformats.org/officeDocument/2006/relationships" xmlns:p="http://schemas.openxmlformats.org/presentationml/2006/main" type="vertTitleAndTx" preserve="1">
+<p:sldLayout xmlns:a="http://schemas.openxmlformats.org/drawingml/2006/main" xmlns:r="http://schemas.openxmlformats.org/officeDocument/2006/relationships" xmlns:p="http://schemas.openxmlformats.org/presentationml/2006/main" showMasterSp="0" type="vertTitleAndTx" preserve="1">
   <p:cSld name="Vertical Title and Text">
     <p:spTree>
       <p:nvGrpSpPr>
@@ -945,18 +1445,94 @@
       </p:grpSpPr>
       <p:sp>
         <p:nvSpPr>
-          <p:cNvPr id="2" name="Vertical Title 1"/>
-          <p:cNvSpPr>
-            <a:spLocks noGrp="1"/>
-          </p:cNvSpPr>
-          <p:nvPr>
-            <p:ph type="title" orient="vert"/>
-          </p:nvPr>
+          <p:cNvPr id="7" name="Rectangle 6"/>
+          <p:cNvSpPr/>
+          <p:nvPr/>
         </p:nvSpPr>
         <p:spPr>
           <a:xfrm>
-            <a:off x="8724900" y="365125"/>
-            <a:ext cx="2628900" cy="5811838"/>
+            <a:off x="3175" y="6400800"/>
+            <a:ext cx="12188825" cy="457200"/>
+          </a:xfrm>
+          <a:prstGeom prst="rect">
+            <a:avLst/>
+          </a:prstGeom>
+          <a:solidFill>
+            <a:schemeClr val="accent2"/>
+          </a:solidFill>
+          <a:ln>
+            <a:noFill/>
+          </a:ln>
+        </p:spPr>
+        <p:style>
+          <a:lnRef idx="2">
+            <a:schemeClr val="accent1">
+              <a:shade val="50000"/>
+            </a:schemeClr>
+          </a:lnRef>
+          <a:fillRef idx="1">
+            <a:schemeClr val="accent1"/>
+          </a:fillRef>
+          <a:effectRef idx="0">
+            <a:schemeClr val="accent1"/>
+          </a:effectRef>
+          <a:fontRef idx="minor">
+            <a:schemeClr val="lt1"/>
+          </a:fontRef>
+        </p:style>
+      </p:sp>
+      <p:sp>
+        <p:nvSpPr>
+          <p:cNvPr id="8" name="Rectangle 7"/>
+          <p:cNvSpPr/>
+          <p:nvPr/>
+        </p:nvSpPr>
+        <p:spPr>
+          <a:xfrm>
+            <a:off x="15" y="6334316"/>
+            <a:ext cx="12188825" cy="64008"/>
+          </a:xfrm>
+          <a:prstGeom prst="rect">
+            <a:avLst/>
+          </a:prstGeom>
+          <a:solidFill>
+            <a:schemeClr val="accent1"/>
+          </a:solidFill>
+          <a:ln>
+            <a:noFill/>
+          </a:ln>
+        </p:spPr>
+        <p:style>
+          <a:lnRef idx="2">
+            <a:schemeClr val="accent1">
+              <a:shade val="50000"/>
+            </a:schemeClr>
+          </a:lnRef>
+          <a:fillRef idx="1">
+            <a:schemeClr val="accent1"/>
+          </a:fillRef>
+          <a:effectRef idx="0">
+            <a:schemeClr val="accent1"/>
+          </a:effectRef>
+          <a:fontRef idx="minor">
+            <a:schemeClr val="lt1"/>
+          </a:fontRef>
+        </p:style>
+      </p:sp>
+      <p:sp>
+        <p:nvSpPr>
+          <p:cNvPr id="2" name="Vertical Title 1"/>
+          <p:cNvSpPr>
+            <a:spLocks noGrp="1"/>
+          </p:cNvSpPr>
+          <p:nvPr>
+            <p:ph type="title" orient="vert"/>
+          </p:nvPr>
+        </p:nvSpPr>
+        <p:spPr>
+          <a:xfrm>
+            <a:off x="8724900" y="414778"/>
+            <a:ext cx="2628900" cy="5757421"/>
           </a:xfrm>
         </p:spPr>
         <p:txBody>
@@ -967,7 +1543,7 @@
               <a:rPr lang="en-US" smtClean="0"/>
               <a:t>Click to edit Master title style</a:t>
             </a:r>
-            <a:endParaRPr lang="en-US"/>
+            <a:endParaRPr lang="en-US" dirty="0"/>
           </a:p>
         </p:txBody>
       </p:sp>
@@ -983,12 +1559,12 @@
         </p:nvSpPr>
         <p:spPr>
           <a:xfrm>
-            <a:off x="838200" y="365125"/>
-            <a:ext cx="7734300" cy="5811838"/>
+            <a:off x="838200" y="414778"/>
+            <a:ext cx="7734300" cy="5757422"/>
           </a:xfrm>
         </p:spPr>
         <p:txBody>
-          <a:bodyPr vert="eaVert"/>
+          <a:bodyPr vert="eaVert" lIns="45720" tIns="0" rIns="45720" bIns="0"/>
           <a:lstStyle/>
           <a:p>
             <a:pPr lvl="0"/>
@@ -1024,7 +1600,7 @@
               <a:rPr lang="en-US" smtClean="0"/>
               <a:t>Fifth level</a:t>
             </a:r>
-            <a:endParaRPr lang="en-US"/>
+            <a:endParaRPr lang="en-US" dirty="0"/>
           </a:p>
         </p:txBody>
       </p:sp>
@@ -1045,7 +1621,7 @@
           <a:p>
             <a:fld id="{605F9D8B-F268-4FDC-9177-FD3B20249225}" type="datetimeFigureOut">
               <a:rPr lang="en-US" smtClean="0"/>
-              <a:t>7/9/2022</a:t>
+              <a:t>8/11/2022</a:t>
             </a:fld>
             <a:endParaRPr lang="en-US"/>
           </a:p>
@@ -1096,7 +1672,7 @@
     </p:spTree>
     <p:extLst>
       <p:ext uri="{BB962C8B-B14F-4D97-AF65-F5344CB8AC3E}">
-        <p14:creationId xmlns:p14="http://schemas.microsoft.com/office/powerpoint/2010/main" val="142302966"/>
+        <p14:creationId xmlns:p14="http://schemas.microsoft.com/office/powerpoint/2010/main" val="1833712121"/>
       </p:ext>
     </p:extLst>
   </p:cSld>
@@ -1136,13 +1712,17 @@
         <p:spPr/>
         <p:txBody>
           <a:bodyPr/>
-          <a:lstStyle/>
+          <a:lstStyle>
+            <a:lvl1pPr marL="0">
+              <a:defRPr/>
+            </a:lvl1pPr>
+          </a:lstStyle>
           <a:p>
             <a:r>
               <a:rPr lang="en-US" smtClean="0"/>
               <a:t>Click to edit Master title style</a:t>
             </a:r>
-            <a:endParaRPr lang="en-US"/>
+            <a:endParaRPr lang="en-US" dirty="0"/>
           </a:p>
         </p:txBody>
       </p:sp>
@@ -1194,7 +1774,7 @@
               <a:rPr lang="en-US" smtClean="0"/>
               <a:t>Fifth level</a:t>
             </a:r>
-            <a:endParaRPr lang="en-US"/>
+            <a:endParaRPr lang="en-US" dirty="0"/>
           </a:p>
         </p:txBody>
       </p:sp>
@@ -1215,7 +1795,7 @@
           <a:p>
             <a:fld id="{605F9D8B-F268-4FDC-9177-FD3B20249225}" type="datetimeFigureOut">
               <a:rPr lang="en-US" smtClean="0"/>
-              <a:t>7/9/2022</a:t>
+              <a:t>8/11/2022</a:t>
             </a:fld>
             <a:endParaRPr lang="en-US"/>
           </a:p>
@@ -1266,7 +1846,7 @@
     </p:spTree>
     <p:extLst>
       <p:ext uri="{BB962C8B-B14F-4D97-AF65-F5344CB8AC3E}">
-        <p14:creationId xmlns:p14="http://schemas.microsoft.com/office/powerpoint/2010/main" val="2839025767"/>
+        <p14:creationId xmlns:p14="http://schemas.microsoft.com/office/powerpoint/2010/main" val="2395161017"/>
       </p:ext>
     </p:extLst>
   </p:cSld>
@@ -1277,8 +1857,16 @@
 </file>
 
 <file path=ppt/slideLayouts/slideLayout3.xml><?xml version="1.0" encoding="utf-8"?>
-<p:sldLayout xmlns:a="http://schemas.openxmlformats.org/drawingml/2006/main" xmlns:r="http://schemas.openxmlformats.org/officeDocument/2006/relationships" xmlns:p="http://schemas.openxmlformats.org/presentationml/2006/main" type="secHead" preserve="1">
+<p:sldLayout xmlns:a="http://schemas.openxmlformats.org/drawingml/2006/main" xmlns:r="http://schemas.openxmlformats.org/officeDocument/2006/relationships" xmlns:p="http://schemas.openxmlformats.org/presentationml/2006/main" showMasterSp="0" type="secHead" preserve="1">
   <p:cSld name="Section Header">
+    <p:bg>
+      <p:bgPr>
+        <a:solidFill>
+          <a:schemeClr val="bg1"/>
+        </a:solidFill>
+        <a:effectLst/>
+      </p:bgPr>
+    </p:bg>
     <p:spTree>
       <p:nvGrpSpPr>
         <p:cNvPr id="1" name=""/>
@@ -1295,68 +1883,157 @@
       </p:grpSpPr>
       <p:sp>
         <p:nvSpPr>
-          <p:cNvPr id="2" name="Title 1"/>
-          <p:cNvSpPr>
-            <a:spLocks noGrp="1"/>
-          </p:cNvSpPr>
-          <p:nvPr>
-            <p:ph type="title"/>
-          </p:nvPr>
+          <p:cNvPr id="7" name="Rectangle 6"/>
+          <p:cNvSpPr/>
+          <p:nvPr/>
         </p:nvSpPr>
         <p:spPr>
           <a:xfrm>
-            <a:off x="831850" y="1709738"/>
-            <a:ext cx="10515600" cy="2852737"/>
+            <a:off x="3175" y="6400800"/>
+            <a:ext cx="12188825" cy="457200"/>
+          </a:xfrm>
+          <a:prstGeom prst="rect">
+            <a:avLst/>
+          </a:prstGeom>
+          <a:solidFill>
+            <a:schemeClr val="accent2"/>
+          </a:solidFill>
+          <a:ln>
+            <a:noFill/>
+          </a:ln>
+        </p:spPr>
+        <p:style>
+          <a:lnRef idx="2">
+            <a:schemeClr val="accent1">
+              <a:shade val="50000"/>
+            </a:schemeClr>
+          </a:lnRef>
+          <a:fillRef idx="1">
+            <a:schemeClr val="accent1"/>
+          </a:fillRef>
+          <a:effectRef idx="0">
+            <a:schemeClr val="accent1"/>
+          </a:effectRef>
+          <a:fontRef idx="minor">
+            <a:schemeClr val="lt1"/>
+          </a:fontRef>
+        </p:style>
+      </p:sp>
+      <p:sp>
+        <p:nvSpPr>
+          <p:cNvPr id="8" name="Rectangle 7"/>
+          <p:cNvSpPr/>
+          <p:nvPr/>
+        </p:nvSpPr>
+        <p:spPr>
+          <a:xfrm>
+            <a:off x="15" y="6334316"/>
+            <a:ext cx="12188825" cy="64008"/>
+          </a:xfrm>
+          <a:prstGeom prst="rect">
+            <a:avLst/>
+          </a:prstGeom>
+          <a:solidFill>
+            <a:schemeClr val="accent1"/>
+          </a:solidFill>
+          <a:ln>
+            <a:noFill/>
+          </a:ln>
+        </p:spPr>
+        <p:style>
+          <a:lnRef idx="2">
+            <a:schemeClr val="accent1">
+              <a:shade val="50000"/>
+            </a:schemeClr>
+          </a:lnRef>
+          <a:fillRef idx="1">
+            <a:schemeClr val="accent1"/>
+          </a:fillRef>
+          <a:effectRef idx="0">
+            <a:schemeClr val="accent1"/>
+          </a:effectRef>
+          <a:fontRef idx="minor">
+            <a:schemeClr val="lt1"/>
+          </a:fontRef>
+        </p:style>
+      </p:sp>
+      <p:sp>
+        <p:nvSpPr>
+          <p:cNvPr id="2" name="Title 1"/>
+          <p:cNvSpPr>
+            <a:spLocks noGrp="1"/>
+          </p:cNvSpPr>
+          <p:nvPr>
+            <p:ph type="title"/>
+          </p:nvPr>
+        </p:nvSpPr>
+        <p:spPr>
+          <a:xfrm>
+            <a:off x="1097280" y="758952"/>
+            <a:ext cx="10058400" cy="3566160"/>
           </a:xfrm>
         </p:spPr>
         <p:txBody>
-          <a:bodyPr anchor="b"/>
+          <a:bodyPr anchor="b" anchorCtr="0">
+            <a:normAutofit/>
+          </a:bodyPr>
           <a:lstStyle>
             <a:lvl1pPr>
-              <a:defRPr sz="6000"/>
-            </a:lvl1pPr>
-          </a:lstStyle>
-          <a:p>
-            <a:r>
-              <a:rPr lang="en-US" smtClean="0"/>
-              <a:t>Click to edit Master title style</a:t>
-            </a:r>
-            <a:endParaRPr lang="en-US"/>
-          </a:p>
-        </p:txBody>
-      </p:sp>
-      <p:sp>
-        <p:nvSpPr>
-          <p:cNvPr id="3" name="Text Placeholder 2"/>
-          <p:cNvSpPr>
-            <a:spLocks noGrp="1"/>
-          </p:cNvSpPr>
-          <p:nvPr>
-            <p:ph type="body" idx="1"/>
-          </p:nvPr>
-        </p:nvSpPr>
-        <p:spPr>
-          <a:xfrm>
-            <a:off x="831850" y="4589463"/>
-            <a:ext cx="10515600" cy="1500187"/>
-          </a:xfrm>
-        </p:spPr>
-        <p:txBody>
-          <a:bodyPr/>
-          <a:lstStyle>
-            <a:lvl1pPr marL="0" indent="0">
-              <a:buNone/>
-              <a:defRPr sz="2400">
+              <a:lnSpc>
+                <a:spcPct val="85000"/>
+              </a:lnSpc>
+              <a:defRPr sz="8000" b="0">
                 <a:solidFill>
                   <a:schemeClr val="tx1">
-                    <a:tint val="75000"/>
+                    <a:lumMod val="85000"/>
+                    <a:lumOff val="15000"/>
                   </a:schemeClr>
                 </a:solidFill>
               </a:defRPr>
             </a:lvl1pPr>
+          </a:lstStyle>
+          <a:p>
+            <a:r>
+              <a:rPr lang="en-US" smtClean="0"/>
+              <a:t>Click to edit Master title style</a:t>
+            </a:r>
+            <a:endParaRPr lang="en-US" dirty="0"/>
+          </a:p>
+        </p:txBody>
+      </p:sp>
+      <p:sp>
+        <p:nvSpPr>
+          <p:cNvPr id="3" name="Text Placeholder 2"/>
+          <p:cNvSpPr>
+            <a:spLocks noGrp="1"/>
+          </p:cNvSpPr>
+          <p:nvPr>
+            <p:ph type="body" idx="1"/>
+          </p:nvPr>
+        </p:nvSpPr>
+        <p:spPr>
+          <a:xfrm>
+            <a:off x="1097280" y="4453128"/>
+            <a:ext cx="10058400" cy="1143000"/>
+          </a:xfrm>
+        </p:spPr>
+        <p:txBody>
+          <a:bodyPr lIns="91440" rIns="91440" anchor="t" anchorCtr="0">
+            <a:normAutofit/>
+          </a:bodyPr>
+          <a:lstStyle>
+            <a:lvl1pPr marL="0" indent="0">
+              <a:buNone/>
+              <a:defRPr sz="2400" cap="all" spc="200" baseline="0">
+                <a:solidFill>
+                  <a:schemeClr val="tx2"/>
+                </a:solidFill>
+                <a:latin typeface="+mj-lt"/>
+              </a:defRPr>
+            </a:lvl1pPr>
             <a:lvl2pPr marL="457200" indent="0">
               <a:buNone/>
-              <a:defRPr sz="2000">
+              <a:defRPr sz="1800">
                 <a:solidFill>
                   <a:schemeClr val="tx1">
                     <a:tint val="75000"/>
@@ -1366,7 +2043,7 @@
             </a:lvl2pPr>
             <a:lvl3pPr marL="914400" indent="0">
               <a:buNone/>
-              <a:defRPr sz="1800">
+              <a:defRPr sz="1600">
                 <a:solidFill>
                   <a:schemeClr val="tx1">
                     <a:tint val="75000"/>
@@ -1376,7 +2053,7 @@
             </a:lvl3pPr>
             <a:lvl4pPr marL="1371600" indent="0">
               <a:buNone/>
-              <a:defRPr sz="1600">
+              <a:defRPr sz="1400">
                 <a:solidFill>
                   <a:schemeClr val="tx1">
                     <a:tint val="75000"/>
@@ -1386,7 +2063,7 @@
             </a:lvl4pPr>
             <a:lvl5pPr marL="1828800" indent="0">
               <a:buNone/>
-              <a:defRPr sz="1600">
+              <a:defRPr sz="1400">
                 <a:solidFill>
                   <a:schemeClr val="tx1">
                     <a:tint val="75000"/>
@@ -1396,7 +2073,7 @@
             </a:lvl5pPr>
             <a:lvl6pPr marL="2286000" indent="0">
               <a:buNone/>
-              <a:defRPr sz="1600">
+              <a:defRPr sz="1400">
                 <a:solidFill>
                   <a:schemeClr val="tx1">
                     <a:tint val="75000"/>
@@ -1406,7 +2083,7 @@
             </a:lvl6pPr>
             <a:lvl7pPr marL="2743200" indent="0">
               <a:buNone/>
-              <a:defRPr sz="1600">
+              <a:defRPr sz="1400">
                 <a:solidFill>
                   <a:schemeClr val="tx1">
                     <a:tint val="75000"/>
@@ -1416,7 +2093,7 @@
             </a:lvl7pPr>
             <a:lvl8pPr marL="3200400" indent="0">
               <a:buNone/>
-              <a:defRPr sz="1600">
+              <a:defRPr sz="1400">
                 <a:solidFill>
                   <a:schemeClr val="tx1">
                     <a:tint val="75000"/>
@@ -1426,7 +2103,7 @@
             </a:lvl8pPr>
             <a:lvl9pPr marL="3657600" indent="0">
               <a:buNone/>
-              <a:defRPr sz="1600">
+              <a:defRPr sz="1400">
                 <a:solidFill>
                   <a:schemeClr val="tx1">
                     <a:tint val="75000"/>
@@ -1461,7 +2138,7 @@
           <a:p>
             <a:fld id="{605F9D8B-F268-4FDC-9177-FD3B20249225}" type="datetimeFigureOut">
               <a:rPr lang="en-US" smtClean="0"/>
-              <a:t>7/9/2022</a:t>
+              <a:t>8/11/2022</a:t>
             </a:fld>
             <a:endParaRPr lang="en-US"/>
           </a:p>
@@ -1509,10 +2186,48 @@
           </a:p>
         </p:txBody>
       </p:sp>
+      <p:cxnSp>
+        <p:nvCxnSpPr>
+          <p:cNvPr id="9" name="Straight Connector 8"/>
+          <p:cNvCxnSpPr/>
+          <p:nvPr/>
+        </p:nvCxnSpPr>
+        <p:spPr>
+          <a:xfrm>
+            <a:off x="1207658" y="4343400"/>
+            <a:ext cx="9875520" cy="0"/>
+          </a:xfrm>
+          <a:prstGeom prst="line">
+            <a:avLst/>
+          </a:prstGeom>
+          <a:ln w="6350">
+            <a:solidFill>
+              <a:schemeClr val="tx1">
+                <a:lumMod val="50000"/>
+                <a:lumOff val="50000"/>
+              </a:schemeClr>
+            </a:solidFill>
+          </a:ln>
+        </p:spPr>
+        <p:style>
+          <a:lnRef idx="1">
+            <a:schemeClr val="accent1"/>
+          </a:lnRef>
+          <a:fillRef idx="0">
+            <a:schemeClr val="accent1"/>
+          </a:fillRef>
+          <a:effectRef idx="0">
+            <a:schemeClr val="accent1"/>
+          </a:effectRef>
+          <a:fontRef idx="minor">
+            <a:schemeClr val="tx1"/>
+          </a:fontRef>
+        </p:style>
+      </p:cxnSp>
     </p:spTree>
     <p:extLst>
       <p:ext uri="{BB962C8B-B14F-4D97-AF65-F5344CB8AC3E}">
-        <p14:creationId xmlns:p14="http://schemas.microsoft.com/office/powerpoint/2010/main" val="184743404"/>
+        <p14:creationId xmlns:p14="http://schemas.microsoft.com/office/powerpoint/2010/main" val="1745216330"/>
       </p:ext>
     </p:extLst>
   </p:cSld>
@@ -1541,7 +2256,7 @@
       </p:grpSpPr>
       <p:sp>
         <p:nvSpPr>
-          <p:cNvPr id="2" name="Title 1"/>
+          <p:cNvPr id="8" name="Title 7"/>
           <p:cNvSpPr>
             <a:spLocks noGrp="1"/>
           </p:cNvSpPr>
@@ -1549,7 +2264,12 @@
             <p:ph type="title"/>
           </p:nvPr>
         </p:nvSpPr>
-        <p:spPr/>
+        <p:spPr>
+          <a:xfrm>
+            <a:off x="1097280" y="286603"/>
+            <a:ext cx="10058400" cy="1450757"/>
+          </a:xfrm>
+        </p:spPr>
         <p:txBody>
           <a:bodyPr/>
           <a:lstStyle/>
@@ -1558,7 +2278,7 @@
               <a:rPr lang="en-US" smtClean="0"/>
               <a:t>Click to edit Master title style</a:t>
             </a:r>
-            <a:endParaRPr lang="en-US"/>
+            <a:endParaRPr lang="en-US" dirty="0"/>
           </a:p>
         </p:txBody>
       </p:sp>
@@ -1574,8 +2294,8 @@
         </p:nvSpPr>
         <p:spPr>
           <a:xfrm>
-            <a:off x="838200" y="1825625"/>
-            <a:ext cx="5181600" cy="4351338"/>
+            <a:off x="1097279" y="1845734"/>
+            <a:ext cx="4937760" cy="4023360"/>
           </a:xfrm>
         </p:spPr>
         <p:txBody>
@@ -1615,7 +2335,7 @@
               <a:rPr lang="en-US" smtClean="0"/>
               <a:t>Fifth level</a:t>
             </a:r>
-            <a:endParaRPr lang="en-US"/>
+            <a:endParaRPr lang="en-US" dirty="0"/>
           </a:p>
         </p:txBody>
       </p:sp>
@@ -1631,8 +2351,8 @@
         </p:nvSpPr>
         <p:spPr>
           <a:xfrm>
-            <a:off x="6172200" y="1825625"/>
-            <a:ext cx="5181600" cy="4351338"/>
+            <a:off x="6217920" y="1845735"/>
+            <a:ext cx="4937760" cy="4023360"/>
           </a:xfrm>
         </p:spPr>
         <p:txBody>
@@ -1672,7 +2392,7 @@
               <a:rPr lang="en-US" smtClean="0"/>
               <a:t>Fifth level</a:t>
             </a:r>
-            <a:endParaRPr lang="en-US"/>
+            <a:endParaRPr lang="en-US" dirty="0"/>
           </a:p>
         </p:txBody>
       </p:sp>
@@ -1693,7 +2413,7 @@
           <a:p>
             <a:fld id="{605F9D8B-F268-4FDC-9177-FD3B20249225}" type="datetimeFigureOut">
               <a:rPr lang="en-US" smtClean="0"/>
-              <a:t>7/9/2022</a:t>
+              <a:t>8/11/2022</a:t>
             </a:fld>
             <a:endParaRPr lang="en-US"/>
           </a:p>
@@ -1744,7 +2464,7 @@
     </p:spTree>
     <p:extLst>
       <p:ext uri="{BB962C8B-B14F-4D97-AF65-F5344CB8AC3E}">
-        <p14:creationId xmlns:p14="http://schemas.microsoft.com/office/powerpoint/2010/main" val="1513388197"/>
+        <p14:creationId xmlns:p14="http://schemas.microsoft.com/office/powerpoint/2010/main" val="1298615247"/>
       </p:ext>
     </p:extLst>
   </p:cSld>
@@ -1773,7 +2493,7 @@
       </p:grpSpPr>
       <p:sp>
         <p:nvSpPr>
-          <p:cNvPr id="2" name="Title 1"/>
+          <p:cNvPr id="10" name="Title 9"/>
           <p:cNvSpPr>
             <a:spLocks noGrp="1"/>
           </p:cNvSpPr>
@@ -1783,8 +2503,8 @@
         </p:nvSpPr>
         <p:spPr>
           <a:xfrm>
-            <a:off x="839788" y="365125"/>
-            <a:ext cx="10515600" cy="1325563"/>
+            <a:off x="1097280" y="286603"/>
+            <a:ext cx="10058400" cy="1450757"/>
           </a:xfrm>
         </p:spPr>
         <p:txBody>
@@ -1795,7 +2515,7 @@
               <a:rPr lang="en-US" smtClean="0"/>
               <a:t>Click to edit Master title style</a:t>
             </a:r>
-            <a:endParaRPr lang="en-US"/>
+            <a:endParaRPr lang="en-US" dirty="0"/>
           </a:p>
         </p:txBody>
       </p:sp>
@@ -1811,16 +2531,22 @@
         </p:nvSpPr>
         <p:spPr>
           <a:xfrm>
-            <a:off x="839788" y="1681163"/>
-            <a:ext cx="5157787" cy="823912"/>
+            <a:off x="1097280" y="1846052"/>
+            <a:ext cx="4937760" cy="736282"/>
           </a:xfrm>
         </p:spPr>
         <p:txBody>
-          <a:bodyPr anchor="b"/>
+          <a:bodyPr lIns="91440" rIns="91440" anchor="ctr">
+            <a:normAutofit/>
+          </a:bodyPr>
           <a:lstStyle>
             <a:lvl1pPr marL="0" indent="0">
               <a:buNone/>
-              <a:defRPr sz="2400" b="1"/>
+              <a:defRPr sz="2000" b="0" cap="all" baseline="0">
+                <a:solidFill>
+                  <a:schemeClr val="tx2"/>
+                </a:solidFill>
+              </a:defRPr>
             </a:lvl1pPr>
             <a:lvl2pPr marL="457200" indent="0">
               <a:buNone/>
@@ -1876,8 +2602,8 @@
         </p:nvSpPr>
         <p:spPr>
           <a:xfrm>
-            <a:off x="839788" y="2505075"/>
-            <a:ext cx="5157787" cy="3684588"/>
+            <a:off x="1097280" y="2582334"/>
+            <a:ext cx="4937760" cy="3378200"/>
           </a:xfrm>
         </p:spPr>
         <p:txBody>
@@ -1917,7 +2643,7 @@
               <a:rPr lang="en-US" smtClean="0"/>
               <a:t>Fifth level</a:t>
             </a:r>
-            <a:endParaRPr lang="en-US"/>
+            <a:endParaRPr lang="en-US" dirty="0"/>
           </a:p>
         </p:txBody>
       </p:sp>
@@ -1933,16 +2659,22 @@
         </p:nvSpPr>
         <p:spPr>
           <a:xfrm>
-            <a:off x="6172200" y="1681163"/>
-            <a:ext cx="5183188" cy="823912"/>
+            <a:off x="6217920" y="1846052"/>
+            <a:ext cx="4937760" cy="736282"/>
           </a:xfrm>
         </p:spPr>
         <p:txBody>
-          <a:bodyPr anchor="b"/>
+          <a:bodyPr lIns="91440" rIns="91440" anchor="ctr">
+            <a:normAutofit/>
+          </a:bodyPr>
           <a:lstStyle>
             <a:lvl1pPr marL="0" indent="0">
               <a:buNone/>
-              <a:defRPr sz="2400" b="1"/>
+              <a:defRPr sz="2000" b="0" cap="all" baseline="0">
+                <a:solidFill>
+                  <a:schemeClr val="tx2"/>
+                </a:solidFill>
+              </a:defRPr>
             </a:lvl1pPr>
             <a:lvl2pPr marL="457200" indent="0">
               <a:buNone/>
@@ -1998,8 +2730,8 @@
         </p:nvSpPr>
         <p:spPr>
           <a:xfrm>
-            <a:off x="6172200" y="2505075"/>
-            <a:ext cx="5183188" cy="3684588"/>
+            <a:off x="6217920" y="2582334"/>
+            <a:ext cx="4937760" cy="3378200"/>
           </a:xfrm>
         </p:spPr>
         <p:txBody>
@@ -2039,7 +2771,7 @@
               <a:rPr lang="en-US" smtClean="0"/>
               <a:t>Fifth level</a:t>
             </a:r>
-            <a:endParaRPr lang="en-US"/>
+            <a:endParaRPr lang="en-US" dirty="0"/>
           </a:p>
         </p:txBody>
       </p:sp>
@@ -2060,7 +2792,7 @@
           <a:p>
             <a:fld id="{605F9D8B-F268-4FDC-9177-FD3B20249225}" type="datetimeFigureOut">
               <a:rPr lang="en-US" smtClean="0"/>
-              <a:t>7/9/2022</a:t>
+              <a:t>8/11/2022</a:t>
             </a:fld>
             <a:endParaRPr lang="en-US"/>
           </a:p>
@@ -2111,7 +2843,7 @@
     </p:spTree>
     <p:extLst>
       <p:ext uri="{BB962C8B-B14F-4D97-AF65-F5344CB8AC3E}">
-        <p14:creationId xmlns:p14="http://schemas.microsoft.com/office/powerpoint/2010/main" val="3781499683"/>
+        <p14:creationId xmlns:p14="http://schemas.microsoft.com/office/powerpoint/2010/main" val="1657530011"/>
       </p:ext>
     </p:extLst>
   </p:cSld>
@@ -2157,7 +2889,7 @@
               <a:rPr lang="en-US" smtClean="0"/>
               <a:t>Click to edit Master title style</a:t>
             </a:r>
-            <a:endParaRPr lang="en-US"/>
+            <a:endParaRPr lang="en-US" dirty="0"/>
           </a:p>
         </p:txBody>
       </p:sp>
@@ -2178,7 +2910,7 @@
           <a:p>
             <a:fld id="{605F9D8B-F268-4FDC-9177-FD3B20249225}" type="datetimeFigureOut">
               <a:rPr lang="en-US" smtClean="0"/>
-              <a:t>7/9/2022</a:t>
+              <a:t>8/11/2022</a:t>
             </a:fld>
             <a:endParaRPr lang="en-US"/>
           </a:p>
@@ -2229,7 +2961,7 @@
     </p:spTree>
     <p:extLst>
       <p:ext uri="{BB962C8B-B14F-4D97-AF65-F5344CB8AC3E}">
-        <p14:creationId xmlns:p14="http://schemas.microsoft.com/office/powerpoint/2010/main" val="4256031401"/>
+        <p14:creationId xmlns:p14="http://schemas.microsoft.com/office/powerpoint/2010/main" val="3984982100"/>
       </p:ext>
     </p:extLst>
   </p:cSld>
@@ -2240,7 +2972,7 @@
 </file>
 
 <file path=ppt/slideLayouts/slideLayout7.xml><?xml version="1.0" encoding="utf-8"?>
-<p:sldLayout xmlns:a="http://schemas.openxmlformats.org/drawingml/2006/main" xmlns:r="http://schemas.openxmlformats.org/officeDocument/2006/relationships" xmlns:p="http://schemas.openxmlformats.org/presentationml/2006/main" type="blank" preserve="1">
+<p:sldLayout xmlns:a="http://schemas.openxmlformats.org/drawingml/2006/main" xmlns:r="http://schemas.openxmlformats.org/officeDocument/2006/relationships" xmlns:p="http://schemas.openxmlformats.org/presentationml/2006/main" showMasterSp="0" type="blank" preserve="1">
   <p:cSld name="Blank">
     <p:spTree>
       <p:nvGrpSpPr>
@@ -2258,7 +2990,83 @@
       </p:grpSpPr>
       <p:sp>
         <p:nvSpPr>
-          <p:cNvPr id="2" name="Date Placeholder 1"/>
+          <p:cNvPr id="5" name="Rectangle 4"/>
+          <p:cNvSpPr/>
+          <p:nvPr/>
+        </p:nvSpPr>
+        <p:spPr>
+          <a:xfrm>
+            <a:off x="3175" y="6400800"/>
+            <a:ext cx="12188825" cy="457200"/>
+          </a:xfrm>
+          <a:prstGeom prst="rect">
+            <a:avLst/>
+          </a:prstGeom>
+          <a:solidFill>
+            <a:schemeClr val="accent2"/>
+          </a:solidFill>
+          <a:ln>
+            <a:noFill/>
+          </a:ln>
+        </p:spPr>
+        <p:style>
+          <a:lnRef idx="2">
+            <a:schemeClr val="accent1">
+              <a:shade val="50000"/>
+            </a:schemeClr>
+          </a:lnRef>
+          <a:fillRef idx="1">
+            <a:schemeClr val="accent1"/>
+          </a:fillRef>
+          <a:effectRef idx="0">
+            <a:schemeClr val="accent1"/>
+          </a:effectRef>
+          <a:fontRef idx="minor">
+            <a:schemeClr val="lt1"/>
+          </a:fontRef>
+        </p:style>
+      </p:sp>
+      <p:sp>
+        <p:nvSpPr>
+          <p:cNvPr id="6" name="Rectangle 5"/>
+          <p:cNvSpPr/>
+          <p:nvPr/>
+        </p:nvSpPr>
+        <p:spPr>
+          <a:xfrm>
+            <a:off x="15" y="6334316"/>
+            <a:ext cx="12188825" cy="64008"/>
+          </a:xfrm>
+          <a:prstGeom prst="rect">
+            <a:avLst/>
+          </a:prstGeom>
+          <a:solidFill>
+            <a:schemeClr val="accent1"/>
+          </a:solidFill>
+          <a:ln>
+            <a:noFill/>
+          </a:ln>
+        </p:spPr>
+        <p:style>
+          <a:lnRef idx="2">
+            <a:schemeClr val="accent1">
+              <a:shade val="50000"/>
+            </a:schemeClr>
+          </a:lnRef>
+          <a:fillRef idx="1">
+            <a:schemeClr val="accent1"/>
+          </a:fillRef>
+          <a:effectRef idx="0">
+            <a:schemeClr val="accent1"/>
+          </a:effectRef>
+          <a:fontRef idx="minor">
+            <a:schemeClr val="lt1"/>
+          </a:fontRef>
+        </p:style>
+      </p:sp>
+      <p:sp>
+        <p:nvSpPr>
+          <p:cNvPr id="7" name="Date Placeholder 6"/>
           <p:cNvSpPr>
             <a:spLocks noGrp="1"/>
           </p:cNvSpPr>
@@ -2273,7 +3081,7 @@
           <a:p>
             <a:fld id="{605F9D8B-F268-4FDC-9177-FD3B20249225}" type="datetimeFigureOut">
               <a:rPr lang="en-US" smtClean="0"/>
-              <a:t>7/9/2022</a:t>
+              <a:t>8/11/2022</a:t>
             </a:fld>
             <a:endParaRPr lang="en-US"/>
           </a:p>
@@ -2281,7 +3089,7 @@
       </p:sp>
       <p:sp>
         <p:nvSpPr>
-          <p:cNvPr id="3" name="Footer Placeholder 2"/>
+          <p:cNvPr id="8" name="Footer Placeholder 7"/>
           <p:cNvSpPr>
             <a:spLocks noGrp="1"/>
           </p:cNvSpPr>
@@ -2292,7 +3100,15 @@
         <p:spPr/>
         <p:txBody>
           <a:bodyPr/>
-          <a:lstStyle/>
+          <a:lstStyle>
+            <a:lvl1pPr>
+              <a:defRPr>
+                <a:solidFill>
+                  <a:srgbClr val="FFFFFF"/>
+                </a:solidFill>
+              </a:defRPr>
+            </a:lvl1pPr>
+          </a:lstStyle>
           <a:p>
             <a:endParaRPr lang="en-US"/>
           </a:p>
@@ -2300,7 +3116,7 @@
       </p:sp>
       <p:sp>
         <p:nvSpPr>
-          <p:cNvPr id="4" name="Slide Number Placeholder 3"/>
+          <p:cNvPr id="9" name="Slide Number Placeholder 8"/>
           <p:cNvSpPr>
             <a:spLocks noGrp="1"/>
           </p:cNvSpPr>
@@ -2324,7 +3140,7 @@
     </p:spTree>
     <p:extLst>
       <p:ext uri="{BB962C8B-B14F-4D97-AF65-F5344CB8AC3E}">
-        <p14:creationId xmlns:p14="http://schemas.microsoft.com/office/powerpoint/2010/main" val="2437660328"/>
+        <p14:creationId xmlns:p14="http://schemas.microsoft.com/office/powerpoint/2010/main" val="1871963998"/>
       </p:ext>
     </p:extLst>
   </p:cSld>
@@ -2335,7 +3151,7 @@
 </file>
 
 <file path=ppt/slideLayouts/slideLayout8.xml><?xml version="1.0" encoding="utf-8"?>
-<p:sldLayout xmlns:a="http://schemas.openxmlformats.org/drawingml/2006/main" xmlns:r="http://schemas.openxmlformats.org/officeDocument/2006/relationships" xmlns:p="http://schemas.openxmlformats.org/presentationml/2006/main" type="objTx" preserve="1">
+<p:sldLayout xmlns:a="http://schemas.openxmlformats.org/drawingml/2006/main" xmlns:r="http://schemas.openxmlformats.org/officeDocument/2006/relationships" xmlns:p="http://schemas.openxmlformats.org/presentationml/2006/main" showMasterSp="0" type="objTx" preserve="1">
   <p:cSld name="Content with Caption">
     <p:spTree>
       <p:nvGrpSpPr>
@@ -2353,25 +3169,107 @@
       </p:grpSpPr>
       <p:sp>
         <p:nvSpPr>
-          <p:cNvPr id="2" name="Title 1"/>
-          <p:cNvSpPr>
-            <a:spLocks noGrp="1"/>
-          </p:cNvSpPr>
-          <p:nvPr>
-            <p:ph type="title"/>
-          </p:nvPr>
+          <p:cNvPr id="8" name="Rectangle 7"/>
+          <p:cNvSpPr/>
+          <p:nvPr/>
         </p:nvSpPr>
         <p:spPr>
           <a:xfrm>
-            <a:off x="839788" y="457200"/>
-            <a:ext cx="3932237" cy="1600200"/>
+            <a:off x="16" y="0"/>
+            <a:ext cx="4050791" cy="6858000"/>
+          </a:xfrm>
+          <a:prstGeom prst="rect">
+            <a:avLst/>
+          </a:prstGeom>
+          <a:solidFill>
+            <a:schemeClr val="accent2"/>
+          </a:solidFill>
+          <a:ln>
+            <a:noFill/>
+          </a:ln>
+        </p:spPr>
+        <p:style>
+          <a:lnRef idx="2">
+            <a:schemeClr val="accent1">
+              <a:shade val="50000"/>
+            </a:schemeClr>
+          </a:lnRef>
+          <a:fillRef idx="1">
+            <a:schemeClr val="accent1"/>
+          </a:fillRef>
+          <a:effectRef idx="0">
+            <a:schemeClr val="accent1"/>
+          </a:effectRef>
+          <a:fontRef idx="minor">
+            <a:schemeClr val="lt1"/>
+          </a:fontRef>
+        </p:style>
+      </p:sp>
+      <p:sp>
+        <p:nvSpPr>
+          <p:cNvPr id="9" name="Rectangle 8"/>
+          <p:cNvSpPr/>
+          <p:nvPr/>
+        </p:nvSpPr>
+        <p:spPr>
+          <a:xfrm>
+            <a:off x="4040071" y="0"/>
+            <a:ext cx="64008" cy="6858000"/>
+          </a:xfrm>
+          <a:prstGeom prst="rect">
+            <a:avLst/>
+          </a:prstGeom>
+          <a:solidFill>
+            <a:schemeClr val="accent1"/>
+          </a:solidFill>
+          <a:ln>
+            <a:noFill/>
+          </a:ln>
+        </p:spPr>
+        <p:style>
+          <a:lnRef idx="2">
+            <a:schemeClr val="accent1">
+              <a:shade val="50000"/>
+            </a:schemeClr>
+          </a:lnRef>
+          <a:fillRef idx="1">
+            <a:schemeClr val="accent1"/>
+          </a:fillRef>
+          <a:effectRef idx="0">
+            <a:schemeClr val="accent1"/>
+          </a:effectRef>
+          <a:fontRef idx="minor">
+            <a:schemeClr val="lt1"/>
+          </a:fontRef>
+        </p:style>
+      </p:sp>
+      <p:sp>
+        <p:nvSpPr>
+          <p:cNvPr id="2" name="Title 1"/>
+          <p:cNvSpPr>
+            <a:spLocks noGrp="1"/>
+          </p:cNvSpPr>
+          <p:nvPr>
+            <p:ph type="title"/>
+          </p:nvPr>
+        </p:nvSpPr>
+        <p:spPr>
+          <a:xfrm>
+            <a:off x="457200" y="594359"/>
+            <a:ext cx="3200400" cy="2286000"/>
           </a:xfrm>
         </p:spPr>
         <p:txBody>
-          <a:bodyPr anchor="b"/>
+          <a:bodyPr anchor="b">
+            <a:normAutofit/>
+          </a:bodyPr>
           <a:lstStyle>
             <a:lvl1pPr>
-              <a:defRPr sz="3200"/>
+              <a:defRPr sz="3600" b="0">
+                <a:solidFill>
+                  <a:srgbClr val="FFFFFF"/>
+                </a:solidFill>
+              </a:defRPr>
             </a:lvl1pPr>
           </a:lstStyle>
           <a:p>
@@ -2379,7 +3277,7 @@
               <a:rPr lang="en-US" smtClean="0"/>
               <a:t>Click to edit Master title style</a:t>
             </a:r>
-            <a:endParaRPr lang="en-US"/>
+            <a:endParaRPr lang="en-US" dirty="0"/>
           </a:p>
         </p:txBody>
       </p:sp>
@@ -2395,200 +3293,208 @@
         </p:nvSpPr>
         <p:spPr>
           <a:xfrm>
-            <a:off x="5183188" y="987425"/>
-            <a:ext cx="6172200" cy="4873625"/>
+            <a:off x="4800600" y="731520"/>
+            <a:ext cx="6492240" cy="5257800"/>
           </a:xfrm>
         </p:spPr>
+        <p:txBody>
+          <a:bodyPr/>
+          <a:lstStyle/>
+          <a:p>
+            <a:pPr lvl="0"/>
+            <a:r>
+              <a:rPr lang="en-US" smtClean="0"/>
+              <a:t>Edit Master text styles</a:t>
+            </a:r>
+          </a:p>
+          <a:p>
+            <a:pPr lvl="1"/>
+            <a:r>
+              <a:rPr lang="en-US" smtClean="0"/>
+              <a:t>Second level</a:t>
+            </a:r>
+          </a:p>
+          <a:p>
+            <a:pPr lvl="2"/>
+            <a:r>
+              <a:rPr lang="en-US" smtClean="0"/>
+              <a:t>Third level</a:t>
+            </a:r>
+          </a:p>
+          <a:p>
+            <a:pPr lvl="3"/>
+            <a:r>
+              <a:rPr lang="en-US" smtClean="0"/>
+              <a:t>Fourth level</a:t>
+            </a:r>
+          </a:p>
+          <a:p>
+            <a:pPr lvl="4"/>
+            <a:r>
+              <a:rPr lang="en-US" smtClean="0"/>
+              <a:t>Fifth level</a:t>
+            </a:r>
+            <a:endParaRPr lang="en-US" dirty="0"/>
+          </a:p>
+        </p:txBody>
+      </p:sp>
+      <p:sp>
+        <p:nvSpPr>
+          <p:cNvPr id="4" name="Text Placeholder 3"/>
+          <p:cNvSpPr>
+            <a:spLocks noGrp="1"/>
+          </p:cNvSpPr>
+          <p:nvPr>
+            <p:ph type="body" sz="half" idx="2"/>
+          </p:nvPr>
+        </p:nvSpPr>
+        <p:spPr>
+          <a:xfrm>
+            <a:off x="457200" y="2926080"/>
+            <a:ext cx="3200400" cy="3379124"/>
+          </a:xfrm>
+        </p:spPr>
+        <p:txBody>
+          <a:bodyPr lIns="91440" rIns="91440">
+            <a:normAutofit/>
+          </a:bodyPr>
+          <a:lstStyle>
+            <a:lvl1pPr marL="0" indent="0">
+              <a:buNone/>
+              <a:defRPr sz="1500">
+                <a:solidFill>
+                  <a:srgbClr val="FFFFFF"/>
+                </a:solidFill>
+              </a:defRPr>
+            </a:lvl1pPr>
+            <a:lvl2pPr marL="457200" indent="0">
+              <a:buNone/>
+              <a:defRPr sz="1200"/>
+            </a:lvl2pPr>
+            <a:lvl3pPr marL="914400" indent="0">
+              <a:buNone/>
+              <a:defRPr sz="1000"/>
+            </a:lvl3pPr>
+            <a:lvl4pPr marL="1371600" indent="0">
+              <a:buNone/>
+              <a:defRPr sz="900"/>
+            </a:lvl4pPr>
+            <a:lvl5pPr marL="1828800" indent="0">
+              <a:buNone/>
+              <a:defRPr sz="900"/>
+            </a:lvl5pPr>
+            <a:lvl6pPr marL="2286000" indent="0">
+              <a:buNone/>
+              <a:defRPr sz="900"/>
+            </a:lvl6pPr>
+            <a:lvl7pPr marL="2743200" indent="0">
+              <a:buNone/>
+              <a:defRPr sz="900"/>
+            </a:lvl7pPr>
+            <a:lvl8pPr marL="3200400" indent="0">
+              <a:buNone/>
+              <a:defRPr sz="900"/>
+            </a:lvl8pPr>
+            <a:lvl9pPr marL="3657600" indent="0">
+              <a:buNone/>
+              <a:defRPr sz="900"/>
+            </a:lvl9pPr>
+          </a:lstStyle>
+          <a:p>
+            <a:pPr lvl="0"/>
+            <a:r>
+              <a:rPr lang="en-US" smtClean="0"/>
+              <a:t>Edit Master text styles</a:t>
+            </a:r>
+          </a:p>
+        </p:txBody>
+      </p:sp>
+      <p:sp>
+        <p:nvSpPr>
+          <p:cNvPr id="5" name="Date Placeholder 4"/>
+          <p:cNvSpPr>
+            <a:spLocks noGrp="1"/>
+          </p:cNvSpPr>
+          <p:nvPr>
+            <p:ph type="dt" sz="half" idx="10"/>
+          </p:nvPr>
+        </p:nvSpPr>
+        <p:spPr>
+          <a:xfrm>
+            <a:off x="465512" y="6459785"/>
+            <a:ext cx="2618510" cy="365125"/>
+          </a:xfrm>
+        </p:spPr>
+        <p:txBody>
+          <a:bodyPr/>
+          <a:lstStyle>
+            <a:lvl1pPr algn="l">
+              <a:defRPr/>
+            </a:lvl1pPr>
+          </a:lstStyle>
+          <a:p>
+            <a:fld id="{605F9D8B-F268-4FDC-9177-FD3B20249225}" type="datetimeFigureOut">
+              <a:rPr lang="en-US" smtClean="0"/>
+              <a:t>8/11/2022</a:t>
+            </a:fld>
+            <a:endParaRPr lang="en-US"/>
+          </a:p>
+        </p:txBody>
+      </p:sp>
+      <p:sp>
+        <p:nvSpPr>
+          <p:cNvPr id="6" name="Footer Placeholder 5"/>
+          <p:cNvSpPr>
+            <a:spLocks noGrp="1"/>
+          </p:cNvSpPr>
+          <p:nvPr>
+            <p:ph type="ftr" sz="quarter" idx="11"/>
+          </p:nvPr>
+        </p:nvSpPr>
+        <p:spPr>
+          <a:xfrm>
+            <a:off x="4800600" y="6459785"/>
+            <a:ext cx="4648200" cy="365125"/>
+          </a:xfrm>
+        </p:spPr>
+        <p:txBody>
+          <a:bodyPr/>
+          <a:lstStyle>
+            <a:lvl1pPr algn="l">
+              <a:defRPr>
+                <a:solidFill>
+                  <a:schemeClr val="tx2"/>
+                </a:solidFill>
+              </a:defRPr>
+            </a:lvl1pPr>
+          </a:lstStyle>
+          <a:p>
+            <a:endParaRPr lang="en-US"/>
+          </a:p>
+        </p:txBody>
+      </p:sp>
+      <p:sp>
+        <p:nvSpPr>
+          <p:cNvPr id="7" name="Slide Number Placeholder 6"/>
+          <p:cNvSpPr>
+            <a:spLocks noGrp="1"/>
+          </p:cNvSpPr>
+          <p:nvPr>
+            <p:ph type="sldNum" sz="quarter" idx="12"/>
+          </p:nvPr>
+        </p:nvSpPr>
+        <p:spPr/>
         <p:txBody>
           <a:bodyPr/>
           <a:lstStyle>
             <a:lvl1pPr>
-              <a:defRPr sz="3200"/>
+              <a:defRPr>
+                <a:solidFill>
+                  <a:schemeClr val="tx2"/>
+                </a:solidFill>
+              </a:defRPr>
             </a:lvl1pPr>
-            <a:lvl2pPr>
-              <a:defRPr sz="2800"/>
-            </a:lvl2pPr>
-            <a:lvl3pPr>
-              <a:defRPr sz="2400"/>
-            </a:lvl3pPr>
-            <a:lvl4pPr>
-              <a:defRPr sz="2000"/>
-            </a:lvl4pPr>
-            <a:lvl5pPr>
-              <a:defRPr sz="2000"/>
-            </a:lvl5pPr>
-            <a:lvl6pPr>
-              <a:defRPr sz="2000"/>
-            </a:lvl6pPr>
-            <a:lvl7pPr>
-              <a:defRPr sz="2000"/>
-            </a:lvl7pPr>
-            <a:lvl8pPr>
-              <a:defRPr sz="2000"/>
-            </a:lvl8pPr>
-            <a:lvl9pPr>
-              <a:defRPr sz="2000"/>
-            </a:lvl9pPr>
           </a:lstStyle>
-          <a:p>
-            <a:pPr lvl="0"/>
-            <a:r>
-              <a:rPr lang="en-US" smtClean="0"/>
-              <a:t>Edit Master text styles</a:t>
-            </a:r>
-          </a:p>
-          <a:p>
-            <a:pPr lvl="1"/>
-            <a:r>
-              <a:rPr lang="en-US" smtClean="0"/>
-              <a:t>Second level</a:t>
-            </a:r>
-          </a:p>
-          <a:p>
-            <a:pPr lvl="2"/>
-            <a:r>
-              <a:rPr lang="en-US" smtClean="0"/>
-              <a:t>Third level</a:t>
-            </a:r>
-          </a:p>
-          <a:p>
-            <a:pPr lvl="3"/>
-            <a:r>
-              <a:rPr lang="en-US" smtClean="0"/>
-              <a:t>Fourth level</a:t>
-            </a:r>
-          </a:p>
-          <a:p>
-            <a:pPr lvl="4"/>
-            <a:r>
-              <a:rPr lang="en-US" smtClean="0"/>
-              <a:t>Fifth level</a:t>
-            </a:r>
-            <a:endParaRPr lang="en-US"/>
-          </a:p>
-        </p:txBody>
-      </p:sp>
-      <p:sp>
-        <p:nvSpPr>
-          <p:cNvPr id="4" name="Text Placeholder 3"/>
-          <p:cNvSpPr>
-            <a:spLocks noGrp="1"/>
-          </p:cNvSpPr>
-          <p:nvPr>
-            <p:ph type="body" sz="half" idx="2"/>
-          </p:nvPr>
-        </p:nvSpPr>
-        <p:spPr>
-          <a:xfrm>
-            <a:off x="839788" y="2057400"/>
-            <a:ext cx="3932237" cy="3811588"/>
-          </a:xfrm>
-        </p:spPr>
-        <p:txBody>
-          <a:bodyPr/>
-          <a:lstStyle>
-            <a:lvl1pPr marL="0" indent="0">
-              <a:buNone/>
-              <a:defRPr sz="1600"/>
-            </a:lvl1pPr>
-            <a:lvl2pPr marL="457200" indent="0">
-              <a:buNone/>
-              <a:defRPr sz="1400"/>
-            </a:lvl2pPr>
-            <a:lvl3pPr marL="914400" indent="0">
-              <a:buNone/>
-              <a:defRPr sz="1200"/>
-            </a:lvl3pPr>
-            <a:lvl4pPr marL="1371600" indent="0">
-              <a:buNone/>
-              <a:defRPr sz="1000"/>
-            </a:lvl4pPr>
-            <a:lvl5pPr marL="1828800" indent="0">
-              <a:buNone/>
-              <a:defRPr sz="1000"/>
-            </a:lvl5pPr>
-            <a:lvl6pPr marL="2286000" indent="0">
-              <a:buNone/>
-              <a:defRPr sz="1000"/>
-            </a:lvl6pPr>
-            <a:lvl7pPr marL="2743200" indent="0">
-              <a:buNone/>
-              <a:defRPr sz="1000"/>
-            </a:lvl7pPr>
-            <a:lvl8pPr marL="3200400" indent="0">
-              <a:buNone/>
-              <a:defRPr sz="1000"/>
-            </a:lvl8pPr>
-            <a:lvl9pPr marL="3657600" indent="0">
-              <a:buNone/>
-              <a:defRPr sz="1000"/>
-            </a:lvl9pPr>
-          </a:lstStyle>
-          <a:p>
-            <a:pPr lvl="0"/>
-            <a:r>
-              <a:rPr lang="en-US" smtClean="0"/>
-              <a:t>Edit Master text styles</a:t>
-            </a:r>
-          </a:p>
-        </p:txBody>
-      </p:sp>
-      <p:sp>
-        <p:nvSpPr>
-          <p:cNvPr id="5" name="Date Placeholder 4"/>
-          <p:cNvSpPr>
-            <a:spLocks noGrp="1"/>
-          </p:cNvSpPr>
-          <p:nvPr>
-            <p:ph type="dt" sz="half" idx="10"/>
-          </p:nvPr>
-        </p:nvSpPr>
-        <p:spPr/>
-        <p:txBody>
-          <a:bodyPr/>
-          <a:lstStyle/>
-          <a:p>
-            <a:fld id="{605F9D8B-F268-4FDC-9177-FD3B20249225}" type="datetimeFigureOut">
-              <a:rPr lang="en-US" smtClean="0"/>
-              <a:t>7/9/2022</a:t>
-            </a:fld>
-            <a:endParaRPr lang="en-US"/>
-          </a:p>
-        </p:txBody>
-      </p:sp>
-      <p:sp>
-        <p:nvSpPr>
-          <p:cNvPr id="6" name="Footer Placeholder 5"/>
-          <p:cNvSpPr>
-            <a:spLocks noGrp="1"/>
-          </p:cNvSpPr>
-          <p:nvPr>
-            <p:ph type="ftr" sz="quarter" idx="11"/>
-          </p:nvPr>
-        </p:nvSpPr>
-        <p:spPr/>
-        <p:txBody>
-          <a:bodyPr/>
-          <a:lstStyle/>
-          <a:p>
-            <a:endParaRPr lang="en-US"/>
-          </a:p>
-        </p:txBody>
-      </p:sp>
-      <p:sp>
-        <p:nvSpPr>
-          <p:cNvPr id="7" name="Slide Number Placeholder 6"/>
-          <p:cNvSpPr>
-            <a:spLocks noGrp="1"/>
-          </p:cNvSpPr>
-          <p:nvPr>
-            <p:ph type="sldNum" sz="quarter" idx="12"/>
-          </p:nvPr>
-        </p:nvSpPr>
-        <p:spPr/>
-        <p:txBody>
-          <a:bodyPr/>
-          <a:lstStyle/>
           <a:p>
             <a:fld id="{FFBE8BB3-5EBE-4E2C-838F-71C67BA38A13}" type="slidenum">
               <a:rPr lang="en-US" smtClean="0"/>
@@ -2601,7 +3507,7 @@
     </p:spTree>
     <p:extLst>
       <p:ext uri="{BB962C8B-B14F-4D97-AF65-F5344CB8AC3E}">
-        <p14:creationId xmlns:p14="http://schemas.microsoft.com/office/powerpoint/2010/main" val="1809094764"/>
+        <p14:creationId xmlns:p14="http://schemas.microsoft.com/office/powerpoint/2010/main" val="2095320831"/>
       </p:ext>
     </p:extLst>
   </p:cSld>
@@ -2612,7 +3518,7 @@
 </file>
 
 <file path=ppt/slideLayouts/slideLayout9.xml><?xml version="1.0" encoding="utf-8"?>
-<p:sldLayout xmlns:a="http://schemas.openxmlformats.org/drawingml/2006/main" xmlns:r="http://schemas.openxmlformats.org/officeDocument/2006/relationships" xmlns:p="http://schemas.openxmlformats.org/presentationml/2006/main" type="picTx" preserve="1">
+<p:sldLayout xmlns:a="http://schemas.openxmlformats.org/drawingml/2006/main" xmlns:r="http://schemas.openxmlformats.org/officeDocument/2006/relationships" xmlns:p="http://schemas.openxmlformats.org/presentationml/2006/main" showMasterSp="0" type="picTx" preserve="1">
   <p:cSld name="Picture with Caption">
     <p:spTree>
       <p:nvGrpSpPr>
@@ -2630,25 +3536,107 @@
       </p:grpSpPr>
       <p:sp>
         <p:nvSpPr>
-          <p:cNvPr id="2" name="Title 1"/>
-          <p:cNvSpPr>
-            <a:spLocks noGrp="1"/>
-          </p:cNvSpPr>
-          <p:nvPr>
-            <p:ph type="title"/>
-          </p:nvPr>
+          <p:cNvPr id="8" name="Rectangle 7"/>
+          <p:cNvSpPr/>
+          <p:nvPr/>
         </p:nvSpPr>
         <p:spPr>
           <a:xfrm>
-            <a:off x="839788" y="457200"/>
-            <a:ext cx="3932237" cy="1600200"/>
+            <a:off x="0" y="4953000"/>
+            <a:ext cx="12188825" cy="1905000"/>
+          </a:xfrm>
+          <a:prstGeom prst="rect">
+            <a:avLst/>
+          </a:prstGeom>
+          <a:solidFill>
+            <a:schemeClr val="accent2"/>
+          </a:solidFill>
+          <a:ln>
+            <a:noFill/>
+          </a:ln>
+        </p:spPr>
+        <p:style>
+          <a:lnRef idx="2">
+            <a:schemeClr val="accent1">
+              <a:shade val="50000"/>
+            </a:schemeClr>
+          </a:lnRef>
+          <a:fillRef idx="1">
+            <a:schemeClr val="accent1"/>
+          </a:fillRef>
+          <a:effectRef idx="0">
+            <a:schemeClr val="accent1"/>
+          </a:effectRef>
+          <a:fontRef idx="minor">
+            <a:schemeClr val="lt1"/>
+          </a:fontRef>
+        </p:style>
+      </p:sp>
+      <p:sp>
+        <p:nvSpPr>
+          <p:cNvPr id="9" name="Rectangle 8"/>
+          <p:cNvSpPr/>
+          <p:nvPr/>
+        </p:nvSpPr>
+        <p:spPr>
+          <a:xfrm>
+            <a:off x="15" y="4915076"/>
+            <a:ext cx="12188825" cy="64008"/>
+          </a:xfrm>
+          <a:prstGeom prst="rect">
+            <a:avLst/>
+          </a:prstGeom>
+          <a:solidFill>
+            <a:schemeClr val="accent1"/>
+          </a:solidFill>
+          <a:ln>
+            <a:noFill/>
+          </a:ln>
+        </p:spPr>
+        <p:style>
+          <a:lnRef idx="2">
+            <a:schemeClr val="accent1">
+              <a:shade val="50000"/>
+            </a:schemeClr>
+          </a:lnRef>
+          <a:fillRef idx="1">
+            <a:schemeClr val="accent1"/>
+          </a:fillRef>
+          <a:effectRef idx="0">
+            <a:schemeClr val="accent1"/>
+          </a:effectRef>
+          <a:fontRef idx="minor">
+            <a:schemeClr val="lt1"/>
+          </a:fontRef>
+        </p:style>
+      </p:sp>
+      <p:sp>
+        <p:nvSpPr>
+          <p:cNvPr id="2" name="Title 1"/>
+          <p:cNvSpPr>
+            <a:spLocks noGrp="1"/>
+          </p:cNvSpPr>
+          <p:nvPr>
+            <p:ph type="title"/>
+          </p:nvPr>
+        </p:nvSpPr>
+        <p:spPr>
+          <a:xfrm>
+            <a:off x="1097280" y="5074920"/>
+            <a:ext cx="10113264" cy="822960"/>
           </a:xfrm>
         </p:spPr>
         <p:txBody>
-          <a:bodyPr anchor="b"/>
+          <a:bodyPr lIns="91440" tIns="0" rIns="91440" bIns="0" anchor="b">
+            <a:noAutofit/>
+          </a:bodyPr>
           <a:lstStyle>
             <a:lvl1pPr>
-              <a:defRPr sz="3200"/>
+              <a:defRPr sz="3600" b="0">
+                <a:solidFill>
+                  <a:srgbClr val="FFFFFF"/>
+                </a:solidFill>
+              </a:defRPr>
             </a:lvl1pPr>
           </a:lstStyle>
           <a:p>
@@ -2656,7 +3644,7 @@
               <a:rPr lang="en-US" smtClean="0"/>
               <a:t>Click to edit Master title style</a:t>
             </a:r>
-            <a:endParaRPr lang="en-US"/>
+            <a:endParaRPr lang="en-US" dirty="0"/>
           </a:p>
         </p:txBody>
       </p:sp>
@@ -2664,7 +3652,7 @@
         <p:nvSpPr>
           <p:cNvPr id="3" name="Picture Placeholder 2"/>
           <p:cNvSpPr>
-            <a:spLocks noGrp="1"/>
+            <a:spLocks noGrp="1" noChangeAspect="1"/>
           </p:cNvSpPr>
           <p:nvPr>
             <p:ph type="pic" idx="1"/>
@@ -2672,16 +3660,26 @@
         </p:nvSpPr>
         <p:spPr>
           <a:xfrm>
-            <a:off x="5183188" y="987425"/>
-            <a:ext cx="6172200" cy="4873625"/>
+            <a:off x="15" y="0"/>
+            <a:ext cx="12191985" cy="4915076"/>
           </a:xfrm>
+          <a:blipFill>
+            <a:blip r:embed="rId2"/>
+            <a:stretch>
+              <a:fillRect/>
+            </a:stretch>
+          </a:blipFill>
         </p:spPr>
         <p:txBody>
-          <a:bodyPr/>
+          <a:bodyPr lIns="457200" tIns="457200" anchor="t"/>
           <a:lstStyle>
             <a:lvl1pPr marL="0" indent="0">
               <a:buNone/>
-              <a:defRPr sz="3200"/>
+              <a:defRPr sz="3200">
+                <a:solidFill>
+                  <a:schemeClr val="bg1"/>
+                </a:solidFill>
+              </a:defRPr>
             </a:lvl1pPr>
             <a:lvl2pPr marL="457200" indent="0">
               <a:buNone/>
@@ -2717,7 +3715,11 @@
             </a:lvl9pPr>
           </a:lstStyle>
           <a:p>
-            <a:endParaRPr lang="en-US"/>
+            <a:r>
+              <a:rPr lang="en-US" smtClean="0"/>
+              <a:t>Click icon to add picture</a:t>
+            </a:r>
+            <a:endParaRPr lang="en-US" dirty="0"/>
           </a:p>
         </p:txBody>
       </p:sp>
@@ -2733,48 +3735,60 @@
         </p:nvSpPr>
         <p:spPr>
           <a:xfrm>
-            <a:off x="839788" y="2057400"/>
-            <a:ext cx="3932237" cy="3811588"/>
+            <a:off x="1097280" y="5907023"/>
+            <a:ext cx="10113264" cy="594360"/>
           </a:xfrm>
         </p:spPr>
         <p:txBody>
-          <a:bodyPr/>
+          <a:bodyPr lIns="91440" tIns="0" rIns="91440" bIns="0">
+            <a:normAutofit/>
+          </a:bodyPr>
           <a:lstStyle>
             <a:lvl1pPr marL="0" indent="0">
+              <a:spcBef>
+                <a:spcPts val="0"/>
+              </a:spcBef>
+              <a:spcAft>
+                <a:spcPts val="600"/>
+              </a:spcAft>
               <a:buNone/>
-              <a:defRPr sz="1600"/>
+              <a:defRPr sz="1500">
+                <a:solidFill>
+                  <a:srgbClr val="FFFFFF"/>
+                </a:solidFill>
+              </a:defRPr>
             </a:lvl1pPr>
             <a:lvl2pPr marL="457200" indent="0">
               <a:buNone/>
-              <a:defRPr sz="1400"/>
+              <a:defRPr sz="1200"/>
             </a:lvl2pPr>
             <a:lvl3pPr marL="914400" indent="0">
               <a:buNone/>
-              <a:defRPr sz="1200"/>
+              <a:defRPr sz="1000"/>
             </a:lvl3pPr>
             <a:lvl4pPr marL="1371600" indent="0">
               <a:buNone/>
-              <a:defRPr sz="1000"/>
+              <a:defRPr sz="900"/>
             </a:lvl4pPr>
             <a:lvl5pPr marL="1828800" indent="0">
               <a:buNone/>
-              <a:defRPr sz="1000"/>
+              <a:defRPr sz="900"/>
             </a:lvl5pPr>
             <a:lvl6pPr marL="2286000" indent="0">
               <a:buNone/>
-              <a:defRPr sz="1000"/>
+              <a:defRPr sz="900"/>
             </a:lvl6pPr>
             <a:lvl7pPr marL="2743200" indent="0">
               <a:buNone/>
-              <a:defRPr sz="1000"/>
+              <a:defRPr sz="900"/>
             </a:lvl7pPr>
             <a:lvl8pPr marL="3200400" indent="0">
               <a:buNone/>
-              <a:defRPr sz="1000"/>
+              <a:defRPr sz="900"/>
             </a:lvl8pPr>
             <a:lvl9pPr marL="3657600" indent="0">
               <a:buNone/>
-              <a:defRPr sz="1000"/>
+              <a:defRPr sz="900"/>
             </a:lvl9pPr>
           </a:lstStyle>
           <a:p>
@@ -2803,7 +3817,7 @@
           <a:p>
             <a:fld id="{605F9D8B-F268-4FDC-9177-FD3B20249225}" type="datetimeFigureOut">
               <a:rPr lang="en-US" smtClean="0"/>
-              <a:t>7/9/2022</a:t>
+              <a:t>8/11/2022</a:t>
             </a:fld>
             <a:endParaRPr lang="en-US"/>
           </a:p>
@@ -2854,7 +3868,7 @@
     </p:spTree>
     <p:extLst>
       <p:ext uri="{BB962C8B-B14F-4D97-AF65-F5344CB8AC3E}">
-        <p14:creationId xmlns:p14="http://schemas.microsoft.com/office/powerpoint/2010/main" val="638676568"/>
+        <p14:creationId xmlns:p14="http://schemas.microsoft.com/office/powerpoint/2010/main" val="2375279162"/>
       </p:ext>
     </p:extLst>
   </p:cSld>
@@ -2888,25 +3902,101 @@
       </p:grpSpPr>
       <p:sp>
         <p:nvSpPr>
-          <p:cNvPr id="2" name="Title Placeholder 1"/>
-          <p:cNvSpPr>
-            <a:spLocks noGrp="1"/>
-          </p:cNvSpPr>
-          <p:nvPr>
-            <p:ph type="title"/>
-          </p:nvPr>
+          <p:cNvPr id="7" name="Rectangle 6"/>
+          <p:cNvSpPr/>
+          <p:nvPr/>
         </p:nvSpPr>
         <p:spPr>
           <a:xfrm>
-            <a:off x="838200" y="365125"/>
-            <a:ext cx="10515600" cy="1325563"/>
+            <a:off x="1" y="6400800"/>
+            <a:ext cx="12192000" cy="457200"/>
+          </a:xfrm>
+          <a:prstGeom prst="rect">
+            <a:avLst/>
+          </a:prstGeom>
+          <a:solidFill>
+            <a:schemeClr val="accent2"/>
+          </a:solidFill>
+          <a:ln>
+            <a:noFill/>
+          </a:ln>
+        </p:spPr>
+        <p:style>
+          <a:lnRef idx="2">
+            <a:schemeClr val="accent1">
+              <a:shade val="50000"/>
+            </a:schemeClr>
+          </a:lnRef>
+          <a:fillRef idx="1">
+            <a:schemeClr val="accent1"/>
+          </a:fillRef>
+          <a:effectRef idx="0">
+            <a:schemeClr val="accent1"/>
+          </a:effectRef>
+          <a:fontRef idx="minor">
+            <a:schemeClr val="lt1"/>
+          </a:fontRef>
+        </p:style>
+      </p:sp>
+      <p:sp>
+        <p:nvSpPr>
+          <p:cNvPr id="9" name="Rectangle 8"/>
+          <p:cNvSpPr/>
+          <p:nvPr/>
+        </p:nvSpPr>
+        <p:spPr>
+          <a:xfrm>
+            <a:off x="0" y="6334316"/>
+            <a:ext cx="12192001" cy="65998"/>
+          </a:xfrm>
+          <a:prstGeom prst="rect">
+            <a:avLst/>
+          </a:prstGeom>
+          <a:solidFill>
+            <a:schemeClr val="accent1"/>
+          </a:solidFill>
+          <a:ln>
+            <a:noFill/>
+          </a:ln>
+        </p:spPr>
+        <p:style>
+          <a:lnRef idx="2">
+            <a:schemeClr val="accent1">
+              <a:shade val="50000"/>
+            </a:schemeClr>
+          </a:lnRef>
+          <a:fillRef idx="1">
+            <a:schemeClr val="accent1"/>
+          </a:fillRef>
+          <a:effectRef idx="0">
+            <a:schemeClr val="accent1"/>
+          </a:effectRef>
+          <a:fontRef idx="minor">
+            <a:schemeClr val="lt1"/>
+          </a:fontRef>
+        </p:style>
+      </p:sp>
+      <p:sp>
+        <p:nvSpPr>
+          <p:cNvPr id="2" name="Title Placeholder 1"/>
+          <p:cNvSpPr>
+            <a:spLocks noGrp="1"/>
+          </p:cNvSpPr>
+          <p:nvPr>
+            <p:ph type="title"/>
+          </p:nvPr>
+        </p:nvSpPr>
+        <p:spPr>
+          <a:xfrm>
+            <a:off x="1097280" y="286603"/>
+            <a:ext cx="10058400" cy="1450757"/>
           </a:xfrm>
           <a:prstGeom prst="rect">
             <a:avLst/>
           </a:prstGeom>
         </p:spPr>
         <p:txBody>
-          <a:bodyPr vert="horz" lIns="91440" tIns="45720" rIns="91440" bIns="45720" rtlCol="0" anchor="ctr">
+          <a:bodyPr vert="horz" lIns="91440" tIns="45720" rIns="91440" bIns="45720" rtlCol="0" anchor="b">
             <a:normAutofit/>
           </a:bodyPr>
           <a:lstStyle/>
@@ -2915,7 +4005,7 @@
               <a:rPr lang="en-US" smtClean="0"/>
               <a:t>Click to edit Master title style</a:t>
             </a:r>
-            <a:endParaRPr lang="en-US"/>
+            <a:endParaRPr lang="en-US" dirty="0"/>
           </a:p>
         </p:txBody>
       </p:sp>
@@ -2931,15 +4021,15 @@
         </p:nvSpPr>
         <p:spPr>
           <a:xfrm>
-            <a:off x="838200" y="1825625"/>
-            <a:ext cx="10515600" cy="4351338"/>
+            <a:off x="1097280" y="1845734"/>
+            <a:ext cx="10058400" cy="4023360"/>
           </a:xfrm>
           <a:prstGeom prst="rect">
             <a:avLst/>
           </a:prstGeom>
         </p:spPr>
         <p:txBody>
-          <a:bodyPr vert="horz" lIns="91440" tIns="45720" rIns="91440" bIns="45720" rtlCol="0">
+          <a:bodyPr vert="horz" lIns="0" tIns="45720" rIns="0" bIns="45720" rtlCol="0">
             <a:normAutofit/>
           </a:bodyPr>
           <a:lstStyle/>
@@ -2977,7 +4067,7 @@
               <a:rPr lang="en-US" smtClean="0"/>
               <a:t>Fifth level</a:t>
             </a:r>
-            <a:endParaRPr lang="en-US"/>
+            <a:endParaRPr lang="en-US" dirty="0"/>
           </a:p>
         </p:txBody>
       </p:sp>
@@ -2993,8 +4083,8 @@
         </p:nvSpPr>
         <p:spPr>
           <a:xfrm>
-            <a:off x="838200" y="6356350"/>
-            <a:ext cx="2743200" cy="365125"/>
+            <a:off x="1097280" y="6459785"/>
+            <a:ext cx="2472271" cy="365125"/>
           </a:xfrm>
           <a:prstGeom prst="rect">
             <a:avLst/>
@@ -3004,11 +4094,9 @@
           <a:bodyPr vert="horz" lIns="91440" tIns="45720" rIns="91440" bIns="45720" rtlCol="0" anchor="ctr"/>
           <a:lstStyle>
             <a:lvl1pPr algn="l">
-              <a:defRPr sz="1200">
+              <a:defRPr sz="900">
                 <a:solidFill>
-                  <a:schemeClr val="tx1">
-                    <a:tint val="75000"/>
-                  </a:schemeClr>
+                  <a:srgbClr val="FFFFFF"/>
                 </a:solidFill>
               </a:defRPr>
             </a:lvl1pPr>
@@ -3016,7 +4104,7 @@
           <a:p>
             <a:fld id="{605F9D8B-F268-4FDC-9177-FD3B20249225}" type="datetimeFigureOut">
               <a:rPr lang="en-US" smtClean="0"/>
-              <a:t>7/9/2022</a:t>
+              <a:t>8/11/2022</a:t>
             </a:fld>
             <a:endParaRPr lang="en-US"/>
           </a:p>
@@ -3034,8 +4122,8 @@
         </p:nvSpPr>
         <p:spPr>
           <a:xfrm>
-            <a:off x="4038600" y="6356350"/>
-            <a:ext cx="4114800" cy="365125"/>
+            <a:off x="3686185" y="6459785"/>
+            <a:ext cx="4822804" cy="365125"/>
           </a:xfrm>
           <a:prstGeom prst="rect">
             <a:avLst/>
@@ -3045,11 +4133,9 @@
           <a:bodyPr vert="horz" lIns="91440" tIns="45720" rIns="91440" bIns="45720" rtlCol="0" anchor="ctr"/>
           <a:lstStyle>
             <a:lvl1pPr algn="ctr">
-              <a:defRPr sz="1200">
+              <a:defRPr sz="900" cap="all" baseline="0">
                 <a:solidFill>
-                  <a:schemeClr val="tx1">
-                    <a:tint val="75000"/>
-                  </a:schemeClr>
+                  <a:srgbClr val="FFFFFF"/>
                 </a:solidFill>
               </a:defRPr>
             </a:lvl1pPr>
@@ -3071,8 +4157,8 @@
         </p:nvSpPr>
         <p:spPr>
           <a:xfrm>
-            <a:off x="8610600" y="6356350"/>
-            <a:ext cx="2743200" cy="365125"/>
+            <a:off x="9900458" y="6459785"/>
+            <a:ext cx="1312025" cy="365125"/>
           </a:xfrm>
           <a:prstGeom prst="rect">
             <a:avLst/>
@@ -3082,11 +4168,9 @@
           <a:bodyPr vert="horz" lIns="91440" tIns="45720" rIns="91440" bIns="45720" rtlCol="0" anchor="ctr"/>
           <a:lstStyle>
             <a:lvl1pPr algn="r">
-              <a:defRPr sz="1200">
+              <a:defRPr sz="1050">
                 <a:solidFill>
-                  <a:schemeClr val="tx1">
-                    <a:tint val="75000"/>
-                  </a:schemeClr>
+                  <a:srgbClr val="FFFFFF"/>
                 </a:solidFill>
               </a:defRPr>
             </a:lvl1pPr>
@@ -3100,40 +4184,81 @@
           </a:p>
         </p:txBody>
       </p:sp>
+      <p:cxnSp>
+        <p:nvCxnSpPr>
+          <p:cNvPr id="10" name="Straight Connector 9"/>
+          <p:cNvCxnSpPr/>
+          <p:nvPr/>
+        </p:nvCxnSpPr>
+        <p:spPr>
+          <a:xfrm>
+            <a:off x="1193532" y="1737845"/>
+            <a:ext cx="9966960" cy="0"/>
+          </a:xfrm>
+          <a:prstGeom prst="line">
+            <a:avLst/>
+          </a:prstGeom>
+          <a:ln w="6350">
+            <a:solidFill>
+              <a:schemeClr val="tx1">
+                <a:lumMod val="50000"/>
+                <a:lumOff val="50000"/>
+              </a:schemeClr>
+            </a:solidFill>
+          </a:ln>
+        </p:spPr>
+        <p:style>
+          <a:lnRef idx="1">
+            <a:schemeClr val="accent1"/>
+          </a:lnRef>
+          <a:fillRef idx="0">
+            <a:schemeClr val="accent1"/>
+          </a:fillRef>
+          <a:effectRef idx="0">
+            <a:schemeClr val="accent1"/>
+          </a:effectRef>
+          <a:fontRef idx="minor">
+            <a:schemeClr val="tx1"/>
+          </a:fontRef>
+        </p:style>
+      </p:cxnSp>
     </p:spTree>
     <p:extLst>
       <p:ext uri="{BB962C8B-B14F-4D97-AF65-F5344CB8AC3E}">
-        <p14:creationId xmlns:p14="http://schemas.microsoft.com/office/powerpoint/2010/main" val="868114793"/>
+        <p14:creationId xmlns:p14="http://schemas.microsoft.com/office/powerpoint/2010/main" val="3220396422"/>
       </p:ext>
     </p:extLst>
   </p:cSld>
   <p:clrMap bg1="lt1" tx1="dk1" bg2="lt2" tx2="dk2" accent1="accent1" accent2="accent2" accent3="accent3" accent4="accent4" accent5="accent5" accent6="accent6" hlink="hlink" folHlink="folHlink"/>
   <p:sldLayoutIdLst>
-    <p:sldLayoutId id="2147483649" r:id="rId1"/>
-    <p:sldLayoutId id="2147483650" r:id="rId2"/>
-    <p:sldLayoutId id="2147483651" r:id="rId3"/>
-    <p:sldLayoutId id="2147483652" r:id="rId4"/>
-    <p:sldLayoutId id="2147483653" r:id="rId5"/>
-    <p:sldLayoutId id="2147483654" r:id="rId6"/>
-    <p:sldLayoutId id="2147483655" r:id="rId7"/>
-    <p:sldLayoutId id="2147483656" r:id="rId8"/>
-    <p:sldLayoutId id="2147483657" r:id="rId9"/>
-    <p:sldLayoutId id="2147483658" r:id="rId10"/>
-    <p:sldLayoutId id="2147483659" r:id="rId11"/>
+    <p:sldLayoutId id="2147483661" r:id="rId1"/>
+    <p:sldLayoutId id="2147483662" r:id="rId2"/>
+    <p:sldLayoutId id="2147483663" r:id="rId3"/>
+    <p:sldLayoutId id="2147483664" r:id="rId4"/>
+    <p:sldLayoutId id="2147483665" r:id="rId5"/>
+    <p:sldLayoutId id="2147483666" r:id="rId6"/>
+    <p:sldLayoutId id="2147483667" r:id="rId7"/>
+    <p:sldLayoutId id="2147483668" r:id="rId8"/>
+    <p:sldLayoutId id="2147483669" r:id="rId9"/>
+    <p:sldLayoutId id="2147483670" r:id="rId10"/>
+    <p:sldLayoutId id="2147483671" r:id="rId11"/>
   </p:sldLayoutIdLst>
   <p:txStyles>
     <p:titleStyle>
       <a:lvl1pPr algn="l" defTabSz="914400" rtl="0" eaLnBrk="1" latinLnBrk="0" hangingPunct="1">
         <a:lnSpc>
-          <a:spcPct val="90000"/>
+          <a:spcPct val="85000"/>
         </a:lnSpc>
         <a:spcBef>
           <a:spcPct val="0"/>
         </a:spcBef>
         <a:buNone/>
-        <a:defRPr sz="4400" kern="1200">
+        <a:defRPr sz="4800" kern="1200" spc="-50" baseline="0">
           <a:solidFill>
-            <a:schemeClr val="tx1"/>
+            <a:schemeClr val="tx1">
+              <a:lumMod val="75000"/>
+              <a:lumOff val="25000"/>
+            </a:schemeClr>
           </a:solidFill>
           <a:latin typeface="+mj-lt"/>
           <a:ea typeface="+mj-ea"/>
@@ -3142,162 +4267,244 @@
       </a:lvl1pPr>
     </p:titleStyle>
     <p:bodyStyle>
-      <a:lvl1pPr marL="228600" indent="-228600" algn="l" defTabSz="914400" rtl="0" eaLnBrk="1" latinLnBrk="0" hangingPunct="1">
+      <a:lvl1pPr marL="91440" indent="-91440" algn="l" defTabSz="914400" rtl="0" eaLnBrk="1" latinLnBrk="0" hangingPunct="1">
         <a:lnSpc>
           <a:spcPct val="90000"/>
         </a:lnSpc>
         <a:spcBef>
-          <a:spcPts val="1000"/>
+          <a:spcPts val="1200"/>
         </a:spcBef>
-        <a:buFont typeface="Arial" panose="020B0604020202020204" pitchFamily="34" charset="0"/>
-        <a:buChar char="•"/>
-        <a:defRPr sz="2800" kern="1200">
+        <a:spcAft>
+          <a:spcPts val="200"/>
+        </a:spcAft>
+        <a:buClr>
+          <a:schemeClr val="accent1"/>
+        </a:buClr>
+        <a:buSzPct val="100000"/>
+        <a:buFont typeface="Calibri" panose="020F0502020204030204" pitchFamily="34" charset="0"/>
+        <a:buChar char=" "/>
+        <a:defRPr sz="2000" kern="1200">
           <a:solidFill>
-            <a:schemeClr val="tx1"/>
+            <a:schemeClr val="tx1">
+              <a:lumMod val="75000"/>
+              <a:lumOff val="25000"/>
+            </a:schemeClr>
           </a:solidFill>
           <a:latin typeface="+mn-lt"/>
           <a:ea typeface="+mn-ea"/>
           <a:cs typeface="+mn-cs"/>
         </a:defRPr>
       </a:lvl1pPr>
-      <a:lvl2pPr marL="685800" indent="-228600" algn="l" defTabSz="914400" rtl="0" eaLnBrk="1" latinLnBrk="0" hangingPunct="1">
+      <a:lvl2pPr marL="384048" indent="-182880" algn="l" defTabSz="914400" rtl="0" eaLnBrk="1" latinLnBrk="0" hangingPunct="1">
         <a:lnSpc>
           <a:spcPct val="90000"/>
         </a:lnSpc>
         <a:spcBef>
-          <a:spcPts val="500"/>
+          <a:spcPts val="200"/>
         </a:spcBef>
-        <a:buFont typeface="Arial" panose="020B0604020202020204" pitchFamily="34" charset="0"/>
-        <a:buChar char="•"/>
-        <a:defRPr sz="2400" kern="1200">
+        <a:spcAft>
+          <a:spcPts val="400"/>
+        </a:spcAft>
+        <a:buClr>
+          <a:schemeClr val="accent1"/>
+        </a:buClr>
+        <a:buFont typeface="Calibri" pitchFamily="34" charset="0"/>
+        <a:buChar char="◦"/>
+        <a:defRPr sz="1800" kern="1200">
           <a:solidFill>
-            <a:schemeClr val="tx1"/>
+            <a:schemeClr val="tx1">
+              <a:lumMod val="75000"/>
+              <a:lumOff val="25000"/>
+            </a:schemeClr>
           </a:solidFill>
           <a:latin typeface="+mn-lt"/>
           <a:ea typeface="+mn-ea"/>
           <a:cs typeface="+mn-cs"/>
         </a:defRPr>
       </a:lvl2pPr>
-      <a:lvl3pPr marL="1143000" indent="-228600" algn="l" defTabSz="914400" rtl="0" eaLnBrk="1" latinLnBrk="0" hangingPunct="1">
+      <a:lvl3pPr marL="566928" indent="-182880" algn="l" defTabSz="914400" rtl="0" eaLnBrk="1" latinLnBrk="0" hangingPunct="1">
         <a:lnSpc>
           <a:spcPct val="90000"/>
         </a:lnSpc>
         <a:spcBef>
-          <a:spcPts val="500"/>
+          <a:spcPts val="200"/>
         </a:spcBef>
-        <a:buFont typeface="Arial" panose="020B0604020202020204" pitchFamily="34" charset="0"/>
-        <a:buChar char="•"/>
-        <a:defRPr sz="2000" kern="1200">
+        <a:spcAft>
+          <a:spcPts val="400"/>
+        </a:spcAft>
+        <a:buClr>
+          <a:schemeClr val="accent1"/>
+        </a:buClr>
+        <a:buFont typeface="Calibri" pitchFamily="34" charset="0"/>
+        <a:buChar char="◦"/>
+        <a:defRPr sz="1400" kern="1200">
           <a:solidFill>
-            <a:schemeClr val="tx1"/>
+            <a:schemeClr val="tx1">
+              <a:lumMod val="75000"/>
+              <a:lumOff val="25000"/>
+            </a:schemeClr>
           </a:solidFill>
           <a:latin typeface="+mn-lt"/>
           <a:ea typeface="+mn-ea"/>
           <a:cs typeface="+mn-cs"/>
         </a:defRPr>
       </a:lvl3pPr>
-      <a:lvl4pPr marL="1600200" indent="-228600" algn="l" defTabSz="914400" rtl="0" eaLnBrk="1" latinLnBrk="0" hangingPunct="1">
+      <a:lvl4pPr marL="749808" indent="-182880" algn="l" defTabSz="914400" rtl="0" eaLnBrk="1" latinLnBrk="0" hangingPunct="1">
         <a:lnSpc>
           <a:spcPct val="90000"/>
         </a:lnSpc>
         <a:spcBef>
-          <a:spcPts val="500"/>
+          <a:spcPts val="200"/>
         </a:spcBef>
-        <a:buFont typeface="Arial" panose="020B0604020202020204" pitchFamily="34" charset="0"/>
-        <a:buChar char="•"/>
-        <a:defRPr sz="1800" kern="1200">
+        <a:spcAft>
+          <a:spcPts val="400"/>
+        </a:spcAft>
+        <a:buClr>
+          <a:schemeClr val="accent1"/>
+        </a:buClr>
+        <a:buFont typeface="Calibri" pitchFamily="34" charset="0"/>
+        <a:buChar char="◦"/>
+        <a:defRPr sz="1400" kern="1200">
           <a:solidFill>
-            <a:schemeClr val="tx1"/>
+            <a:schemeClr val="tx1">
+              <a:lumMod val="75000"/>
+              <a:lumOff val="25000"/>
+            </a:schemeClr>
           </a:solidFill>
           <a:latin typeface="+mn-lt"/>
           <a:ea typeface="+mn-ea"/>
           <a:cs typeface="+mn-cs"/>
         </a:defRPr>
       </a:lvl4pPr>
-      <a:lvl5pPr marL="2057400" indent="-228600" algn="l" defTabSz="914400" rtl="0" eaLnBrk="1" latinLnBrk="0" hangingPunct="1">
+      <a:lvl5pPr marL="932688" indent="-182880" algn="l" defTabSz="914400" rtl="0" eaLnBrk="1" latinLnBrk="0" hangingPunct="1">
         <a:lnSpc>
           <a:spcPct val="90000"/>
         </a:lnSpc>
         <a:spcBef>
-          <a:spcPts val="500"/>
+          <a:spcPts val="200"/>
         </a:spcBef>
-        <a:buFont typeface="Arial" panose="020B0604020202020204" pitchFamily="34" charset="0"/>
-        <a:buChar char="•"/>
-        <a:defRPr sz="1800" kern="1200">
+        <a:spcAft>
+          <a:spcPts val="400"/>
+        </a:spcAft>
+        <a:buClr>
+          <a:schemeClr val="accent1"/>
+        </a:buClr>
+        <a:buFont typeface="Calibri" pitchFamily="34" charset="0"/>
+        <a:buChar char="◦"/>
+        <a:defRPr sz="1400" kern="1200">
           <a:solidFill>
-            <a:schemeClr val="tx1"/>
+            <a:schemeClr val="tx1">
+              <a:lumMod val="75000"/>
+              <a:lumOff val="25000"/>
+            </a:schemeClr>
           </a:solidFill>
           <a:latin typeface="+mn-lt"/>
           <a:ea typeface="+mn-ea"/>
           <a:cs typeface="+mn-cs"/>
         </a:defRPr>
       </a:lvl5pPr>
-      <a:lvl6pPr marL="2514600" indent="-228600" algn="l" defTabSz="914400" rtl="0" eaLnBrk="1" latinLnBrk="0" hangingPunct="1">
+      <a:lvl6pPr marL="1100000" indent="-228600" algn="l" defTabSz="914400" rtl="0" eaLnBrk="1" latinLnBrk="0" hangingPunct="1">
         <a:lnSpc>
           <a:spcPct val="90000"/>
         </a:lnSpc>
         <a:spcBef>
-          <a:spcPts val="500"/>
+          <a:spcPts val="200"/>
         </a:spcBef>
-        <a:buFont typeface="Arial" panose="020B0604020202020204" pitchFamily="34" charset="0"/>
-        <a:buChar char="•"/>
-        <a:defRPr sz="1800" kern="1200">
+        <a:spcAft>
+          <a:spcPts val="400"/>
+        </a:spcAft>
+        <a:buClr>
+          <a:schemeClr val="accent1"/>
+        </a:buClr>
+        <a:buFont typeface="Calibri" pitchFamily="34" charset="0"/>
+        <a:buChar char="◦"/>
+        <a:defRPr sz="1400" kern="1200">
           <a:solidFill>
-            <a:schemeClr val="tx1"/>
+            <a:schemeClr val="tx1">
+              <a:lumMod val="75000"/>
+              <a:lumOff val="25000"/>
+            </a:schemeClr>
           </a:solidFill>
           <a:latin typeface="+mn-lt"/>
           <a:ea typeface="+mn-ea"/>
           <a:cs typeface="+mn-cs"/>
         </a:defRPr>
       </a:lvl6pPr>
-      <a:lvl7pPr marL="2971800" indent="-228600" algn="l" defTabSz="914400" rtl="0" eaLnBrk="1" latinLnBrk="0" hangingPunct="1">
+      <a:lvl7pPr marL="1300000" indent="-228600" algn="l" defTabSz="914400" rtl="0" eaLnBrk="1" latinLnBrk="0" hangingPunct="1">
         <a:lnSpc>
           <a:spcPct val="90000"/>
         </a:lnSpc>
         <a:spcBef>
-          <a:spcPts val="500"/>
+          <a:spcPts val="200"/>
         </a:spcBef>
-        <a:buFont typeface="Arial" panose="020B0604020202020204" pitchFamily="34" charset="0"/>
-        <a:buChar char="•"/>
-        <a:defRPr sz="1800" kern="1200">
+        <a:spcAft>
+          <a:spcPts val="400"/>
+        </a:spcAft>
+        <a:buClr>
+          <a:schemeClr val="accent1"/>
+        </a:buClr>
+        <a:buFont typeface="Calibri" pitchFamily="34" charset="0"/>
+        <a:buChar char="◦"/>
+        <a:defRPr sz="1400" kern="1200">
           <a:solidFill>
-            <a:schemeClr val="tx1"/>
+            <a:schemeClr val="tx1">
+              <a:lumMod val="75000"/>
+              <a:lumOff val="25000"/>
+            </a:schemeClr>
           </a:solidFill>
           <a:latin typeface="+mn-lt"/>
           <a:ea typeface="+mn-ea"/>
           <a:cs typeface="+mn-cs"/>
         </a:defRPr>
       </a:lvl7pPr>
-      <a:lvl8pPr marL="3429000" indent="-228600" algn="l" defTabSz="914400" rtl="0" eaLnBrk="1" latinLnBrk="0" hangingPunct="1">
+      <a:lvl8pPr marL="1500000" indent="-228600" algn="l" defTabSz="914400" rtl="0" eaLnBrk="1" latinLnBrk="0" hangingPunct="1">
         <a:lnSpc>
           <a:spcPct val="90000"/>
         </a:lnSpc>
         <a:spcBef>
-          <a:spcPts val="500"/>
+          <a:spcPts val="200"/>
         </a:spcBef>
-        <a:buFont typeface="Arial" panose="020B0604020202020204" pitchFamily="34" charset="0"/>
-        <a:buChar char="•"/>
-        <a:defRPr sz="1800" kern="1200">
+        <a:spcAft>
+          <a:spcPts val="400"/>
+        </a:spcAft>
+        <a:buClr>
+          <a:schemeClr val="accent1"/>
+        </a:buClr>
+        <a:buFont typeface="Calibri" pitchFamily="34" charset="0"/>
+        <a:buChar char="◦"/>
+        <a:defRPr sz="1400" kern="1200">
           <a:solidFill>
-            <a:schemeClr val="tx1"/>
+            <a:schemeClr val="tx1">
+              <a:lumMod val="75000"/>
+              <a:lumOff val="25000"/>
+            </a:schemeClr>
           </a:solidFill>
           <a:latin typeface="+mn-lt"/>
           <a:ea typeface="+mn-ea"/>
           <a:cs typeface="+mn-cs"/>
         </a:defRPr>
       </a:lvl8pPr>
-      <a:lvl9pPr marL="3886200" indent="-228600" algn="l" defTabSz="914400" rtl="0" eaLnBrk="1" latinLnBrk="0" hangingPunct="1">
+      <a:lvl9pPr marL="1700000" indent="-228600" algn="l" defTabSz="914400" rtl="0" eaLnBrk="1" latinLnBrk="0" hangingPunct="1">
         <a:lnSpc>
           <a:spcPct val="90000"/>
         </a:lnSpc>
         <a:spcBef>
-          <a:spcPts val="500"/>
+          <a:spcPts val="200"/>
         </a:spcBef>
-        <a:buFont typeface="Arial" panose="020B0604020202020204" pitchFamily="34" charset="0"/>
-        <a:buChar char="•"/>
-        <a:defRPr sz="1800" kern="1200">
+        <a:spcAft>
+          <a:spcPts val="400"/>
+        </a:spcAft>
+        <a:buClr>
+          <a:schemeClr val="accent1"/>
+        </a:buClr>
+        <a:buFont typeface="Calibri" pitchFamily="34" charset="0"/>
+        <a:buChar char="◦"/>
+        <a:defRPr sz="1400" kern="1200">
           <a:solidFill>
-            <a:schemeClr val="tx1"/>
+            <a:schemeClr val="tx1">
+              <a:lumMod val="75000"/>
+              <a:lumOff val="25000"/>
+            </a:schemeClr>
           </a:solidFill>
           <a:latin typeface="+mn-lt"/>
           <a:ea typeface="+mn-ea"/>
@@ -3437,8 +4644,32 @@
           <a:lstStyle/>
           <a:p>
             <a:r>
-              <a:rPr lang="en-US" dirty="0" smtClean="0"/>
-              <a:t>Sequential model</a:t>
+              <a:rPr lang="en-US" dirty="0" err="1" smtClean="0"/>
+              <a:t>Bài</a:t>
+            </a:r>
+            <a:r>
+              <a:rPr lang="en-US" dirty="0" smtClean="0"/>
+              <a:t> </a:t>
+            </a:r>
+            <a:r>
+              <a:rPr lang="en-US" dirty="0" err="1" smtClean="0"/>
+              <a:t>tập</a:t>
+            </a:r>
+            <a:r>
+              <a:rPr lang="en-US" dirty="0" smtClean="0"/>
+              <a:t> </a:t>
+            </a:r>
+            <a:r>
+              <a:rPr lang="en-US" dirty="0" err="1" smtClean="0"/>
+              <a:t>giữa</a:t>
+            </a:r>
+            <a:r>
+              <a:rPr lang="en-US" dirty="0" smtClean="0"/>
+              <a:t> </a:t>
+            </a:r>
+            <a:r>
+              <a:rPr lang="en-US" dirty="0" err="1" smtClean="0"/>
+              <a:t>kỳ</a:t>
             </a:r>
             <a:endParaRPr lang="en-US" dirty="0"/>
           </a:p>
@@ -3459,7 +4690,39 @@
           <a:bodyPr/>
           <a:lstStyle/>
           <a:p>
-            <a:endParaRPr lang="en-US"/>
+            <a:r>
+              <a:rPr lang="en-US" dirty="0" err="1" smtClean="0"/>
+              <a:t>Nhận</a:t>
+            </a:r>
+            <a:r>
+              <a:rPr lang="en-US" dirty="0" smtClean="0"/>
+              <a:t> </a:t>
+            </a:r>
+            <a:r>
+              <a:rPr lang="en-US" dirty="0" err="1" smtClean="0"/>
+              <a:t>diện</a:t>
+            </a:r>
+            <a:r>
+              <a:rPr lang="en-US" dirty="0" smtClean="0"/>
+              <a:t> </a:t>
+            </a:r>
+            <a:r>
+              <a:rPr lang="en-US" dirty="0" err="1" smtClean="0"/>
+              <a:t>chữ</a:t>
+            </a:r>
+            <a:r>
+              <a:rPr lang="en-US" dirty="0" smtClean="0"/>
+              <a:t> </a:t>
+            </a:r>
+            <a:r>
+              <a:rPr lang="en-US" dirty="0" err="1" smtClean="0"/>
+              <a:t>viết</a:t>
+            </a:r>
+            <a:r>
+              <a:rPr lang="en-US" dirty="0" smtClean="0"/>
+              <a:t> (optical character recognition)</a:t>
+            </a:r>
+            <a:endParaRPr lang="en-US" dirty="0"/>
           </a:p>
         </p:txBody>
       </p:sp>
@@ -3467,6 +4730,194 @@
     <p:extLst>
       <p:ext uri="{BB962C8B-B14F-4D97-AF65-F5344CB8AC3E}">
         <p14:creationId xmlns:p14="http://schemas.microsoft.com/office/powerpoint/2010/main" val="873302807"/>
+      </p:ext>
+    </p:extLst>
+  </p:cSld>
+  <p:clrMapOvr>
+    <a:masterClrMapping/>
+  </p:clrMapOvr>
+</p:sld>
+</file>
+
+<file path=ppt/slides/slide10.xml><?xml version="1.0" encoding="utf-8"?>
+<p:sld xmlns:a="http://schemas.openxmlformats.org/drawingml/2006/main" xmlns:r="http://schemas.openxmlformats.org/officeDocument/2006/relationships" xmlns:p="http://schemas.openxmlformats.org/presentationml/2006/main">
+  <p:cSld>
+    <p:spTree>
+      <p:nvGrpSpPr>
+        <p:cNvPr id="1" name=""/>
+        <p:cNvGrpSpPr/>
+        <p:nvPr/>
+      </p:nvGrpSpPr>
+      <p:grpSpPr>
+        <a:xfrm>
+          <a:off x="0" y="0"/>
+          <a:ext cx="0" cy="0"/>
+          <a:chOff x="0" y="0"/>
+          <a:chExt cx="0" cy="0"/>
+        </a:xfrm>
+      </p:grpSpPr>
+      <p:sp>
+        <p:nvSpPr>
+          <p:cNvPr id="2" name="Title 1"/>
+          <p:cNvSpPr>
+            <a:spLocks noGrp="1"/>
+          </p:cNvSpPr>
+          <p:nvPr>
+            <p:ph type="title"/>
+          </p:nvPr>
+        </p:nvSpPr>
+        <p:spPr/>
+        <p:txBody>
+          <a:bodyPr/>
+          <a:lstStyle/>
+          <a:p>
+            <a:r>
+              <a:rPr lang="en-US" dirty="0" smtClean="0"/>
+              <a:t>Beam search</a:t>
+            </a:r>
+            <a:endParaRPr lang="en-US" dirty="0"/>
+          </a:p>
+        </p:txBody>
+      </p:sp>
+      <p:sp>
+        <p:nvSpPr>
+          <p:cNvPr id="3" name="Content Placeholder 2"/>
+          <p:cNvSpPr>
+            <a:spLocks noGrp="1"/>
+          </p:cNvSpPr>
+          <p:nvPr>
+            <p:ph idx="1"/>
+          </p:nvPr>
+        </p:nvSpPr>
+        <p:spPr/>
+        <p:txBody>
+          <a:bodyPr/>
+          <a:lstStyle/>
+          <a:p>
+            <a:endParaRPr lang="en-US" dirty="0"/>
+          </a:p>
+        </p:txBody>
+      </p:sp>
+    </p:spTree>
+    <p:extLst>
+      <p:ext uri="{BB962C8B-B14F-4D97-AF65-F5344CB8AC3E}">
+        <p14:creationId xmlns:p14="http://schemas.microsoft.com/office/powerpoint/2010/main" val="1061137396"/>
+      </p:ext>
+    </p:extLst>
+  </p:cSld>
+  <p:clrMapOvr>
+    <a:masterClrMapping/>
+  </p:clrMapOvr>
+</p:sld>
+</file>
+
+<file path=ppt/slides/slide11.xml><?xml version="1.0" encoding="utf-8"?>
+<p:sld xmlns:a="http://schemas.openxmlformats.org/drawingml/2006/main" xmlns:r="http://schemas.openxmlformats.org/officeDocument/2006/relationships" xmlns:p="http://schemas.openxmlformats.org/presentationml/2006/main">
+  <p:cSld>
+    <p:spTree>
+      <p:nvGrpSpPr>
+        <p:cNvPr id="1" name=""/>
+        <p:cNvGrpSpPr/>
+        <p:nvPr/>
+      </p:nvGrpSpPr>
+      <p:grpSpPr>
+        <a:xfrm>
+          <a:off x="0" y="0"/>
+          <a:ext cx="0" cy="0"/>
+          <a:chOff x="0" y="0"/>
+          <a:chExt cx="0" cy="0"/>
+        </a:xfrm>
+      </p:grpSpPr>
+      <p:sp>
+        <p:nvSpPr>
+          <p:cNvPr id="4" name="Title 3"/>
+          <p:cNvSpPr>
+            <a:spLocks noGrp="1"/>
+          </p:cNvSpPr>
+          <p:nvPr>
+            <p:ph type="title"/>
+          </p:nvPr>
+        </p:nvSpPr>
+        <p:spPr/>
+        <p:txBody>
+          <a:bodyPr/>
+          <a:lstStyle/>
+          <a:p>
+            <a:r>
+              <a:rPr lang="fr-FR" dirty="0" smtClean="0"/>
+              <a:t>Practice</a:t>
+            </a:r>
+            <a:endParaRPr lang="en-US" dirty="0"/>
+          </a:p>
+        </p:txBody>
+      </p:sp>
+      <p:sp>
+        <p:nvSpPr>
+          <p:cNvPr id="5" name="Content Placeholder 4"/>
+          <p:cNvSpPr>
+            <a:spLocks noGrp="1"/>
+          </p:cNvSpPr>
+          <p:nvPr>
+            <p:ph idx="1"/>
+          </p:nvPr>
+        </p:nvSpPr>
+        <p:spPr/>
+        <p:txBody>
+          <a:bodyPr/>
+          <a:lstStyle/>
+          <a:p>
+            <a:r>
+              <a:rPr lang="fr-FR" dirty="0" err="1" smtClean="0"/>
+              <a:t>Thực</a:t>
+            </a:r>
+            <a:r>
+              <a:rPr lang="fr-FR" dirty="0" smtClean="0"/>
+              <a:t> </a:t>
+            </a:r>
+            <a:r>
+              <a:rPr lang="fr-FR" dirty="0" err="1" smtClean="0"/>
+              <a:t>hành</a:t>
+            </a:r>
+            <a:r>
+              <a:rPr lang="fr-FR" dirty="0" smtClean="0"/>
+              <a:t> OCR </a:t>
+            </a:r>
+            <a:r>
+              <a:rPr lang="fr-FR" dirty="0" err="1" smtClean="0"/>
+              <a:t>trên</a:t>
+            </a:r>
+            <a:r>
+              <a:rPr lang="fr-FR" dirty="0" smtClean="0"/>
+              <a:t> </a:t>
+            </a:r>
+            <a:r>
+              <a:rPr lang="fr-FR" dirty="0" err="1" smtClean="0"/>
+              <a:t>tập</a:t>
+            </a:r>
+            <a:r>
+              <a:rPr lang="fr-FR" dirty="0" smtClean="0"/>
+              <a:t> </a:t>
+            </a:r>
+            <a:r>
+              <a:rPr lang="fr-FR" dirty="0" err="1" smtClean="0"/>
+              <a:t>dữ</a:t>
+            </a:r>
+            <a:r>
+              <a:rPr lang="fr-FR" dirty="0" smtClean="0"/>
+              <a:t> </a:t>
+            </a:r>
+            <a:r>
+              <a:rPr lang="fr-FR" dirty="0" err="1" smtClean="0"/>
+              <a:t>liệu</a:t>
+            </a:r>
+            <a:endParaRPr lang="en-US" dirty="0"/>
+          </a:p>
+        </p:txBody>
+      </p:sp>
+    </p:spTree>
+    <p:extLst>
+      <p:ext uri="{BB962C8B-B14F-4D97-AF65-F5344CB8AC3E}">
+        <p14:creationId xmlns:p14="http://schemas.microsoft.com/office/powerpoint/2010/main" val="205605987"/>
       </p:ext>
     </p:extLst>
   </p:cSld>
@@ -3510,7 +4961,496 @@
           <a:p>
             <a:r>
               <a:rPr lang="en-US" dirty="0" smtClean="0"/>
-              <a:t>OCR</a:t>
+              <a:t>OCR </a:t>
+            </a:r>
+            <a:r>
+              <a:rPr lang="en-US" dirty="0" err="1" smtClean="0"/>
+              <a:t>là</a:t>
+            </a:r>
+            <a:r>
+              <a:rPr lang="en-US" dirty="0" smtClean="0"/>
+              <a:t> </a:t>
+            </a:r>
+            <a:r>
+              <a:rPr lang="en-US" dirty="0" err="1" smtClean="0"/>
+              <a:t>gì</a:t>
+            </a:r>
+            <a:r>
+              <a:rPr lang="en-US" dirty="0" smtClean="0"/>
+              <a:t>?</a:t>
+            </a:r>
+            <a:endParaRPr lang="en-US" dirty="0"/>
+          </a:p>
+        </p:txBody>
+      </p:sp>
+      <p:pic>
+        <p:nvPicPr>
+          <p:cNvPr id="2050" name="Picture 2" descr="Reconnaissance de caractères et OCR : Quelle solution choisir ?"/>
+          <p:cNvPicPr>
+            <a:picLocks noChangeAspect="1" noChangeArrowheads="1"/>
+          </p:cNvPicPr>
+          <p:nvPr/>
+        </p:nvPicPr>
+        <p:blipFill>
+          <a:blip r:embed="rId2">
+            <a:extLst>
+              <a:ext uri="{28A0092B-C50C-407E-A947-70E740481C1C}">
+                <a14:useLocalDpi xmlns:a14="http://schemas.microsoft.com/office/drawing/2010/main" val="0"/>
+              </a:ext>
+            </a:extLst>
+          </a:blip>
+          <a:srcRect/>
+          <a:stretch>
+            <a:fillRect/>
+          </a:stretch>
+        </p:blipFill>
+        <p:spPr bwMode="auto">
+          <a:xfrm>
+            <a:off x="2586037" y="1690688"/>
+            <a:ext cx="7019925" cy="4238626"/>
+          </a:xfrm>
+          <a:prstGeom prst="rect">
+            <a:avLst/>
+          </a:prstGeom>
+          <a:noFill/>
+          <a:extLst>
+            <a:ext uri="{909E8E84-426E-40DD-AFC4-6F175D3DCCD1}">
+              <a14:hiddenFill xmlns:a14="http://schemas.microsoft.com/office/drawing/2010/main">
+                <a:solidFill>
+                  <a:srgbClr val="FFFFFF"/>
+                </a:solidFill>
+              </a14:hiddenFill>
+            </a:ext>
+          </a:extLst>
+        </p:spPr>
+      </p:pic>
+    </p:spTree>
+    <p:extLst>
+      <p:ext uri="{BB962C8B-B14F-4D97-AF65-F5344CB8AC3E}">
+        <p14:creationId xmlns:p14="http://schemas.microsoft.com/office/powerpoint/2010/main" val="4223638293"/>
+      </p:ext>
+    </p:extLst>
+  </p:cSld>
+  <p:clrMapOvr>
+    <a:masterClrMapping/>
+  </p:clrMapOvr>
+</p:sld>
+</file>
+
+<file path=ppt/slides/slide3.xml><?xml version="1.0" encoding="utf-8"?>
+<p:sld xmlns:a="http://schemas.openxmlformats.org/drawingml/2006/main" xmlns:r="http://schemas.openxmlformats.org/officeDocument/2006/relationships" xmlns:p="http://schemas.openxmlformats.org/presentationml/2006/main">
+  <p:cSld>
+    <p:spTree>
+      <p:nvGrpSpPr>
+        <p:cNvPr id="1" name=""/>
+        <p:cNvGrpSpPr/>
+        <p:nvPr/>
+      </p:nvGrpSpPr>
+      <p:grpSpPr>
+        <a:xfrm>
+          <a:off x="0" y="0"/>
+          <a:ext cx="0" cy="0"/>
+          <a:chOff x="0" y="0"/>
+          <a:chExt cx="0" cy="0"/>
+        </a:xfrm>
+      </p:grpSpPr>
+      <p:sp>
+        <p:nvSpPr>
+          <p:cNvPr id="2" name="Title 1"/>
+          <p:cNvSpPr>
+            <a:spLocks noGrp="1"/>
+          </p:cNvSpPr>
+          <p:nvPr>
+            <p:ph type="title"/>
+          </p:nvPr>
+        </p:nvSpPr>
+        <p:spPr/>
+        <p:txBody>
+          <a:bodyPr/>
+          <a:lstStyle/>
+          <a:p>
+            <a:r>
+              <a:rPr lang="en-US" dirty="0" err="1" smtClean="0"/>
+              <a:t>Ứng</a:t>
+            </a:r>
+            <a:r>
+              <a:rPr lang="en-US" dirty="0" smtClean="0"/>
+              <a:t> </a:t>
+            </a:r>
+            <a:r>
+              <a:rPr lang="en-US" dirty="0" err="1" smtClean="0"/>
+              <a:t>dụng</a:t>
+            </a:r>
+            <a:r>
+              <a:rPr lang="en-US" dirty="0" smtClean="0"/>
+              <a:t> </a:t>
+            </a:r>
+            <a:r>
+              <a:rPr lang="en-US" dirty="0" err="1" smtClean="0"/>
+              <a:t>của</a:t>
+            </a:r>
+            <a:r>
+              <a:rPr lang="en-US" dirty="0" smtClean="0"/>
+              <a:t> OCR</a:t>
+            </a:r>
+            <a:endParaRPr lang="en-US" dirty="0"/>
+          </a:p>
+        </p:txBody>
+      </p:sp>
+      <p:sp>
+        <p:nvSpPr>
+          <p:cNvPr id="3" name="Content Placeholder 2"/>
+          <p:cNvSpPr>
+            <a:spLocks noGrp="1"/>
+          </p:cNvSpPr>
+          <p:nvPr>
+            <p:ph idx="1"/>
+          </p:nvPr>
+        </p:nvSpPr>
+        <p:spPr/>
+        <p:txBody>
+          <a:bodyPr/>
+          <a:lstStyle/>
+          <a:p>
+            <a:r>
+              <a:rPr lang="en-US" dirty="0" err="1" smtClean="0"/>
+              <a:t>Nhận</a:t>
+            </a:r>
+            <a:r>
+              <a:rPr lang="en-US" dirty="0" smtClean="0"/>
+              <a:t> </a:t>
+            </a:r>
+            <a:r>
+              <a:rPr lang="en-US" dirty="0" err="1" smtClean="0"/>
+              <a:t>diện</a:t>
+            </a:r>
+            <a:r>
+              <a:rPr lang="en-US" dirty="0" smtClean="0"/>
+              <a:t> </a:t>
+            </a:r>
+            <a:r>
+              <a:rPr lang="en-US" dirty="0" err="1" smtClean="0"/>
+              <a:t>thông</a:t>
+            </a:r>
+            <a:r>
+              <a:rPr lang="en-US" dirty="0" smtClean="0"/>
+              <a:t> tin </a:t>
+            </a:r>
+            <a:r>
+              <a:rPr lang="en-US" dirty="0" err="1" smtClean="0"/>
+              <a:t>trong</a:t>
+            </a:r>
+            <a:r>
+              <a:rPr lang="en-US" dirty="0" smtClean="0"/>
+              <a:t> passport, invoice</a:t>
+            </a:r>
+          </a:p>
+          <a:p>
+            <a:r>
+              <a:rPr lang="en-US" dirty="0" err="1" smtClean="0"/>
+              <a:t>Nhận</a:t>
+            </a:r>
+            <a:r>
+              <a:rPr lang="en-US" dirty="0" smtClean="0"/>
+              <a:t> </a:t>
+            </a:r>
+            <a:r>
+              <a:rPr lang="en-US" dirty="0" err="1" smtClean="0"/>
+              <a:t>diện</a:t>
+            </a:r>
+            <a:r>
+              <a:rPr lang="en-US" dirty="0" smtClean="0"/>
+              <a:t> </a:t>
+            </a:r>
+            <a:r>
+              <a:rPr lang="en-US" dirty="0" err="1" smtClean="0"/>
+              <a:t>biển</a:t>
+            </a:r>
+            <a:r>
+              <a:rPr lang="en-US" dirty="0" smtClean="0"/>
+              <a:t> </a:t>
+            </a:r>
+            <a:r>
+              <a:rPr lang="en-US" dirty="0" err="1" smtClean="0"/>
+              <a:t>số</a:t>
+            </a:r>
+            <a:r>
+              <a:rPr lang="en-US" dirty="0" smtClean="0"/>
+              <a:t> </a:t>
+            </a:r>
+            <a:r>
+              <a:rPr lang="en-US" dirty="0" err="1" smtClean="0"/>
+              <a:t>xe</a:t>
+            </a:r>
+            <a:endParaRPr lang="en-US" dirty="0" smtClean="0"/>
+          </a:p>
+          <a:p>
+            <a:r>
+              <a:rPr lang="en-US" dirty="0" err="1" smtClean="0"/>
+              <a:t>Chuyển</a:t>
+            </a:r>
+            <a:r>
+              <a:rPr lang="en-US" dirty="0" smtClean="0"/>
+              <a:t> </a:t>
+            </a:r>
+            <a:r>
+              <a:rPr lang="en-US" dirty="0" err="1" smtClean="0"/>
+              <a:t>chữ</a:t>
+            </a:r>
+            <a:r>
+              <a:rPr lang="en-US" dirty="0" smtClean="0"/>
+              <a:t> </a:t>
+            </a:r>
+            <a:r>
+              <a:rPr lang="en-US" dirty="0" err="1" smtClean="0"/>
+              <a:t>viết</a:t>
+            </a:r>
+            <a:r>
+              <a:rPr lang="en-US" dirty="0" smtClean="0"/>
+              <a:t> </a:t>
+            </a:r>
+            <a:r>
+              <a:rPr lang="en-US" dirty="0" err="1" smtClean="0"/>
+              <a:t>trên</a:t>
+            </a:r>
+            <a:r>
+              <a:rPr lang="en-US" dirty="0" smtClean="0"/>
+              <a:t> </a:t>
+            </a:r>
+            <a:r>
+              <a:rPr lang="en-US" dirty="0" err="1" smtClean="0"/>
+              <a:t>màn</a:t>
+            </a:r>
+            <a:r>
+              <a:rPr lang="en-US" dirty="0" smtClean="0"/>
+              <a:t> </a:t>
+            </a:r>
+            <a:r>
+              <a:rPr lang="en-US" dirty="0" err="1" smtClean="0"/>
+              <a:t>hình</a:t>
+            </a:r>
+            <a:r>
+              <a:rPr lang="en-US" dirty="0" smtClean="0"/>
+              <a:t> </a:t>
+            </a:r>
+            <a:r>
+              <a:rPr lang="en-US" dirty="0" err="1" smtClean="0"/>
+              <a:t>điện</a:t>
+            </a:r>
+            <a:r>
+              <a:rPr lang="en-US" dirty="0" smtClean="0"/>
+              <a:t> </a:t>
+            </a:r>
+            <a:r>
+              <a:rPr lang="en-US" dirty="0" err="1" smtClean="0"/>
+              <a:t>thoại</a:t>
+            </a:r>
+            <a:r>
+              <a:rPr lang="en-US" dirty="0" smtClean="0"/>
+              <a:t> </a:t>
+            </a:r>
+            <a:r>
+              <a:rPr lang="en-US" dirty="0" err="1" smtClean="0"/>
+              <a:t>thành</a:t>
+            </a:r>
+            <a:r>
+              <a:rPr lang="en-US" dirty="0" smtClean="0"/>
+              <a:t> </a:t>
+            </a:r>
+            <a:r>
+              <a:rPr lang="en-US" dirty="0" err="1" smtClean="0"/>
+              <a:t>ký</a:t>
+            </a:r>
+            <a:r>
+              <a:rPr lang="en-US" dirty="0" smtClean="0"/>
+              <a:t> </a:t>
+            </a:r>
+            <a:r>
+              <a:rPr lang="en-US" dirty="0" err="1" smtClean="0"/>
+              <a:t>tự</a:t>
+            </a:r>
+            <a:endParaRPr lang="en-US" dirty="0" smtClean="0"/>
+          </a:p>
+          <a:p>
+            <a:r>
+              <a:rPr lang="en-US" dirty="0" err="1" smtClean="0"/>
+              <a:t>Chuyển</a:t>
+            </a:r>
+            <a:r>
+              <a:rPr lang="en-US" dirty="0" smtClean="0"/>
+              <a:t> </a:t>
+            </a:r>
+            <a:r>
+              <a:rPr lang="en-US" dirty="0" err="1" smtClean="0"/>
+              <a:t>văn</a:t>
+            </a:r>
+            <a:r>
+              <a:rPr lang="en-US" dirty="0" smtClean="0"/>
+              <a:t> </a:t>
+            </a:r>
+            <a:r>
+              <a:rPr lang="en-US" dirty="0" err="1" smtClean="0"/>
+              <a:t>bản</a:t>
+            </a:r>
+            <a:r>
+              <a:rPr lang="en-US" dirty="0" smtClean="0"/>
+              <a:t> </a:t>
+            </a:r>
+            <a:r>
+              <a:rPr lang="en-US" dirty="0" err="1" smtClean="0"/>
+              <a:t>chữ</a:t>
+            </a:r>
+            <a:r>
+              <a:rPr lang="en-US" dirty="0" smtClean="0"/>
+              <a:t> </a:t>
+            </a:r>
+            <a:r>
+              <a:rPr lang="en-US" dirty="0" err="1" smtClean="0"/>
+              <a:t>viết</a:t>
+            </a:r>
+            <a:r>
+              <a:rPr lang="en-US" dirty="0" smtClean="0"/>
+              <a:t> </a:t>
+            </a:r>
+            <a:r>
+              <a:rPr lang="en-US" dirty="0" err="1" smtClean="0"/>
+              <a:t>thành</a:t>
+            </a:r>
+            <a:r>
+              <a:rPr lang="en-US" dirty="0" smtClean="0"/>
+              <a:t> </a:t>
+            </a:r>
+            <a:r>
+              <a:rPr lang="en-US" dirty="0" err="1" smtClean="0"/>
+              <a:t>ký</a:t>
+            </a:r>
+            <a:r>
+              <a:rPr lang="en-US" dirty="0" smtClean="0"/>
+              <a:t> </a:t>
+            </a:r>
+            <a:r>
+              <a:rPr lang="en-US" dirty="0" err="1" smtClean="0"/>
+              <a:t>tự</a:t>
+            </a:r>
+            <a:endParaRPr lang="en-US" dirty="0" smtClean="0"/>
+          </a:p>
+          <a:p>
+            <a:r>
+              <a:rPr lang="en-US" dirty="0" err="1" smtClean="0"/>
+              <a:t>Trợ</a:t>
+            </a:r>
+            <a:r>
+              <a:rPr lang="en-US" dirty="0" smtClean="0"/>
+              <a:t> </a:t>
+            </a:r>
+            <a:r>
+              <a:rPr lang="en-US" dirty="0" err="1" smtClean="0"/>
+              <a:t>giúp</a:t>
+            </a:r>
+            <a:r>
+              <a:rPr lang="en-US" dirty="0" smtClean="0"/>
+              <a:t> </a:t>
+            </a:r>
+            <a:r>
+              <a:rPr lang="en-US" dirty="0" err="1" smtClean="0"/>
+              <a:t>người</a:t>
+            </a:r>
+            <a:r>
+              <a:rPr lang="en-US" dirty="0" smtClean="0"/>
+              <a:t> </a:t>
+            </a:r>
+            <a:r>
+              <a:rPr lang="en-US" dirty="0" err="1" smtClean="0"/>
+              <a:t>khiếm</a:t>
+            </a:r>
+            <a:r>
+              <a:rPr lang="en-US" dirty="0" smtClean="0"/>
+              <a:t> </a:t>
+            </a:r>
+            <a:r>
+              <a:rPr lang="en-US" dirty="0" err="1" smtClean="0"/>
+              <a:t>thị</a:t>
+            </a:r>
+            <a:endParaRPr lang="en-US" dirty="0"/>
+          </a:p>
+        </p:txBody>
+      </p:sp>
+    </p:spTree>
+    <p:extLst>
+      <p:ext uri="{BB962C8B-B14F-4D97-AF65-F5344CB8AC3E}">
+        <p14:creationId xmlns:p14="http://schemas.microsoft.com/office/powerpoint/2010/main" val="3046774316"/>
+      </p:ext>
+    </p:extLst>
+  </p:cSld>
+  <p:clrMapOvr>
+    <a:masterClrMapping/>
+  </p:clrMapOvr>
+</p:sld>
+</file>
+
+<file path=ppt/slides/slide4.xml><?xml version="1.0" encoding="utf-8"?>
+<p:sld xmlns:a="http://schemas.openxmlformats.org/drawingml/2006/main" xmlns:r="http://schemas.openxmlformats.org/officeDocument/2006/relationships" xmlns:p="http://schemas.openxmlformats.org/presentationml/2006/main">
+  <p:cSld>
+    <p:spTree>
+      <p:nvGrpSpPr>
+        <p:cNvPr id="1" name=""/>
+        <p:cNvGrpSpPr/>
+        <p:nvPr/>
+      </p:nvGrpSpPr>
+      <p:grpSpPr>
+        <a:xfrm>
+          <a:off x="0" y="0"/>
+          <a:ext cx="0" cy="0"/>
+          <a:chOff x="0" y="0"/>
+          <a:chExt cx="0" cy="0"/>
+        </a:xfrm>
+      </p:grpSpPr>
+      <p:sp>
+        <p:nvSpPr>
+          <p:cNvPr id="2" name="Title 1"/>
+          <p:cNvSpPr>
+            <a:spLocks noGrp="1"/>
+          </p:cNvSpPr>
+          <p:nvPr>
+            <p:ph type="title"/>
+          </p:nvPr>
+        </p:nvSpPr>
+        <p:spPr/>
+        <p:txBody>
+          <a:bodyPr/>
+          <a:lstStyle/>
+          <a:p>
+            <a:r>
+              <a:rPr lang="en-US" dirty="0" err="1" smtClean="0"/>
+              <a:t>Các</a:t>
+            </a:r>
+            <a:r>
+              <a:rPr lang="en-US" dirty="0" smtClean="0"/>
+              <a:t> </a:t>
+            </a:r>
+            <a:r>
+              <a:rPr lang="en-US" dirty="0" err="1" smtClean="0"/>
+              <a:t>mô</a:t>
+            </a:r>
+            <a:r>
+              <a:rPr lang="en-US" dirty="0" smtClean="0"/>
+              <a:t> </a:t>
+            </a:r>
+            <a:r>
+              <a:rPr lang="en-US" dirty="0" err="1" smtClean="0"/>
+              <a:t>hình</a:t>
+            </a:r>
+            <a:r>
+              <a:rPr lang="en-US" dirty="0" smtClean="0"/>
+              <a:t> deep learning </a:t>
+            </a:r>
+            <a:r>
+              <a:rPr lang="en-US" dirty="0" err="1" smtClean="0"/>
+              <a:t>cho</a:t>
+            </a:r>
+            <a:r>
+              <a:rPr lang="en-US" dirty="0" smtClean="0"/>
+              <a:t> OCR</a:t>
             </a:r>
             <a:endParaRPr lang="en-US" dirty="0"/>
           </a:p>
@@ -3589,7 +5529,7 @@
 </p:sld>
 </file>
 
-<file path=ppt/slides/slide3.xml><?xml version="1.0" encoding="utf-8"?>
+<file path=ppt/slides/slide5.xml><?xml version="1.0" encoding="utf-8"?>
 <p:sld xmlns:a="http://schemas.openxmlformats.org/drawingml/2006/main" xmlns:r="http://schemas.openxmlformats.org/officeDocument/2006/relationships" xmlns:p="http://schemas.openxmlformats.org/presentationml/2006/main">
   <p:cSld>
     <p:spTree>
@@ -3623,7 +5563,7 @@
           <a:p>
             <a:r>
               <a:rPr lang="en-US" dirty="0" smtClean="0"/>
-              <a:t>CTC loss</a:t>
+              <a:t>CRNN-Convolutional Recurrent Neural Networks</a:t>
             </a:r>
             <a:endParaRPr lang="en-US" dirty="0"/>
           </a:p>
@@ -3639,18 +5579,3028 @@
             <p:ph idx="1"/>
           </p:nvPr>
         </p:nvSpPr>
-        <p:spPr/>
+        <p:spPr>
+          <a:xfrm>
+            <a:off x="1097280" y="1845734"/>
+            <a:ext cx="5593806" cy="4023360"/>
+          </a:xfrm>
+        </p:spPr>
         <p:txBody>
           <a:bodyPr/>
           <a:lstStyle/>
           <a:p>
+            <a:pPr marL="0" indent="0">
+              <a:buNone/>
+            </a:pPr>
+            <a:r>
+              <a:rPr lang="en-US" dirty="0" err="1" smtClean="0"/>
+              <a:t>Lớp</a:t>
+            </a:r>
+            <a:r>
+              <a:rPr lang="en-US" dirty="0" smtClean="0"/>
+              <a:t> CNN: </a:t>
+            </a:r>
+            <a:r>
+              <a:rPr lang="en-US" dirty="0" err="1" smtClean="0"/>
+              <a:t>trích</a:t>
+            </a:r>
+            <a:r>
+              <a:rPr lang="en-US" dirty="0" smtClean="0"/>
+              <a:t> </a:t>
+            </a:r>
+            <a:r>
+              <a:rPr lang="en-US" dirty="0" err="1" smtClean="0"/>
+              <a:t>xuất</a:t>
+            </a:r>
+            <a:r>
+              <a:rPr lang="en-US" dirty="0" smtClean="0"/>
+              <a:t> </a:t>
+            </a:r>
+            <a:r>
+              <a:rPr lang="en-US" dirty="0" err="1" smtClean="0"/>
+              <a:t>đặc</a:t>
+            </a:r>
+            <a:r>
+              <a:rPr lang="en-US" dirty="0" smtClean="0"/>
+              <a:t> </a:t>
+            </a:r>
+            <a:r>
+              <a:rPr lang="en-US" dirty="0" err="1" smtClean="0"/>
+              <a:t>trưng</a:t>
+            </a:r>
+            <a:r>
+              <a:rPr lang="en-US" dirty="0" smtClean="0"/>
+              <a:t> </a:t>
+            </a:r>
+            <a:r>
+              <a:rPr lang="en-US" dirty="0" err="1" smtClean="0"/>
+              <a:t>của</a:t>
+            </a:r>
+            <a:r>
+              <a:rPr lang="en-US" dirty="0" smtClean="0"/>
+              <a:t> </a:t>
+            </a:r>
+            <a:r>
+              <a:rPr lang="en-US" dirty="0" err="1" smtClean="0"/>
+              <a:t>hình</a:t>
+            </a:r>
+            <a:r>
+              <a:rPr lang="en-US" dirty="0" smtClean="0"/>
+              <a:t> </a:t>
+            </a:r>
+            <a:r>
+              <a:rPr lang="en-US" dirty="0" err="1" smtClean="0"/>
+              <a:t>ảnh</a:t>
+            </a:r>
+            <a:endParaRPr lang="en-US" dirty="0" smtClean="0"/>
+          </a:p>
+          <a:p>
+            <a:pPr marL="0" indent="0">
+              <a:buNone/>
+            </a:pPr>
+            <a:r>
+              <a:rPr lang="en-US" dirty="0" err="1" smtClean="0"/>
+              <a:t>Lớp</a:t>
+            </a:r>
+            <a:r>
+              <a:rPr lang="en-US" dirty="0" smtClean="0"/>
+              <a:t> RNN: </a:t>
+            </a:r>
+            <a:r>
+              <a:rPr lang="en-US" dirty="0" err="1" smtClean="0"/>
+              <a:t>dịch</a:t>
+            </a:r>
+            <a:r>
+              <a:rPr lang="en-US" dirty="0" smtClean="0"/>
+              <a:t> </a:t>
+            </a:r>
+            <a:r>
+              <a:rPr lang="en-US" dirty="0" err="1" smtClean="0"/>
+              <a:t>chuyển</a:t>
+            </a:r>
+            <a:r>
+              <a:rPr lang="en-US" dirty="0" smtClean="0"/>
+              <a:t> </a:t>
+            </a:r>
+            <a:r>
+              <a:rPr lang="en-US" dirty="0" err="1" smtClean="0"/>
+              <a:t>đặc</a:t>
+            </a:r>
+            <a:r>
+              <a:rPr lang="en-US" dirty="0" smtClean="0"/>
+              <a:t> </a:t>
+            </a:r>
+            <a:r>
+              <a:rPr lang="en-US" dirty="0" err="1" smtClean="0"/>
+              <a:t>trưng</a:t>
+            </a:r>
+            <a:r>
+              <a:rPr lang="en-US" dirty="0" smtClean="0"/>
+              <a:t> </a:t>
+            </a:r>
+            <a:r>
+              <a:rPr lang="en-US" dirty="0" err="1" smtClean="0"/>
+              <a:t>một</a:t>
+            </a:r>
+            <a:r>
+              <a:rPr lang="en-US" dirty="0" smtClean="0"/>
+              <a:t> </a:t>
+            </a:r>
+            <a:r>
+              <a:rPr lang="en-US" dirty="0" err="1" smtClean="0"/>
+              <a:t>cách</a:t>
+            </a:r>
+            <a:r>
+              <a:rPr lang="en-US" dirty="0" smtClean="0"/>
+              <a:t> </a:t>
+            </a:r>
+            <a:r>
+              <a:rPr lang="en-US" dirty="0" err="1" smtClean="0"/>
+              <a:t>tuần</a:t>
+            </a:r>
+            <a:r>
+              <a:rPr lang="en-US" dirty="0" smtClean="0"/>
+              <a:t> </a:t>
+            </a:r>
+            <a:r>
+              <a:rPr lang="en-US" dirty="0" err="1" smtClean="0"/>
+              <a:t>tự</a:t>
+            </a:r>
+            <a:r>
+              <a:rPr lang="en-US" dirty="0" smtClean="0"/>
+              <a:t> </a:t>
+            </a:r>
+            <a:r>
+              <a:rPr lang="en-US" dirty="0" err="1" smtClean="0"/>
+              <a:t>thành</a:t>
+            </a:r>
+            <a:r>
+              <a:rPr lang="en-US" dirty="0" smtClean="0"/>
+              <a:t> </a:t>
+            </a:r>
+            <a:r>
+              <a:rPr lang="en-US" dirty="0" err="1" smtClean="0"/>
+              <a:t>chuỗi</a:t>
+            </a:r>
+            <a:r>
+              <a:rPr lang="en-US" dirty="0" smtClean="0"/>
+              <a:t> </a:t>
+            </a:r>
+            <a:r>
+              <a:rPr lang="en-US" dirty="0" err="1" smtClean="0"/>
+              <a:t>ký</a:t>
+            </a:r>
+            <a:r>
+              <a:rPr lang="en-US" dirty="0" smtClean="0"/>
+              <a:t> </a:t>
+            </a:r>
+            <a:r>
+              <a:rPr lang="en-US" dirty="0" err="1" smtClean="0"/>
+              <a:t>tự</a:t>
+            </a:r>
+            <a:endParaRPr lang="en-US" dirty="0" smtClean="0"/>
+          </a:p>
+          <a:p>
+            <a:pPr marL="0" indent="0">
+              <a:buNone/>
+            </a:pPr>
+            <a:r>
+              <a:rPr lang="en-US" dirty="0" err="1" smtClean="0"/>
+              <a:t>Lớp</a:t>
+            </a:r>
+            <a:r>
+              <a:rPr lang="en-US" dirty="0" smtClean="0"/>
+              <a:t> </a:t>
+            </a:r>
+            <a:r>
+              <a:rPr lang="en-US" dirty="0" err="1" smtClean="0"/>
+              <a:t>giải</a:t>
+            </a:r>
+            <a:r>
+              <a:rPr lang="en-US" dirty="0" smtClean="0"/>
+              <a:t> </a:t>
+            </a:r>
+            <a:r>
+              <a:rPr lang="en-US" dirty="0" err="1" smtClean="0"/>
+              <a:t>mã</a:t>
+            </a:r>
+            <a:r>
+              <a:rPr lang="en-US" dirty="0" smtClean="0"/>
+              <a:t>: </a:t>
+            </a:r>
+            <a:r>
+              <a:rPr lang="en-US" dirty="0" err="1" smtClean="0"/>
+              <a:t>giải</a:t>
+            </a:r>
+            <a:r>
+              <a:rPr lang="en-US" dirty="0" smtClean="0"/>
+              <a:t> </a:t>
+            </a:r>
+            <a:r>
+              <a:rPr lang="en-US" dirty="0" err="1" smtClean="0"/>
+              <a:t>mã</a:t>
+            </a:r>
+            <a:r>
+              <a:rPr lang="en-US" dirty="0" smtClean="0"/>
+              <a:t> </a:t>
+            </a:r>
+            <a:r>
+              <a:rPr lang="en-US" dirty="0" err="1" smtClean="0"/>
+              <a:t>hoá</a:t>
+            </a:r>
+            <a:r>
+              <a:rPr lang="en-US" dirty="0" smtClean="0"/>
+              <a:t> </a:t>
+            </a:r>
+            <a:r>
+              <a:rPr lang="en-US" dirty="0" err="1" smtClean="0"/>
+              <a:t>chuỗi</a:t>
+            </a:r>
+            <a:r>
+              <a:rPr lang="en-US" dirty="0" smtClean="0"/>
+              <a:t> </a:t>
+            </a:r>
+            <a:r>
+              <a:rPr lang="en-US" dirty="0" err="1" smtClean="0"/>
+              <a:t>ký</a:t>
+            </a:r>
+            <a:r>
+              <a:rPr lang="en-US" dirty="0" smtClean="0"/>
+              <a:t> </a:t>
+            </a:r>
+            <a:r>
+              <a:rPr lang="en-US" dirty="0" err="1" smtClean="0"/>
+              <a:t>tự</a:t>
+            </a:r>
+            <a:r>
+              <a:rPr lang="en-US" dirty="0" smtClean="0"/>
+              <a:t> </a:t>
+            </a:r>
+            <a:r>
+              <a:rPr lang="en-US" dirty="0" err="1" smtClean="0"/>
+              <a:t>bằng</a:t>
+            </a:r>
+            <a:r>
+              <a:rPr lang="en-US" dirty="0" smtClean="0"/>
+              <a:t> </a:t>
+            </a:r>
+            <a:r>
+              <a:rPr lang="en-US" dirty="0" err="1" smtClean="0"/>
+              <a:t>thuật</a:t>
+            </a:r>
+            <a:r>
+              <a:rPr lang="en-US" dirty="0" smtClean="0"/>
+              <a:t> </a:t>
+            </a:r>
+            <a:r>
+              <a:rPr lang="en-US" dirty="0" err="1" smtClean="0"/>
+              <a:t>toán</a:t>
+            </a:r>
+            <a:r>
+              <a:rPr lang="en-US" dirty="0" smtClean="0"/>
+              <a:t> </a:t>
+            </a:r>
+            <a:r>
+              <a:rPr lang="en-US" dirty="0" smtClean="0"/>
+              <a:t>Connectionist Temporal Classification (CTC)</a:t>
+            </a:r>
             <a:endParaRPr lang="en-US" dirty="0"/>
           </a:p>
         </p:txBody>
       </p:sp>
       <p:pic>
         <p:nvPicPr>
-          <p:cNvPr id="2050" name="Picture 2" descr="https://miro.medium.com/max/400/1*BFQYgGofh6HOxnGdkJnO-w.png"/>
+          <p:cNvPr id="4" name="Picture 2" descr="Neural Network for Image-based Sequence Recognition"/>
+          <p:cNvPicPr>
+            <a:picLocks noChangeAspect="1" noChangeArrowheads="1"/>
+          </p:cNvPicPr>
+          <p:nvPr/>
+        </p:nvPicPr>
+        <p:blipFill rotWithShape="1">
+          <a:blip r:embed="rId3">
+            <a:extLst>
+              <a:ext uri="{28A0092B-C50C-407E-A947-70E740481C1C}">
+                <a14:useLocalDpi xmlns:a14="http://schemas.microsoft.com/office/drawing/2010/main" val="0"/>
+              </a:ext>
+            </a:extLst>
+          </a:blip>
+          <a:srcRect b="18312"/>
+          <a:stretch/>
+        </p:blipFill>
+        <p:spPr bwMode="auto">
+          <a:xfrm>
+            <a:off x="7161242" y="1931656"/>
+            <a:ext cx="3994438" cy="3937438"/>
+          </a:xfrm>
+          <a:prstGeom prst="rect">
+            <a:avLst/>
+          </a:prstGeom>
+          <a:noFill/>
+          <a:extLst>
+            <a:ext uri="{909E8E84-426E-40DD-AFC4-6F175D3DCCD1}">
+              <a14:hiddenFill xmlns:a14="http://schemas.microsoft.com/office/drawing/2010/main">
+                <a:solidFill>
+                  <a:srgbClr val="FFFFFF"/>
+                </a:solidFill>
+              </a14:hiddenFill>
+            </a:ext>
+          </a:extLst>
+        </p:spPr>
+      </p:pic>
+    </p:spTree>
+    <p:extLst>
+      <p:ext uri="{BB962C8B-B14F-4D97-AF65-F5344CB8AC3E}">
+        <p14:creationId xmlns:p14="http://schemas.microsoft.com/office/powerpoint/2010/main" val="1110258187"/>
+      </p:ext>
+    </p:extLst>
+  </p:cSld>
+  <p:clrMapOvr>
+    <a:masterClrMapping/>
+  </p:clrMapOvr>
+</p:sld>
+</file>
+
+<file path=ppt/slides/slide6.xml><?xml version="1.0" encoding="utf-8"?>
+<p:sld xmlns:a="http://schemas.openxmlformats.org/drawingml/2006/main" xmlns:r="http://schemas.openxmlformats.org/officeDocument/2006/relationships" xmlns:p="http://schemas.openxmlformats.org/presentationml/2006/main">
+  <p:cSld>
+    <p:spTree>
+      <p:nvGrpSpPr>
+        <p:cNvPr id="1" name=""/>
+        <p:cNvGrpSpPr/>
+        <p:nvPr/>
+      </p:nvGrpSpPr>
+      <p:grpSpPr>
+        <a:xfrm>
+          <a:off x="0" y="0"/>
+          <a:ext cx="0" cy="0"/>
+          <a:chOff x="0" y="0"/>
+          <a:chExt cx="0" cy="0"/>
+        </a:xfrm>
+      </p:grpSpPr>
+      <p:sp>
+        <p:nvSpPr>
+          <p:cNvPr id="2" name="Title 1"/>
+          <p:cNvSpPr>
+            <a:spLocks noGrp="1"/>
+          </p:cNvSpPr>
+          <p:nvPr>
+            <p:ph type="title"/>
+          </p:nvPr>
+        </p:nvSpPr>
+        <p:spPr/>
+        <p:txBody>
+          <a:bodyPr/>
+          <a:lstStyle/>
+          <a:p>
+            <a:r>
+              <a:rPr lang="en-US" dirty="0" err="1" smtClean="0"/>
+              <a:t>Tại</a:t>
+            </a:r>
+            <a:r>
+              <a:rPr lang="en-US" dirty="0" smtClean="0"/>
+              <a:t> </a:t>
+            </a:r>
+            <a:r>
+              <a:rPr lang="en-US" dirty="0" err="1" smtClean="0"/>
+              <a:t>sao</a:t>
+            </a:r>
+            <a:r>
+              <a:rPr lang="en-US" dirty="0" smtClean="0"/>
+              <a:t> </a:t>
+            </a:r>
+            <a:r>
+              <a:rPr lang="en-US" dirty="0" err="1" smtClean="0"/>
+              <a:t>lại</a:t>
+            </a:r>
+            <a:r>
+              <a:rPr lang="en-US" dirty="0" smtClean="0"/>
+              <a:t> </a:t>
+            </a:r>
+            <a:r>
+              <a:rPr lang="en-US" dirty="0" err="1" smtClean="0"/>
+              <a:t>cần</a:t>
+            </a:r>
+            <a:r>
+              <a:rPr lang="en-US" dirty="0" smtClean="0"/>
+              <a:t> CTC</a:t>
+            </a:r>
+            <a:endParaRPr lang="en-US" dirty="0"/>
+          </a:p>
+        </p:txBody>
+      </p:sp>
+      <p:sp>
+        <p:nvSpPr>
+          <p:cNvPr id="3" name="Content Placeholder 2"/>
+          <p:cNvSpPr>
+            <a:spLocks noGrp="1"/>
+          </p:cNvSpPr>
+          <p:nvPr>
+            <p:ph idx="1"/>
+          </p:nvPr>
+        </p:nvSpPr>
+        <p:spPr>
+          <a:xfrm>
+            <a:off x="1097280" y="1845734"/>
+            <a:ext cx="6972832" cy="4023360"/>
+          </a:xfrm>
+        </p:spPr>
+        <p:txBody>
+          <a:bodyPr>
+            <a:normAutofit/>
+          </a:bodyPr>
+          <a:lstStyle/>
+          <a:p>
+            <a:r>
+              <a:rPr lang="en-US" dirty="0" err="1"/>
+              <a:t>Đ</a:t>
+            </a:r>
+            <a:r>
+              <a:rPr lang="en-US" dirty="0" err="1" smtClean="0"/>
+              <a:t>ể</a:t>
+            </a:r>
+            <a:r>
+              <a:rPr lang="en-US" dirty="0" smtClean="0"/>
+              <a:t> </a:t>
+            </a:r>
+            <a:r>
+              <a:rPr lang="en-US" dirty="0"/>
+              <a:t>so </a:t>
+            </a:r>
+            <a:r>
+              <a:rPr lang="en-US" dirty="0" err="1"/>
+              <a:t>sánh</a:t>
+            </a:r>
+            <a:r>
+              <a:rPr lang="en-US" dirty="0"/>
+              <a:t> </a:t>
+            </a:r>
+            <a:r>
+              <a:rPr lang="en-US" dirty="0" err="1"/>
+              <a:t>sự</a:t>
+            </a:r>
+            <a:r>
+              <a:rPr lang="en-US" dirty="0"/>
+              <a:t> </a:t>
+            </a:r>
+            <a:r>
+              <a:rPr lang="en-US" dirty="0" err="1"/>
+              <a:t>khác</a:t>
+            </a:r>
+            <a:r>
+              <a:rPr lang="en-US" dirty="0"/>
+              <a:t> </a:t>
+            </a:r>
+            <a:r>
+              <a:rPr lang="en-US" dirty="0" err="1"/>
+              <a:t>biệt</a:t>
+            </a:r>
+            <a:r>
+              <a:rPr lang="en-US" dirty="0"/>
+              <a:t> </a:t>
+            </a:r>
+            <a:r>
+              <a:rPr lang="en-US" dirty="0" err="1"/>
+              <a:t>giữa</a:t>
+            </a:r>
+            <a:r>
+              <a:rPr lang="en-US" dirty="0"/>
+              <a:t> </a:t>
+            </a:r>
+            <a:r>
+              <a:rPr lang="en-US" dirty="0" err="1"/>
+              <a:t>chuỗi</a:t>
+            </a:r>
+            <a:r>
+              <a:rPr lang="en-US" dirty="0"/>
+              <a:t> </a:t>
+            </a:r>
+            <a:r>
+              <a:rPr lang="en-US" dirty="0" err="1"/>
+              <a:t>đầu</a:t>
+            </a:r>
+            <a:r>
+              <a:rPr lang="en-US" dirty="0"/>
+              <a:t> </a:t>
+            </a:r>
+            <a:r>
+              <a:rPr lang="en-US" dirty="0" err="1"/>
+              <a:t>ra</a:t>
+            </a:r>
+            <a:r>
+              <a:rPr lang="en-US" dirty="0"/>
+              <a:t> </a:t>
+            </a:r>
+            <a:r>
+              <a:rPr lang="en-US" dirty="0" err="1"/>
+              <a:t>của</a:t>
+            </a:r>
+            <a:r>
+              <a:rPr lang="en-US" dirty="0"/>
+              <a:t> </a:t>
+            </a:r>
+            <a:r>
+              <a:rPr lang="en-US" dirty="0" err="1"/>
+              <a:t>mô</a:t>
+            </a:r>
+            <a:r>
+              <a:rPr lang="en-US" dirty="0"/>
+              <a:t> </a:t>
+            </a:r>
+            <a:r>
+              <a:rPr lang="en-US" dirty="0" err="1"/>
+              <a:t>hình</a:t>
+            </a:r>
+            <a:r>
+              <a:rPr lang="en-US" dirty="0"/>
+              <a:t> </a:t>
+            </a:r>
+            <a:r>
+              <a:rPr lang="en-US" dirty="0" err="1"/>
+              <a:t>và</a:t>
+            </a:r>
+            <a:r>
+              <a:rPr lang="en-US" dirty="0"/>
+              <a:t> </a:t>
+            </a:r>
+            <a:r>
+              <a:rPr lang="en-US" dirty="0" err="1"/>
+              <a:t>chuỗi</a:t>
+            </a:r>
+            <a:r>
+              <a:rPr lang="en-US" dirty="0"/>
+              <a:t> </a:t>
+            </a:r>
+            <a:r>
+              <a:rPr lang="en-US" dirty="0" err="1"/>
+              <a:t>groundtruth</a:t>
+            </a:r>
+            <a:r>
+              <a:rPr lang="en-US" dirty="0"/>
+              <a:t> </a:t>
+            </a:r>
+            <a:r>
+              <a:rPr lang="en-US" dirty="0" err="1"/>
+              <a:t>được</a:t>
+            </a:r>
+            <a:r>
+              <a:rPr lang="en-US" dirty="0"/>
+              <a:t> </a:t>
+            </a:r>
+            <a:r>
+              <a:rPr lang="en-US" dirty="0" err="1"/>
+              <a:t>mã</a:t>
+            </a:r>
+            <a:r>
+              <a:rPr lang="en-US" dirty="0"/>
+              <a:t> </a:t>
+            </a:r>
+            <a:r>
+              <a:rPr lang="en-US" dirty="0" err="1" smtClean="0"/>
+              <a:t>hoá</a:t>
+            </a:r>
+            <a:r>
+              <a:rPr lang="en-US" dirty="0" smtClean="0"/>
+              <a:t>, </a:t>
+            </a:r>
+            <a:r>
+              <a:rPr lang="en-US" dirty="0" err="1" smtClean="0"/>
+              <a:t>cách</a:t>
+            </a:r>
+            <a:r>
+              <a:rPr lang="en-US" dirty="0" smtClean="0"/>
+              <a:t> </a:t>
+            </a:r>
+            <a:r>
+              <a:rPr lang="en-US" dirty="0" err="1" smtClean="0"/>
+              <a:t>giải</a:t>
+            </a:r>
+            <a:r>
+              <a:rPr lang="en-US" dirty="0" smtClean="0"/>
+              <a:t> </a:t>
+            </a:r>
+            <a:r>
+              <a:rPr lang="en-US" dirty="0" err="1" smtClean="0"/>
+              <a:t>quyết</a:t>
+            </a:r>
+            <a:r>
+              <a:rPr lang="en-US" dirty="0" smtClean="0"/>
+              <a:t> </a:t>
+            </a:r>
+            <a:r>
+              <a:rPr lang="en-US" dirty="0" err="1" smtClean="0"/>
+              <a:t>đơn</a:t>
+            </a:r>
+            <a:r>
+              <a:rPr lang="en-US" dirty="0" smtClean="0"/>
+              <a:t> </a:t>
+            </a:r>
+            <a:r>
+              <a:rPr lang="en-US" dirty="0" err="1" smtClean="0"/>
+              <a:t>giản</a:t>
+            </a:r>
+            <a:r>
+              <a:rPr lang="en-US" dirty="0" smtClean="0"/>
+              <a:t>:</a:t>
+            </a:r>
+          </a:p>
+          <a:p>
+            <a:pPr lvl="1"/>
+            <a:r>
+              <a:rPr lang="en-US" dirty="0" err="1" smtClean="0"/>
+              <a:t>Tạo</a:t>
+            </a:r>
+            <a:r>
+              <a:rPr lang="en-US" dirty="0" smtClean="0"/>
+              <a:t> </a:t>
+            </a:r>
+            <a:r>
+              <a:rPr lang="en-US" dirty="0" err="1" smtClean="0"/>
+              <a:t>ra</a:t>
+            </a:r>
+            <a:r>
+              <a:rPr lang="en-US" dirty="0" smtClean="0"/>
+              <a:t> 1 dataset, </a:t>
+            </a:r>
+            <a:r>
+              <a:rPr lang="en-US" dirty="0" err="1" smtClean="0"/>
+              <a:t>với</a:t>
+            </a:r>
+            <a:r>
+              <a:rPr lang="en-US" dirty="0" smtClean="0"/>
+              <a:t> </a:t>
+            </a:r>
+            <a:r>
+              <a:rPr lang="en-US" dirty="0" err="1" smtClean="0"/>
+              <a:t>mỗi</a:t>
+            </a:r>
+            <a:r>
+              <a:rPr lang="en-US" dirty="0" smtClean="0"/>
+              <a:t> </a:t>
+            </a:r>
+            <a:r>
+              <a:rPr lang="en-US" dirty="0" err="1" smtClean="0"/>
+              <a:t>cột</a:t>
+            </a:r>
+            <a:r>
+              <a:rPr lang="en-US" dirty="0" smtClean="0"/>
+              <a:t> </a:t>
+            </a:r>
+            <a:r>
+              <a:rPr lang="en-US" dirty="0" err="1" smtClean="0"/>
+              <a:t>dọc</a:t>
+            </a:r>
+            <a:r>
+              <a:rPr lang="en-US" dirty="0" smtClean="0"/>
+              <a:t> </a:t>
+            </a:r>
+            <a:r>
+              <a:rPr lang="en-US" dirty="0" err="1" smtClean="0"/>
+              <a:t>ứng</a:t>
+            </a:r>
+            <a:r>
+              <a:rPr lang="en-US" dirty="0" smtClean="0"/>
+              <a:t> </a:t>
+            </a:r>
+            <a:r>
+              <a:rPr lang="en-US" dirty="0" err="1" smtClean="0"/>
+              <a:t>với</a:t>
+            </a:r>
+            <a:r>
+              <a:rPr lang="en-US" dirty="0" smtClean="0"/>
+              <a:t> </a:t>
+            </a:r>
+            <a:r>
+              <a:rPr lang="en-US" dirty="0" err="1" smtClean="0"/>
+              <a:t>một</a:t>
+            </a:r>
+            <a:r>
+              <a:rPr lang="en-US" dirty="0" smtClean="0"/>
+              <a:t> </a:t>
+            </a:r>
+            <a:r>
+              <a:rPr lang="en-US" dirty="0" err="1" smtClean="0"/>
+              <a:t>ký</a:t>
+            </a:r>
+            <a:r>
+              <a:rPr lang="en-US" dirty="0" smtClean="0"/>
+              <a:t> </a:t>
+            </a:r>
+            <a:r>
+              <a:rPr lang="en-US" dirty="0" err="1" smtClean="0"/>
+              <a:t>tự</a:t>
+            </a:r>
+            <a:r>
+              <a:rPr lang="en-US" dirty="0" smtClean="0"/>
+              <a:t> </a:t>
+            </a:r>
+            <a:r>
+              <a:rPr lang="en-US" dirty="0" err="1" smtClean="0"/>
+              <a:t>như</a:t>
+            </a:r>
+            <a:r>
+              <a:rPr lang="en-US" dirty="0" smtClean="0"/>
+              <a:t> </a:t>
+            </a:r>
+            <a:r>
+              <a:rPr lang="en-US" dirty="0" err="1" smtClean="0"/>
+              <a:t>hình</a:t>
+            </a:r>
+            <a:r>
+              <a:rPr lang="en-US" dirty="0" smtClean="0"/>
+              <a:t> </a:t>
+            </a:r>
+            <a:r>
+              <a:rPr lang="en-US" dirty="0" err="1" smtClean="0"/>
+              <a:t>bên</a:t>
+            </a:r>
+            <a:endParaRPr lang="en-US" dirty="0" smtClean="0"/>
+          </a:p>
+          <a:p>
+            <a:pPr lvl="1"/>
+            <a:r>
+              <a:rPr lang="en-US" dirty="0" err="1" smtClean="0"/>
+              <a:t>Huấn</a:t>
+            </a:r>
+            <a:r>
+              <a:rPr lang="en-US" dirty="0" smtClean="0"/>
+              <a:t> </a:t>
+            </a:r>
+            <a:r>
+              <a:rPr lang="en-US" dirty="0" err="1" smtClean="0"/>
+              <a:t>luyện</a:t>
+            </a:r>
+            <a:r>
+              <a:rPr lang="en-US" dirty="0" smtClean="0"/>
+              <a:t> </a:t>
+            </a:r>
+            <a:r>
+              <a:rPr lang="en-US" dirty="0" err="1" smtClean="0"/>
+              <a:t>mô</a:t>
+            </a:r>
+            <a:r>
+              <a:rPr lang="en-US" dirty="0" smtClean="0"/>
+              <a:t> </a:t>
+            </a:r>
+            <a:r>
+              <a:rPr lang="en-US" dirty="0" err="1" smtClean="0"/>
+              <a:t>hình</a:t>
+            </a:r>
+            <a:r>
+              <a:rPr lang="en-US" dirty="0" smtClean="0"/>
+              <a:t> </a:t>
+            </a:r>
+            <a:r>
+              <a:rPr lang="en-US" dirty="0" err="1" smtClean="0"/>
+              <a:t>dự</a:t>
+            </a:r>
+            <a:r>
+              <a:rPr lang="en-US" dirty="0" smtClean="0"/>
+              <a:t> </a:t>
+            </a:r>
+            <a:r>
+              <a:rPr lang="en-US" dirty="0" err="1" smtClean="0"/>
+              <a:t>đoán</a:t>
+            </a:r>
+            <a:r>
+              <a:rPr lang="en-US" dirty="0" smtClean="0"/>
+              <a:t> </a:t>
+            </a:r>
+            <a:r>
+              <a:rPr lang="en-US" dirty="0" err="1" smtClean="0"/>
+              <a:t>ký</a:t>
+            </a:r>
+            <a:r>
+              <a:rPr lang="en-US" dirty="0" smtClean="0"/>
+              <a:t> </a:t>
+            </a:r>
+            <a:r>
+              <a:rPr lang="en-US" dirty="0" err="1" smtClean="0"/>
+              <a:t>tự</a:t>
+            </a:r>
+            <a:r>
+              <a:rPr lang="en-US" dirty="0" smtClean="0"/>
+              <a:t> </a:t>
+            </a:r>
+            <a:r>
+              <a:rPr lang="en-US" dirty="0" err="1" smtClean="0"/>
+              <a:t>tại</a:t>
+            </a:r>
+            <a:r>
+              <a:rPr lang="en-US" dirty="0" smtClean="0"/>
+              <a:t> </a:t>
+            </a:r>
+            <a:r>
+              <a:rPr lang="en-US" dirty="0" err="1" smtClean="0"/>
+              <a:t>mỗi</a:t>
+            </a:r>
+            <a:r>
+              <a:rPr lang="en-US" dirty="0" smtClean="0"/>
+              <a:t> </a:t>
+            </a:r>
+            <a:r>
+              <a:rPr lang="en-US" dirty="0" err="1" smtClean="0"/>
+              <a:t>vị</a:t>
+            </a:r>
+            <a:r>
+              <a:rPr lang="en-US" dirty="0" smtClean="0"/>
+              <a:t> </a:t>
+            </a:r>
+            <a:r>
+              <a:rPr lang="en-US" dirty="0" err="1" smtClean="0"/>
+              <a:t>trí</a:t>
+            </a:r>
+            <a:r>
+              <a:rPr lang="en-US" dirty="0" smtClean="0"/>
+              <a:t> </a:t>
+            </a:r>
+            <a:r>
+              <a:rPr lang="en-US" dirty="0" err="1" smtClean="0"/>
+              <a:t>trong</a:t>
+            </a:r>
+            <a:r>
+              <a:rPr lang="en-US" dirty="0" smtClean="0"/>
+              <a:t> </a:t>
+            </a:r>
+            <a:r>
+              <a:rPr lang="en-US" dirty="0" err="1" smtClean="0"/>
+              <a:t>chuỗi</a:t>
+            </a:r>
+            <a:endParaRPr lang="en-US" dirty="0"/>
+          </a:p>
+          <a:p>
+            <a:r>
+              <a:rPr lang="en-US" dirty="0" err="1" smtClean="0"/>
+              <a:t>Vấn</a:t>
+            </a:r>
+            <a:r>
+              <a:rPr lang="en-US" dirty="0" smtClean="0"/>
+              <a:t> </a:t>
+            </a:r>
+            <a:r>
+              <a:rPr lang="en-US" dirty="0" err="1" smtClean="0"/>
+              <a:t>đề</a:t>
+            </a:r>
+            <a:r>
+              <a:rPr lang="en-US" dirty="0" smtClean="0"/>
+              <a:t>:</a:t>
+            </a:r>
+          </a:p>
+          <a:p>
+            <a:pPr lvl="1"/>
+            <a:r>
+              <a:rPr lang="en-US" dirty="0" err="1" smtClean="0"/>
+              <a:t>Khó</a:t>
+            </a:r>
+            <a:r>
+              <a:rPr lang="en-US" dirty="0" smtClean="0"/>
+              <a:t> </a:t>
+            </a:r>
+            <a:r>
+              <a:rPr lang="en-US" dirty="0" err="1" smtClean="0"/>
+              <a:t>tạo</a:t>
+            </a:r>
+            <a:r>
+              <a:rPr lang="en-US" dirty="0" smtClean="0"/>
+              <a:t> </a:t>
+            </a:r>
+            <a:r>
+              <a:rPr lang="en-US" dirty="0" err="1" smtClean="0"/>
+              <a:t>ra</a:t>
+            </a:r>
+            <a:r>
+              <a:rPr lang="en-US" dirty="0" smtClean="0"/>
+              <a:t> dataset </a:t>
+            </a:r>
+            <a:r>
+              <a:rPr lang="en-US" dirty="0" err="1" smtClean="0"/>
+              <a:t>như</a:t>
+            </a:r>
+            <a:r>
+              <a:rPr lang="en-US" dirty="0" smtClean="0"/>
+              <a:t> </a:t>
+            </a:r>
+            <a:r>
+              <a:rPr lang="en-US" dirty="0" err="1" smtClean="0"/>
+              <a:t>vậy</a:t>
+            </a:r>
+            <a:endParaRPr lang="en-US" dirty="0" smtClean="0"/>
+          </a:p>
+          <a:p>
+            <a:pPr lvl="1"/>
+            <a:r>
+              <a:rPr lang="en-US" dirty="0" err="1" smtClean="0"/>
+              <a:t>Nếu</a:t>
+            </a:r>
+            <a:r>
+              <a:rPr lang="en-US" dirty="0" smtClean="0"/>
+              <a:t> </a:t>
+            </a:r>
+            <a:r>
+              <a:rPr lang="en-US" dirty="0" err="1" smtClean="0"/>
+              <a:t>có</a:t>
+            </a:r>
+            <a:r>
+              <a:rPr lang="en-US" dirty="0" smtClean="0"/>
+              <a:t> 2 </a:t>
+            </a:r>
+            <a:r>
+              <a:rPr lang="en-US" dirty="0" err="1" smtClean="0"/>
+              <a:t>ký</a:t>
+            </a:r>
+            <a:r>
+              <a:rPr lang="en-US" dirty="0" smtClean="0"/>
+              <a:t> </a:t>
+            </a:r>
+            <a:r>
+              <a:rPr lang="en-US" dirty="0" err="1" smtClean="0"/>
+              <a:t>tự</a:t>
+            </a:r>
+            <a:r>
+              <a:rPr lang="en-US" dirty="0" smtClean="0"/>
+              <a:t> </a:t>
+            </a:r>
+            <a:r>
+              <a:rPr lang="en-US" dirty="0" err="1" smtClean="0"/>
+              <a:t>liền</a:t>
+            </a:r>
+            <a:r>
+              <a:rPr lang="en-US" dirty="0" smtClean="0"/>
+              <a:t> </a:t>
+            </a:r>
+            <a:r>
+              <a:rPr lang="en-US" dirty="0" err="1" smtClean="0"/>
+              <a:t>nhau</a:t>
+            </a:r>
+            <a:r>
+              <a:rPr lang="en-US" dirty="0" smtClean="0"/>
+              <a:t> </a:t>
+            </a:r>
+            <a:r>
+              <a:rPr lang="en-US" dirty="0" err="1" smtClean="0"/>
+              <a:t>như</a:t>
+            </a:r>
+            <a:r>
+              <a:rPr lang="en-US" dirty="0" smtClean="0"/>
+              <a:t> “too” </a:t>
+            </a:r>
+            <a:r>
+              <a:rPr lang="en-US" dirty="0" err="1" smtClean="0"/>
+              <a:t>sẽ</a:t>
+            </a:r>
+            <a:r>
+              <a:rPr lang="en-US" dirty="0" smtClean="0"/>
+              <a:t> </a:t>
+            </a:r>
+            <a:r>
+              <a:rPr lang="en-US" dirty="0" err="1" smtClean="0"/>
+              <a:t>không</a:t>
+            </a:r>
+            <a:r>
+              <a:rPr lang="en-US" dirty="0" smtClean="0"/>
+              <a:t> </a:t>
+            </a:r>
+            <a:r>
+              <a:rPr lang="en-US" dirty="0" err="1" smtClean="0"/>
+              <a:t>phân</a:t>
+            </a:r>
+            <a:r>
+              <a:rPr lang="en-US" dirty="0" smtClean="0"/>
+              <a:t> </a:t>
+            </a:r>
+            <a:r>
+              <a:rPr lang="en-US" dirty="0" err="1" smtClean="0"/>
+              <a:t>biệt</a:t>
+            </a:r>
+            <a:r>
+              <a:rPr lang="en-US" dirty="0" smtClean="0"/>
+              <a:t> </a:t>
+            </a:r>
+            <a:r>
+              <a:rPr lang="en-US" dirty="0" err="1" smtClean="0"/>
+              <a:t>được</a:t>
+            </a:r>
+            <a:r>
+              <a:rPr lang="en-US" dirty="0" smtClean="0"/>
+              <a:t> </a:t>
+            </a:r>
+            <a:r>
+              <a:rPr lang="en-US" dirty="0" err="1" smtClean="0"/>
+              <a:t>là</a:t>
+            </a:r>
+            <a:r>
+              <a:rPr lang="en-US" dirty="0" smtClean="0"/>
+              <a:t> </a:t>
+            </a:r>
+            <a:r>
+              <a:rPr lang="en-US" dirty="0" err="1" smtClean="0"/>
+              <a:t>một</a:t>
+            </a:r>
+            <a:r>
+              <a:rPr lang="en-US" dirty="0" smtClean="0"/>
+              <a:t> </a:t>
+            </a:r>
+            <a:r>
+              <a:rPr lang="en-US" dirty="0" err="1" smtClean="0"/>
+              <a:t>ký</a:t>
+            </a:r>
+            <a:r>
+              <a:rPr lang="en-US" dirty="0" smtClean="0"/>
+              <a:t> </a:t>
+            </a:r>
+            <a:r>
+              <a:rPr lang="en-US" dirty="0" err="1" smtClean="0"/>
+              <a:t>tự</a:t>
+            </a:r>
+            <a:r>
+              <a:rPr lang="en-US" dirty="0" smtClean="0"/>
+              <a:t> </a:t>
+            </a:r>
+            <a:r>
+              <a:rPr lang="en-US" dirty="0" err="1" smtClean="0"/>
+              <a:t>viết</a:t>
+            </a:r>
+            <a:r>
+              <a:rPr lang="en-US" dirty="0" smtClean="0"/>
+              <a:t> </a:t>
+            </a:r>
+            <a:r>
+              <a:rPr lang="en-US" dirty="0" err="1" smtClean="0"/>
+              <a:t>kéo</a:t>
+            </a:r>
+            <a:r>
+              <a:rPr lang="en-US" dirty="0" smtClean="0"/>
+              <a:t> </a:t>
+            </a:r>
+            <a:r>
+              <a:rPr lang="en-US" dirty="0" err="1" smtClean="0"/>
+              <a:t>dài</a:t>
+            </a:r>
+            <a:r>
+              <a:rPr lang="en-US" dirty="0" smtClean="0"/>
+              <a:t> hay 2 </a:t>
+            </a:r>
+            <a:r>
+              <a:rPr lang="en-US" dirty="0" err="1" smtClean="0"/>
+              <a:t>ký</a:t>
+            </a:r>
+            <a:r>
+              <a:rPr lang="en-US" dirty="0" smtClean="0"/>
+              <a:t> </a:t>
+            </a:r>
+            <a:r>
+              <a:rPr lang="en-US" dirty="0" err="1" smtClean="0"/>
+              <a:t>tự</a:t>
+            </a:r>
+            <a:endParaRPr lang="en-US" dirty="0" smtClean="0"/>
+          </a:p>
+          <a:p>
+            <a:pPr marL="201168" lvl="1" indent="0">
+              <a:buNone/>
+            </a:pPr>
+            <a:endParaRPr lang="en-US" dirty="0"/>
+          </a:p>
+          <a:p>
+            <a:r>
+              <a:rPr lang="en-US" dirty="0" err="1" smtClean="0"/>
+              <a:t>Ưu</a:t>
+            </a:r>
+            <a:r>
+              <a:rPr lang="en-US" dirty="0" smtClean="0"/>
+              <a:t> </a:t>
+            </a:r>
+            <a:r>
+              <a:rPr lang="en-US" dirty="0" err="1" smtClean="0"/>
+              <a:t>điểm</a:t>
+            </a:r>
+            <a:r>
+              <a:rPr lang="en-US" dirty="0" smtClean="0"/>
+              <a:t> </a:t>
+            </a:r>
+            <a:r>
+              <a:rPr lang="en-US" dirty="0" err="1" smtClean="0"/>
+              <a:t>của</a:t>
+            </a:r>
+            <a:r>
+              <a:rPr lang="en-US" dirty="0" smtClean="0"/>
+              <a:t> CTC:</a:t>
+            </a:r>
+          </a:p>
+          <a:p>
+            <a:pPr lvl="1"/>
+            <a:r>
+              <a:rPr lang="en-US" dirty="0" err="1" smtClean="0"/>
+              <a:t>Chỉ</a:t>
+            </a:r>
+            <a:r>
+              <a:rPr lang="en-US" dirty="0" smtClean="0"/>
+              <a:t> </a:t>
+            </a:r>
+            <a:r>
+              <a:rPr lang="en-US" dirty="0" err="1" smtClean="0"/>
+              <a:t>cần</a:t>
+            </a:r>
+            <a:r>
+              <a:rPr lang="en-US" dirty="0" smtClean="0"/>
+              <a:t> </a:t>
+            </a:r>
+            <a:r>
+              <a:rPr lang="en-US" dirty="0" err="1" smtClean="0"/>
+              <a:t>đưa</a:t>
+            </a:r>
+            <a:r>
+              <a:rPr lang="en-US" dirty="0" smtClean="0"/>
+              <a:t> </a:t>
+            </a:r>
+            <a:r>
+              <a:rPr lang="en-US" dirty="0" err="1" smtClean="0"/>
+              <a:t>ra</a:t>
+            </a:r>
+            <a:r>
+              <a:rPr lang="en-US" dirty="0" smtClean="0"/>
+              <a:t> </a:t>
+            </a:r>
+            <a:r>
+              <a:rPr lang="en-US" dirty="0" err="1" smtClean="0"/>
+              <a:t>groundtruth</a:t>
+            </a:r>
+            <a:r>
+              <a:rPr lang="en-US" dirty="0" smtClean="0"/>
+              <a:t> </a:t>
+            </a:r>
+            <a:r>
+              <a:rPr lang="en-US" dirty="0" err="1" smtClean="0"/>
+              <a:t>của</a:t>
+            </a:r>
+            <a:r>
+              <a:rPr lang="en-US" dirty="0" smtClean="0"/>
+              <a:t> </a:t>
+            </a:r>
+            <a:r>
+              <a:rPr lang="en-US" dirty="0" err="1" smtClean="0"/>
+              <a:t>hình</a:t>
+            </a:r>
+            <a:r>
+              <a:rPr lang="en-US" dirty="0" smtClean="0"/>
+              <a:t>, </a:t>
+            </a:r>
+            <a:r>
+              <a:rPr lang="en-US" dirty="0" err="1" smtClean="0"/>
+              <a:t>không</a:t>
+            </a:r>
+            <a:r>
+              <a:rPr lang="en-US" dirty="0" smtClean="0"/>
+              <a:t> </a:t>
+            </a:r>
+            <a:r>
+              <a:rPr lang="en-US" dirty="0" err="1" smtClean="0"/>
+              <a:t>cần</a:t>
+            </a:r>
+            <a:r>
+              <a:rPr lang="en-US" dirty="0" smtClean="0"/>
+              <a:t> </a:t>
+            </a:r>
+            <a:r>
+              <a:rPr lang="en-US" dirty="0" err="1" smtClean="0"/>
+              <a:t>quan</a:t>
+            </a:r>
+            <a:r>
+              <a:rPr lang="en-US" dirty="0" smtClean="0"/>
+              <a:t> </a:t>
+            </a:r>
+            <a:r>
+              <a:rPr lang="en-US" dirty="0" err="1" smtClean="0"/>
+              <a:t>tâm</a:t>
+            </a:r>
+            <a:r>
+              <a:rPr lang="en-US" dirty="0" smtClean="0"/>
+              <a:t> </a:t>
+            </a:r>
+            <a:r>
+              <a:rPr lang="en-US" dirty="0" err="1" smtClean="0"/>
+              <a:t>vị</a:t>
+            </a:r>
+            <a:r>
+              <a:rPr lang="en-US" dirty="0" smtClean="0"/>
+              <a:t> </a:t>
+            </a:r>
+            <a:r>
+              <a:rPr lang="en-US" dirty="0" err="1" smtClean="0"/>
+              <a:t>trí</a:t>
+            </a:r>
+            <a:r>
+              <a:rPr lang="en-US" dirty="0" smtClean="0"/>
+              <a:t> </a:t>
+            </a:r>
+            <a:r>
+              <a:rPr lang="en-US" dirty="0" err="1" smtClean="0"/>
+              <a:t>và</a:t>
+            </a:r>
+            <a:r>
+              <a:rPr lang="en-US" dirty="0" smtClean="0"/>
+              <a:t> </a:t>
+            </a:r>
+            <a:r>
+              <a:rPr lang="en-US" dirty="0" err="1" smtClean="0"/>
+              <a:t>độ</a:t>
+            </a:r>
+            <a:r>
+              <a:rPr lang="en-US" dirty="0" smtClean="0"/>
+              <a:t> </a:t>
+            </a:r>
+            <a:r>
+              <a:rPr lang="en-US" dirty="0" err="1" smtClean="0"/>
+              <a:t>dài</a:t>
+            </a:r>
+            <a:r>
+              <a:rPr lang="en-US" dirty="0" smtClean="0"/>
+              <a:t> </a:t>
+            </a:r>
+            <a:r>
+              <a:rPr lang="en-US" dirty="0" err="1" smtClean="0"/>
+              <a:t>ký</a:t>
+            </a:r>
+            <a:r>
+              <a:rPr lang="en-US" dirty="0" smtClean="0"/>
+              <a:t> </a:t>
+            </a:r>
+            <a:r>
+              <a:rPr lang="en-US" dirty="0" err="1" smtClean="0"/>
+              <a:t>tự</a:t>
+            </a:r>
+            <a:r>
+              <a:rPr lang="en-US" dirty="0" smtClean="0"/>
+              <a:t> </a:t>
+            </a:r>
+            <a:r>
+              <a:rPr lang="en-US" dirty="0" err="1" smtClean="0"/>
+              <a:t>trong</a:t>
+            </a:r>
+            <a:r>
+              <a:rPr lang="en-US" dirty="0" smtClean="0"/>
+              <a:t> </a:t>
+            </a:r>
+            <a:r>
+              <a:rPr lang="en-US" dirty="0" err="1" smtClean="0"/>
+              <a:t>ảnh</a:t>
+            </a:r>
+            <a:endParaRPr lang="en-US" dirty="0"/>
+          </a:p>
+        </p:txBody>
+      </p:sp>
+      <p:pic>
+        <p:nvPicPr>
+          <p:cNvPr id="1026" name="Picture 2" descr="https://miro.medium.com/max/400/1*rfeNj9aNfUSqA-SXB_i4Bw.png"/>
+          <p:cNvPicPr>
+            <a:picLocks noChangeAspect="1" noChangeArrowheads="1"/>
+          </p:cNvPicPr>
+          <p:nvPr/>
+        </p:nvPicPr>
+        <p:blipFill>
+          <a:blip r:embed="rId2">
+            <a:extLst>
+              <a:ext uri="{28A0092B-C50C-407E-A947-70E740481C1C}">
+                <a14:useLocalDpi xmlns:a14="http://schemas.microsoft.com/office/drawing/2010/main" val="0"/>
+              </a:ext>
+            </a:extLst>
+          </a:blip>
+          <a:srcRect/>
+          <a:stretch>
+            <a:fillRect/>
+          </a:stretch>
+        </p:blipFill>
+        <p:spPr bwMode="auto">
+          <a:xfrm>
+            <a:off x="7725957" y="1920162"/>
+            <a:ext cx="3810000" cy="3209926"/>
+          </a:xfrm>
+          <a:prstGeom prst="rect">
+            <a:avLst/>
+          </a:prstGeom>
+          <a:noFill/>
+          <a:extLst>
+            <a:ext uri="{909E8E84-426E-40DD-AFC4-6F175D3DCCD1}">
+              <a14:hiddenFill xmlns:a14="http://schemas.microsoft.com/office/drawing/2010/main">
+                <a:solidFill>
+                  <a:srgbClr val="FFFFFF"/>
+                </a:solidFill>
+              </a14:hiddenFill>
+            </a:ext>
+          </a:extLst>
+        </p:spPr>
+      </p:pic>
+    </p:spTree>
+    <p:extLst>
+      <p:ext uri="{BB962C8B-B14F-4D97-AF65-F5344CB8AC3E}">
+        <p14:creationId xmlns:p14="http://schemas.microsoft.com/office/powerpoint/2010/main" val="2893798919"/>
+      </p:ext>
+    </p:extLst>
+  </p:cSld>
+  <p:clrMapOvr>
+    <a:masterClrMapping/>
+  </p:clrMapOvr>
+</p:sld>
+</file>
+
+<file path=ppt/slides/slide7.xml><?xml version="1.0" encoding="utf-8"?>
+<p:sld xmlns:a="http://schemas.openxmlformats.org/drawingml/2006/main" xmlns:r="http://schemas.openxmlformats.org/officeDocument/2006/relationships" xmlns:p="http://schemas.openxmlformats.org/presentationml/2006/main">
+  <p:cSld>
+    <p:spTree>
+      <p:nvGrpSpPr>
+        <p:cNvPr id="1" name=""/>
+        <p:cNvGrpSpPr/>
+        <p:nvPr/>
+      </p:nvGrpSpPr>
+      <p:grpSpPr>
+        <a:xfrm>
+          <a:off x="0" y="0"/>
+          <a:ext cx="0" cy="0"/>
+          <a:chOff x="0" y="0"/>
+          <a:chExt cx="0" cy="0"/>
+        </a:xfrm>
+      </p:grpSpPr>
+      <p:sp>
+        <p:nvSpPr>
+          <p:cNvPr id="2" name="Title 1"/>
+          <p:cNvSpPr>
+            <a:spLocks noGrp="1"/>
+          </p:cNvSpPr>
+          <p:nvPr>
+            <p:ph type="title"/>
+          </p:nvPr>
+        </p:nvSpPr>
+        <p:spPr/>
+        <p:txBody>
+          <a:bodyPr/>
+          <a:lstStyle/>
+          <a:p>
+            <a:r>
+              <a:rPr lang="en-US" dirty="0" err="1" smtClean="0"/>
+              <a:t>Hàm</a:t>
+            </a:r>
+            <a:r>
+              <a:rPr lang="en-US" dirty="0" smtClean="0"/>
+              <a:t> loss CTC</a:t>
+            </a:r>
+            <a:endParaRPr lang="en-US" dirty="0"/>
+          </a:p>
+        </p:txBody>
+      </p:sp>
+      <p:sp>
+        <p:nvSpPr>
+          <p:cNvPr id="3" name="Content Placeholder 2"/>
+          <p:cNvSpPr>
+            <a:spLocks noGrp="1"/>
+          </p:cNvSpPr>
+          <p:nvPr>
+            <p:ph idx="1"/>
+          </p:nvPr>
+        </p:nvSpPr>
+        <p:spPr/>
+        <p:txBody>
+          <a:bodyPr>
+            <a:normAutofit/>
+          </a:bodyPr>
+          <a:lstStyle/>
+          <a:p>
+            <a:r>
+              <a:rPr lang="en-US" dirty="0" err="1" smtClean="0"/>
+              <a:t>Nguyên</a:t>
+            </a:r>
+            <a:r>
+              <a:rPr lang="en-US" dirty="0" smtClean="0"/>
+              <a:t> </a:t>
+            </a:r>
+            <a:r>
+              <a:rPr lang="en-US" dirty="0" err="1" smtClean="0"/>
+              <a:t>tắc</a:t>
+            </a:r>
+            <a:r>
+              <a:rPr lang="en-US" dirty="0" smtClean="0"/>
+              <a:t> </a:t>
+            </a:r>
+            <a:r>
+              <a:rPr lang="en-US" dirty="0" err="1" smtClean="0"/>
+              <a:t>mã</a:t>
+            </a:r>
+            <a:r>
+              <a:rPr lang="en-US" dirty="0" smtClean="0"/>
+              <a:t> </a:t>
+            </a:r>
+            <a:r>
+              <a:rPr lang="en-US" dirty="0" err="1" smtClean="0"/>
+              <a:t>hoá</a:t>
+            </a:r>
+            <a:r>
+              <a:rPr lang="en-US" dirty="0" smtClean="0"/>
+              <a:t> </a:t>
+            </a:r>
+            <a:r>
+              <a:rPr lang="en-US" dirty="0" err="1" smtClean="0"/>
+              <a:t>chuỗi</a:t>
+            </a:r>
+            <a:r>
+              <a:rPr lang="en-US" dirty="0" smtClean="0"/>
+              <a:t> </a:t>
+            </a:r>
+            <a:r>
+              <a:rPr lang="en-US" dirty="0" err="1" smtClean="0"/>
+              <a:t>ký</a:t>
+            </a:r>
+            <a:r>
+              <a:rPr lang="en-US" dirty="0" smtClean="0"/>
+              <a:t> </a:t>
+            </a:r>
+            <a:r>
+              <a:rPr lang="en-US" dirty="0" err="1" smtClean="0"/>
+              <a:t>tự</a:t>
+            </a:r>
+            <a:r>
+              <a:rPr lang="en-US" dirty="0" smtClean="0"/>
+              <a:t>:</a:t>
+            </a:r>
+          </a:p>
+          <a:p>
+            <a:pPr lvl="1"/>
+            <a:r>
+              <a:rPr lang="en-US" dirty="0" err="1" smtClean="0"/>
+              <a:t>Mỗi</a:t>
+            </a:r>
+            <a:r>
+              <a:rPr lang="en-US" dirty="0" smtClean="0"/>
+              <a:t> </a:t>
+            </a:r>
+            <a:r>
+              <a:rPr lang="en-US" dirty="0" err="1" smtClean="0"/>
+              <a:t>ký</a:t>
+            </a:r>
+            <a:r>
+              <a:rPr lang="en-US" dirty="0" smtClean="0"/>
+              <a:t> </a:t>
+            </a:r>
+            <a:r>
+              <a:rPr lang="en-US" dirty="0" err="1" smtClean="0"/>
+              <a:t>tự</a:t>
+            </a:r>
+            <a:r>
+              <a:rPr lang="en-US" dirty="0" smtClean="0"/>
+              <a:t> </a:t>
+            </a:r>
+            <a:r>
+              <a:rPr lang="en-US" dirty="0" err="1" smtClean="0"/>
+              <a:t>có</a:t>
+            </a:r>
+            <a:r>
+              <a:rPr lang="en-US" dirty="0" smtClean="0"/>
+              <a:t> </a:t>
+            </a:r>
+            <a:r>
+              <a:rPr lang="en-US" dirty="0" err="1" smtClean="0"/>
+              <a:t>thể</a:t>
+            </a:r>
+            <a:r>
+              <a:rPr lang="en-US" dirty="0" smtClean="0"/>
+              <a:t> </a:t>
+            </a:r>
+            <a:r>
+              <a:rPr lang="en-US" dirty="0" err="1" smtClean="0"/>
+              <a:t>được</a:t>
+            </a:r>
+            <a:r>
+              <a:rPr lang="en-US" dirty="0" smtClean="0"/>
+              <a:t> </a:t>
+            </a:r>
+            <a:r>
+              <a:rPr lang="en-US" dirty="0" err="1" smtClean="0"/>
+              <a:t>lập</a:t>
+            </a:r>
+            <a:r>
+              <a:rPr lang="en-US" dirty="0" smtClean="0"/>
+              <a:t> </a:t>
+            </a:r>
+            <a:r>
+              <a:rPr lang="en-US" dirty="0" err="1" smtClean="0"/>
+              <a:t>lại</a:t>
+            </a:r>
+            <a:r>
+              <a:rPr lang="en-US" dirty="0" smtClean="0"/>
+              <a:t> </a:t>
+            </a:r>
+            <a:r>
+              <a:rPr lang="en-US" dirty="0" err="1" smtClean="0"/>
+              <a:t>nhiều</a:t>
+            </a:r>
+            <a:r>
+              <a:rPr lang="en-US" dirty="0" smtClean="0"/>
+              <a:t> </a:t>
+            </a:r>
+            <a:r>
+              <a:rPr lang="en-US" dirty="0" err="1" smtClean="0"/>
+              <a:t>lần</a:t>
+            </a:r>
+            <a:endParaRPr lang="en-US" dirty="0" smtClean="0"/>
+          </a:p>
+          <a:p>
+            <a:pPr lvl="1"/>
+            <a:r>
+              <a:rPr lang="en-US" dirty="0" err="1" smtClean="0"/>
+              <a:t>Nhiều</a:t>
+            </a:r>
+            <a:r>
+              <a:rPr lang="en-US" dirty="0" smtClean="0"/>
+              <a:t> </a:t>
+            </a:r>
+            <a:r>
+              <a:rPr lang="en-US" dirty="0" err="1" smtClean="0"/>
+              <a:t>khoảng</a:t>
+            </a:r>
+            <a:r>
+              <a:rPr lang="en-US" dirty="0" smtClean="0"/>
+              <a:t> </a:t>
+            </a:r>
+            <a:r>
+              <a:rPr lang="en-US" dirty="0" err="1" smtClean="0"/>
+              <a:t>trắng</a:t>
+            </a:r>
+            <a:r>
+              <a:rPr lang="en-US" dirty="0" smtClean="0"/>
+              <a:t> </a:t>
+            </a:r>
+            <a:r>
+              <a:rPr lang="en-US" dirty="0" err="1" smtClean="0"/>
+              <a:t>liên</a:t>
+            </a:r>
+            <a:r>
+              <a:rPr lang="en-US" dirty="0" smtClean="0"/>
+              <a:t> </a:t>
+            </a:r>
+            <a:r>
+              <a:rPr lang="en-US" dirty="0" err="1" smtClean="0"/>
+              <a:t>tiếp</a:t>
+            </a:r>
+            <a:r>
+              <a:rPr lang="en-US" dirty="0" smtClean="0"/>
+              <a:t> </a:t>
+            </a:r>
+            <a:r>
+              <a:rPr lang="en-US" dirty="0" err="1" smtClean="0"/>
+              <a:t>nhau</a:t>
+            </a:r>
+            <a:r>
+              <a:rPr lang="en-US" dirty="0" smtClean="0"/>
+              <a:t> </a:t>
+            </a:r>
+            <a:r>
+              <a:rPr lang="en-US" dirty="0" err="1" smtClean="0"/>
+              <a:t>có</a:t>
+            </a:r>
+            <a:r>
+              <a:rPr lang="en-US" dirty="0" smtClean="0"/>
+              <a:t> </a:t>
+            </a:r>
+            <a:r>
+              <a:rPr lang="en-US" dirty="0" err="1" smtClean="0"/>
+              <a:t>thể</a:t>
+            </a:r>
+            <a:r>
+              <a:rPr lang="en-US" dirty="0" smtClean="0"/>
+              <a:t> ở </a:t>
+            </a:r>
+            <a:r>
+              <a:rPr lang="en-US" dirty="0" err="1" smtClean="0"/>
+              <a:t>giữa</a:t>
+            </a:r>
+            <a:r>
+              <a:rPr lang="en-US" dirty="0" smtClean="0"/>
+              <a:t> </a:t>
+            </a:r>
+            <a:r>
+              <a:rPr lang="en-US" dirty="0" err="1" smtClean="0"/>
+              <a:t>ký</a:t>
+            </a:r>
+            <a:r>
+              <a:rPr lang="en-US" dirty="0" smtClean="0"/>
+              <a:t> </a:t>
+            </a:r>
+            <a:r>
+              <a:rPr lang="en-US" dirty="0" err="1" smtClean="0"/>
+              <a:t>tự</a:t>
+            </a:r>
+            <a:endParaRPr lang="en-US" dirty="0" smtClean="0"/>
+          </a:p>
+          <a:p>
+            <a:pPr lvl="1"/>
+            <a:r>
+              <a:rPr lang="en-US" dirty="0" err="1" smtClean="0"/>
+              <a:t>Trường</a:t>
+            </a:r>
+            <a:r>
+              <a:rPr lang="en-US" dirty="0" smtClean="0"/>
+              <a:t> </a:t>
+            </a:r>
+            <a:r>
+              <a:rPr lang="en-US" dirty="0" err="1" smtClean="0"/>
+              <a:t>hợp</a:t>
+            </a:r>
+            <a:r>
+              <a:rPr lang="en-US" dirty="0" smtClean="0"/>
+              <a:t> 2 </a:t>
+            </a:r>
+            <a:r>
+              <a:rPr lang="en-US" dirty="0" err="1" smtClean="0"/>
+              <a:t>ký</a:t>
+            </a:r>
+            <a:r>
+              <a:rPr lang="en-US" dirty="0" smtClean="0"/>
+              <a:t> </a:t>
+            </a:r>
+            <a:r>
+              <a:rPr lang="en-US" dirty="0" err="1" smtClean="0"/>
+              <a:t>tự</a:t>
+            </a:r>
+            <a:r>
+              <a:rPr lang="en-US" dirty="0" smtClean="0"/>
+              <a:t> </a:t>
+            </a:r>
+            <a:r>
+              <a:rPr lang="en-US" dirty="0" err="1" smtClean="0"/>
+              <a:t>giống</a:t>
+            </a:r>
+            <a:r>
+              <a:rPr lang="en-US" dirty="0" smtClean="0"/>
+              <a:t> </a:t>
+            </a:r>
+            <a:r>
+              <a:rPr lang="en-US" dirty="0" err="1" smtClean="0"/>
+              <a:t>nhau</a:t>
+            </a:r>
+            <a:r>
+              <a:rPr lang="en-US" dirty="0" smtClean="0"/>
+              <a:t> </a:t>
+            </a:r>
+            <a:r>
+              <a:rPr lang="en-US" dirty="0" err="1" smtClean="0"/>
+              <a:t>liền</a:t>
+            </a:r>
+            <a:r>
+              <a:rPr lang="en-US" dirty="0" smtClean="0"/>
+              <a:t> </a:t>
+            </a:r>
+            <a:r>
+              <a:rPr lang="en-US" dirty="0" err="1" smtClean="0"/>
+              <a:t>kề</a:t>
+            </a:r>
+            <a:r>
+              <a:rPr lang="en-US" dirty="0" smtClean="0"/>
+              <a:t> (pizza), </a:t>
+            </a:r>
+            <a:r>
+              <a:rPr lang="en-US" dirty="0" err="1" smtClean="0"/>
+              <a:t>ít</a:t>
+            </a:r>
+            <a:r>
+              <a:rPr lang="en-US" dirty="0" smtClean="0"/>
+              <a:t> </a:t>
+            </a:r>
+            <a:r>
+              <a:rPr lang="en-US" dirty="0" err="1" smtClean="0"/>
+              <a:t>nhất</a:t>
+            </a:r>
+            <a:r>
+              <a:rPr lang="en-US" dirty="0" smtClean="0"/>
+              <a:t> </a:t>
+            </a:r>
+            <a:r>
+              <a:rPr lang="en-US" dirty="0" err="1" smtClean="0"/>
+              <a:t>một</a:t>
+            </a:r>
+            <a:r>
+              <a:rPr lang="en-US" dirty="0" smtClean="0"/>
+              <a:t> </a:t>
+            </a:r>
+            <a:r>
+              <a:rPr lang="en-US" dirty="0" err="1" smtClean="0"/>
+              <a:t>khoảng</a:t>
+            </a:r>
+            <a:r>
+              <a:rPr lang="en-US" dirty="0" smtClean="0"/>
+              <a:t> </a:t>
+            </a:r>
+            <a:r>
+              <a:rPr lang="en-US" dirty="0" err="1" smtClean="0"/>
+              <a:t>trắng</a:t>
+            </a:r>
+            <a:r>
+              <a:rPr lang="en-US" dirty="0" smtClean="0"/>
+              <a:t> </a:t>
+            </a:r>
+            <a:r>
+              <a:rPr lang="en-US" dirty="0" err="1" smtClean="0"/>
+              <a:t>phải</a:t>
+            </a:r>
+            <a:r>
+              <a:rPr lang="en-US" dirty="0" smtClean="0"/>
+              <a:t> </a:t>
+            </a:r>
+            <a:r>
+              <a:rPr lang="en-US" dirty="0" err="1" smtClean="0"/>
+              <a:t>nằm</a:t>
+            </a:r>
+            <a:r>
+              <a:rPr lang="en-US" dirty="0" smtClean="0"/>
+              <a:t> </a:t>
+            </a:r>
+            <a:r>
+              <a:rPr lang="en-US" dirty="0" err="1" smtClean="0"/>
+              <a:t>giữa</a:t>
+            </a:r>
+            <a:r>
+              <a:rPr lang="en-US" dirty="0" smtClean="0"/>
+              <a:t> 2 </a:t>
+            </a:r>
+            <a:r>
+              <a:rPr lang="en-US" dirty="0" err="1" smtClean="0"/>
+              <a:t>ký</a:t>
+            </a:r>
+            <a:r>
+              <a:rPr lang="en-US" dirty="0" smtClean="0"/>
+              <a:t> </a:t>
+            </a:r>
+            <a:r>
+              <a:rPr lang="en-US" dirty="0" err="1" smtClean="0"/>
+              <a:t>tự</a:t>
+            </a:r>
+            <a:r>
+              <a:rPr lang="en-US" dirty="0" smtClean="0"/>
+              <a:t> </a:t>
+            </a:r>
+            <a:r>
+              <a:rPr lang="en-US" dirty="0" err="1" smtClean="0"/>
+              <a:t>đó</a:t>
+            </a:r>
+            <a:endParaRPr lang="en-US" dirty="0"/>
+          </a:p>
+          <a:p>
+            <a:r>
+              <a:rPr lang="en-US" dirty="0" err="1" smtClean="0"/>
+              <a:t>Ví</a:t>
+            </a:r>
+            <a:r>
+              <a:rPr lang="en-US" dirty="0" smtClean="0"/>
+              <a:t> </a:t>
+            </a:r>
+            <a:r>
+              <a:rPr lang="en-US" dirty="0" err="1" smtClean="0"/>
+              <a:t>dụ</a:t>
+            </a:r>
+            <a:r>
+              <a:rPr lang="en-US" dirty="0" smtClean="0"/>
+              <a:t>:</a:t>
+            </a:r>
+          </a:p>
+          <a:p>
+            <a:r>
+              <a:rPr lang="en-US" dirty="0"/>
+              <a:t>“to” → ‘-t-o---’, ‘</a:t>
+            </a:r>
+            <a:r>
+              <a:rPr lang="en-US" dirty="0" err="1"/>
+              <a:t>tttttttt-ooo</a:t>
+            </a:r>
+            <a:r>
+              <a:rPr lang="en-US" dirty="0"/>
+              <a:t>-’, ‘to’, …</a:t>
+            </a:r>
+          </a:p>
+          <a:p>
+            <a:r>
+              <a:rPr lang="en-US" dirty="0"/>
+              <a:t>“hello” → ‘h-</a:t>
+            </a:r>
+            <a:r>
+              <a:rPr lang="en-US" dirty="0" err="1"/>
+              <a:t>elllll</a:t>
+            </a:r>
+            <a:r>
+              <a:rPr lang="en-US" dirty="0"/>
+              <a:t>-</a:t>
+            </a:r>
+            <a:r>
+              <a:rPr lang="en-US" dirty="0" err="1"/>
+              <a:t>ll-ooo</a:t>
+            </a:r>
+            <a:r>
+              <a:rPr lang="en-US" dirty="0"/>
+              <a:t>’, ‘</a:t>
+            </a:r>
+            <a:r>
+              <a:rPr lang="en-US" dirty="0" err="1"/>
+              <a:t>hel</a:t>
+            </a:r>
+            <a:r>
+              <a:rPr lang="en-US" dirty="0"/>
+              <a:t>-lo’, …</a:t>
+            </a:r>
+          </a:p>
+          <a:p>
+            <a:r>
+              <a:rPr lang="en-US" dirty="0"/>
+              <a:t>“a” → ‘aa’, ‘a-’, ‘-a’, </a:t>
+            </a:r>
+            <a:r>
+              <a:rPr lang="en-US" dirty="0" smtClean="0"/>
+              <a:t>…</a:t>
+            </a:r>
+          </a:p>
+          <a:p>
+            <a:r>
+              <a:rPr lang="en-US" dirty="0" smtClean="0">
+                <a:sym typeface="Wingdings" panose="05000000000000000000" pitchFamily="2" charset="2"/>
+              </a:rPr>
+              <a:t></a:t>
+            </a:r>
+            <a:r>
+              <a:rPr lang="en-US" dirty="0" err="1" smtClean="0">
+                <a:sym typeface="Wingdings" panose="05000000000000000000" pitchFamily="2" charset="2"/>
+              </a:rPr>
+              <a:t>Nhiều</a:t>
+            </a:r>
+            <a:r>
+              <a:rPr lang="en-US" dirty="0" smtClean="0">
+                <a:sym typeface="Wingdings" panose="05000000000000000000" pitchFamily="2" charset="2"/>
+              </a:rPr>
+              <a:t> </a:t>
+            </a:r>
+            <a:r>
+              <a:rPr lang="en-US" dirty="0" err="1" smtClean="0">
+                <a:sym typeface="Wingdings" panose="05000000000000000000" pitchFamily="2" charset="2"/>
+              </a:rPr>
+              <a:t>khả</a:t>
+            </a:r>
+            <a:r>
+              <a:rPr lang="en-US" dirty="0" smtClean="0">
+                <a:sym typeface="Wingdings" panose="05000000000000000000" pitchFamily="2" charset="2"/>
+              </a:rPr>
+              <a:t> </a:t>
+            </a:r>
+            <a:r>
+              <a:rPr lang="en-US" dirty="0" err="1" smtClean="0">
+                <a:sym typeface="Wingdings" panose="05000000000000000000" pitchFamily="2" charset="2"/>
+              </a:rPr>
+              <a:t>năng</a:t>
+            </a:r>
+            <a:r>
+              <a:rPr lang="en-US" dirty="0" smtClean="0">
+                <a:sym typeface="Wingdings" panose="05000000000000000000" pitchFamily="2" charset="2"/>
+              </a:rPr>
+              <a:t> </a:t>
+            </a:r>
+            <a:r>
+              <a:rPr lang="en-US" dirty="0" err="1" smtClean="0">
+                <a:sym typeface="Wingdings" panose="05000000000000000000" pitchFamily="2" charset="2"/>
+              </a:rPr>
+              <a:t>tương</a:t>
+            </a:r>
+            <a:r>
+              <a:rPr lang="en-US" dirty="0" smtClean="0">
+                <a:sym typeface="Wingdings" panose="05000000000000000000" pitchFamily="2" charset="2"/>
+              </a:rPr>
+              <a:t> </a:t>
+            </a:r>
+            <a:r>
+              <a:rPr lang="en-US" dirty="0" err="1" smtClean="0">
+                <a:sym typeface="Wingdings" panose="05000000000000000000" pitchFamily="2" charset="2"/>
+              </a:rPr>
+              <a:t>ứng</a:t>
+            </a:r>
+            <a:r>
+              <a:rPr lang="en-US" dirty="0" smtClean="0">
+                <a:sym typeface="Wingdings" panose="05000000000000000000" pitchFamily="2" charset="2"/>
+              </a:rPr>
+              <a:t> </a:t>
+            </a:r>
+            <a:r>
+              <a:rPr lang="en-US" dirty="0" err="1" smtClean="0">
+                <a:sym typeface="Wingdings" panose="05000000000000000000" pitchFamily="2" charset="2"/>
+              </a:rPr>
+              <a:t>với</a:t>
+            </a:r>
+            <a:r>
+              <a:rPr lang="en-US" dirty="0" smtClean="0">
+                <a:sym typeface="Wingdings" panose="05000000000000000000" pitchFamily="2" charset="2"/>
+              </a:rPr>
+              <a:t> </a:t>
+            </a:r>
+            <a:r>
+              <a:rPr lang="en-US" dirty="0" err="1" smtClean="0">
+                <a:sym typeface="Wingdings" panose="05000000000000000000" pitchFamily="2" charset="2"/>
+              </a:rPr>
+              <a:t>một</a:t>
+            </a:r>
+            <a:r>
+              <a:rPr lang="en-US" dirty="0" smtClean="0">
+                <a:sym typeface="Wingdings" panose="05000000000000000000" pitchFamily="2" charset="2"/>
+              </a:rPr>
+              <a:t> </a:t>
+            </a:r>
+            <a:r>
+              <a:rPr lang="en-US" dirty="0" err="1" smtClean="0">
+                <a:sym typeface="Wingdings" panose="05000000000000000000" pitchFamily="2" charset="2"/>
+              </a:rPr>
+              <a:t>chuỗi</a:t>
+            </a:r>
+            <a:r>
+              <a:rPr lang="en-US" dirty="0" smtClean="0">
+                <a:sym typeface="Wingdings" panose="05000000000000000000" pitchFamily="2" charset="2"/>
+              </a:rPr>
+              <a:t> </a:t>
+            </a:r>
+            <a:r>
+              <a:rPr lang="en-US" dirty="0" err="1" smtClean="0">
+                <a:sym typeface="Wingdings" panose="05000000000000000000" pitchFamily="2" charset="2"/>
+              </a:rPr>
+              <a:t>ký</a:t>
+            </a:r>
+            <a:r>
+              <a:rPr lang="en-US" dirty="0" smtClean="0">
+                <a:sym typeface="Wingdings" panose="05000000000000000000" pitchFamily="2" charset="2"/>
+              </a:rPr>
+              <a:t> </a:t>
+            </a:r>
+            <a:r>
+              <a:rPr lang="en-US" dirty="0" err="1" smtClean="0">
+                <a:sym typeface="Wingdings" panose="05000000000000000000" pitchFamily="2" charset="2"/>
+              </a:rPr>
+              <a:t>tự</a:t>
+            </a:r>
+            <a:endParaRPr lang="en-US" dirty="0"/>
+          </a:p>
+        </p:txBody>
+      </p:sp>
+    </p:spTree>
+    <p:extLst>
+      <p:ext uri="{BB962C8B-B14F-4D97-AF65-F5344CB8AC3E}">
+        <p14:creationId xmlns:p14="http://schemas.microsoft.com/office/powerpoint/2010/main" val="3128152742"/>
+      </p:ext>
+    </p:extLst>
+  </p:cSld>
+  <p:clrMapOvr>
+    <a:masterClrMapping/>
+  </p:clrMapOvr>
+</p:sld>
+</file>
+
+<file path=ppt/slides/slide8.xml><?xml version="1.0" encoding="utf-8"?>
+<p:sld xmlns:a="http://schemas.openxmlformats.org/drawingml/2006/main" xmlns:r="http://schemas.openxmlformats.org/officeDocument/2006/relationships" xmlns:p="http://schemas.openxmlformats.org/presentationml/2006/main">
+  <p:cSld>
+    <p:spTree>
+      <p:nvGrpSpPr>
+        <p:cNvPr id="1" name=""/>
+        <p:cNvGrpSpPr/>
+        <p:nvPr/>
+      </p:nvGrpSpPr>
+      <p:grpSpPr>
+        <a:xfrm>
+          <a:off x="0" y="0"/>
+          <a:ext cx="0" cy="0"/>
+          <a:chOff x="0" y="0"/>
+          <a:chExt cx="0" cy="0"/>
+        </a:xfrm>
+      </p:grpSpPr>
+      <p:sp>
+        <p:nvSpPr>
+          <p:cNvPr id="2" name="Title 1"/>
+          <p:cNvSpPr>
+            <a:spLocks noGrp="1"/>
+          </p:cNvSpPr>
+          <p:nvPr>
+            <p:ph type="title"/>
+          </p:nvPr>
+        </p:nvSpPr>
+        <p:spPr/>
+        <p:txBody>
+          <a:bodyPr/>
+          <a:lstStyle/>
+          <a:p>
+            <a:r>
+              <a:rPr lang="en-US" dirty="0" err="1" smtClean="0"/>
+              <a:t>Hàm</a:t>
+            </a:r>
+            <a:r>
+              <a:rPr lang="en-US" dirty="0" smtClean="0"/>
+              <a:t> loss CTC</a:t>
+            </a:r>
+            <a:endParaRPr lang="en-US" dirty="0"/>
+          </a:p>
+        </p:txBody>
+      </p:sp>
+      <p:sp>
+        <p:nvSpPr>
+          <p:cNvPr id="3" name="Content Placeholder 2"/>
+          <p:cNvSpPr>
+            <a:spLocks noGrp="1"/>
+          </p:cNvSpPr>
+          <p:nvPr>
+            <p:ph idx="1"/>
+          </p:nvPr>
+        </p:nvSpPr>
+        <p:spPr>
+          <a:xfrm>
+            <a:off x="1097280" y="1845734"/>
+            <a:ext cx="7568255" cy="4023360"/>
+          </a:xfrm>
+        </p:spPr>
+        <p:txBody>
+          <a:bodyPr>
+            <a:normAutofit fontScale="77500" lnSpcReduction="20000"/>
+          </a:bodyPr>
+          <a:lstStyle/>
+          <a:p>
+            <a:r>
+              <a:rPr lang="en-US" dirty="0" err="1" smtClean="0"/>
+              <a:t>Tính</a:t>
+            </a:r>
+            <a:r>
+              <a:rPr lang="en-US" dirty="0" smtClean="0"/>
+              <a:t> loss:</a:t>
+            </a:r>
+          </a:p>
+          <a:p>
+            <a:pPr lvl="1"/>
+            <a:r>
+              <a:rPr lang="en-US" dirty="0" smtClean="0"/>
+              <a:t>Ta </a:t>
+            </a:r>
+            <a:r>
+              <a:rPr lang="en-US" dirty="0" err="1" smtClean="0"/>
+              <a:t>có</a:t>
+            </a:r>
+            <a:r>
+              <a:rPr lang="en-US" dirty="0" smtClean="0"/>
+              <a:t> </a:t>
+            </a:r>
+            <a:r>
+              <a:rPr lang="en-US" dirty="0" err="1" smtClean="0"/>
+              <a:t>đầu</a:t>
+            </a:r>
+            <a:r>
+              <a:rPr lang="en-US" dirty="0" smtClean="0"/>
+              <a:t> </a:t>
+            </a:r>
+            <a:r>
+              <a:rPr lang="en-US" dirty="0" err="1" smtClean="0"/>
+              <a:t>ra</a:t>
+            </a:r>
+            <a:r>
+              <a:rPr lang="en-US" dirty="0" smtClean="0"/>
+              <a:t> </a:t>
+            </a:r>
+            <a:r>
+              <a:rPr lang="en-US" dirty="0" err="1" smtClean="0"/>
+              <a:t>của</a:t>
+            </a:r>
+            <a:r>
+              <a:rPr lang="en-US" dirty="0" smtClean="0"/>
+              <a:t> </a:t>
+            </a:r>
+            <a:r>
+              <a:rPr lang="en-US" dirty="0" err="1" smtClean="0"/>
+              <a:t>mô</a:t>
+            </a:r>
+            <a:r>
+              <a:rPr lang="en-US" dirty="0" smtClean="0"/>
+              <a:t> </a:t>
+            </a:r>
+            <a:r>
+              <a:rPr lang="en-US" dirty="0" err="1" smtClean="0"/>
+              <a:t>hình</a:t>
+            </a:r>
+            <a:r>
+              <a:rPr lang="en-US" dirty="0" smtClean="0"/>
+              <a:t> </a:t>
+            </a:r>
+            <a:r>
+              <a:rPr lang="en-US" dirty="0" err="1" smtClean="0"/>
+              <a:t>là</a:t>
+            </a:r>
+            <a:r>
+              <a:rPr lang="en-US" dirty="0" smtClean="0"/>
+              <a:t> ma </a:t>
+            </a:r>
+            <a:r>
+              <a:rPr lang="en-US" dirty="0" err="1" smtClean="0"/>
+              <a:t>trận</a:t>
+            </a:r>
+            <a:r>
+              <a:rPr lang="en-US" dirty="0" smtClean="0"/>
+              <a:t> 2 </a:t>
+            </a:r>
+            <a:r>
+              <a:rPr lang="en-US" dirty="0" err="1" smtClean="0"/>
+              <a:t>chiều</a:t>
+            </a:r>
+            <a:r>
+              <a:rPr lang="en-US" dirty="0" smtClean="0"/>
+              <a:t> (</a:t>
+            </a:r>
+            <a:r>
+              <a:rPr lang="en-US" dirty="0" err="1" smtClean="0"/>
+              <a:t>tổng</a:t>
+            </a:r>
+            <a:r>
+              <a:rPr lang="en-US" dirty="0" smtClean="0"/>
+              <a:t> </a:t>
+            </a:r>
+            <a:r>
+              <a:rPr lang="en-US" dirty="0" err="1" smtClean="0"/>
+              <a:t>số</a:t>
+            </a:r>
+            <a:r>
+              <a:rPr lang="en-US" dirty="0" smtClean="0"/>
+              <a:t> </a:t>
+            </a:r>
+            <a:r>
+              <a:rPr lang="en-US" dirty="0" err="1" smtClean="0"/>
+              <a:t>ký</a:t>
+            </a:r>
+            <a:r>
+              <a:rPr lang="en-US" dirty="0" smtClean="0"/>
+              <a:t> </a:t>
+            </a:r>
+            <a:r>
+              <a:rPr lang="en-US" dirty="0" err="1" smtClean="0"/>
+              <a:t>tự</a:t>
+            </a:r>
+            <a:r>
+              <a:rPr lang="en-US" dirty="0" smtClean="0"/>
+              <a:t>, </a:t>
+            </a:r>
+            <a:r>
+              <a:rPr lang="en-US" dirty="0" err="1" smtClean="0"/>
+              <a:t>số</a:t>
+            </a:r>
+            <a:r>
+              <a:rPr lang="en-US" dirty="0" smtClean="0"/>
+              <a:t> </a:t>
+            </a:r>
+            <a:r>
+              <a:rPr lang="en-US" dirty="0" err="1" smtClean="0"/>
+              <a:t>thời</a:t>
+            </a:r>
+            <a:r>
+              <a:rPr lang="en-US" dirty="0" smtClean="0"/>
+              <a:t> </a:t>
+            </a:r>
+            <a:r>
+              <a:rPr lang="en-US" dirty="0" err="1" smtClean="0"/>
+              <a:t>điểm</a:t>
+            </a:r>
+            <a:r>
+              <a:rPr lang="en-US" dirty="0" smtClean="0"/>
+              <a:t>)</a:t>
+            </a:r>
+          </a:p>
+          <a:p>
+            <a:pPr lvl="1"/>
+            <a:r>
+              <a:rPr lang="en-US" dirty="0" err="1" smtClean="0"/>
+              <a:t>Trong</a:t>
+            </a:r>
+            <a:r>
+              <a:rPr lang="en-US" dirty="0" smtClean="0"/>
+              <a:t> </a:t>
+            </a:r>
+            <a:r>
+              <a:rPr lang="en-US" dirty="0" err="1" smtClean="0"/>
+              <a:t>mỗi</a:t>
+            </a:r>
+            <a:r>
+              <a:rPr lang="en-US" dirty="0" smtClean="0"/>
+              <a:t> </a:t>
+            </a:r>
+            <a:r>
+              <a:rPr lang="en-US" dirty="0" err="1" smtClean="0"/>
+              <a:t>thời</a:t>
+            </a:r>
+            <a:r>
+              <a:rPr lang="en-US" dirty="0" smtClean="0"/>
+              <a:t> </a:t>
+            </a:r>
+            <a:r>
+              <a:rPr lang="en-US" dirty="0" err="1" smtClean="0"/>
+              <a:t>điểm</a:t>
+            </a:r>
+            <a:r>
+              <a:rPr lang="en-US" dirty="0" smtClean="0"/>
+              <a:t>, </a:t>
+            </a:r>
+            <a:r>
+              <a:rPr lang="en-US" dirty="0" err="1" smtClean="0"/>
+              <a:t>tổng</a:t>
+            </a:r>
+            <a:r>
+              <a:rPr lang="en-US" dirty="0" smtClean="0"/>
+              <a:t> </a:t>
+            </a:r>
+            <a:r>
+              <a:rPr lang="en-US" dirty="0" err="1" smtClean="0"/>
+              <a:t>xác</a:t>
+            </a:r>
+            <a:r>
+              <a:rPr lang="en-US" dirty="0" smtClean="0"/>
+              <a:t> </a:t>
+            </a:r>
+            <a:r>
+              <a:rPr lang="en-US" dirty="0" err="1" smtClean="0"/>
+              <a:t>suất</a:t>
+            </a:r>
+            <a:r>
+              <a:rPr lang="en-US" dirty="0" smtClean="0"/>
+              <a:t> </a:t>
+            </a:r>
+            <a:r>
+              <a:rPr lang="en-US" dirty="0" err="1" smtClean="0"/>
+              <a:t>bằng</a:t>
+            </a:r>
+            <a:r>
+              <a:rPr lang="en-US" dirty="0" smtClean="0"/>
+              <a:t> 1</a:t>
+            </a:r>
+          </a:p>
+          <a:p>
+            <a:pPr lvl="1"/>
+            <a:r>
+              <a:rPr lang="en-US" dirty="0" err="1" smtClean="0"/>
+              <a:t>Hàm</a:t>
+            </a:r>
+            <a:r>
+              <a:rPr lang="en-US" dirty="0" smtClean="0"/>
+              <a:t> loss </a:t>
+            </a:r>
+            <a:r>
+              <a:rPr lang="en-US" dirty="0" err="1" smtClean="0"/>
+              <a:t>được</a:t>
+            </a:r>
+            <a:r>
+              <a:rPr lang="en-US" dirty="0" smtClean="0"/>
+              <a:t> </a:t>
+            </a:r>
+            <a:r>
+              <a:rPr lang="en-US" dirty="0" err="1" smtClean="0"/>
+              <a:t>tính</a:t>
+            </a:r>
+            <a:r>
+              <a:rPr lang="en-US" dirty="0" smtClean="0"/>
+              <a:t> </a:t>
+            </a:r>
+            <a:r>
+              <a:rPr lang="en-US" dirty="0" err="1" smtClean="0"/>
+              <a:t>bằng</a:t>
+            </a:r>
+            <a:r>
+              <a:rPr lang="en-US" dirty="0" smtClean="0"/>
+              <a:t> </a:t>
+            </a:r>
+            <a:r>
+              <a:rPr lang="en-US" dirty="0" err="1" smtClean="0"/>
+              <a:t>cách</a:t>
+            </a:r>
+            <a:r>
+              <a:rPr lang="en-US" dirty="0" smtClean="0"/>
+              <a:t> </a:t>
+            </a:r>
+            <a:r>
+              <a:rPr lang="en-US" dirty="0" err="1" smtClean="0"/>
+              <a:t>cộng</a:t>
+            </a:r>
+            <a:r>
+              <a:rPr lang="en-US" dirty="0" smtClean="0"/>
+              <a:t> </a:t>
+            </a:r>
+            <a:r>
+              <a:rPr lang="en-US" dirty="0" err="1" smtClean="0"/>
+              <a:t>tất</a:t>
+            </a:r>
+            <a:r>
+              <a:rPr lang="en-US" dirty="0" smtClean="0"/>
+              <a:t> </a:t>
+            </a:r>
+            <a:r>
+              <a:rPr lang="en-US" dirty="0" err="1" smtClean="0"/>
+              <a:t>cả</a:t>
+            </a:r>
+            <a:r>
+              <a:rPr lang="en-US" dirty="0" smtClean="0"/>
+              <a:t> </a:t>
+            </a:r>
+            <a:r>
+              <a:rPr lang="en-US" dirty="0" err="1" smtClean="0"/>
+              <a:t>các</a:t>
+            </a:r>
+            <a:r>
+              <a:rPr lang="en-US" dirty="0" smtClean="0"/>
+              <a:t> </a:t>
+            </a:r>
+            <a:r>
+              <a:rPr lang="en-US" dirty="0" err="1" smtClean="0"/>
+              <a:t>trường</a:t>
+            </a:r>
+            <a:r>
+              <a:rPr lang="en-US" dirty="0" smtClean="0"/>
+              <a:t> </a:t>
+            </a:r>
+            <a:r>
+              <a:rPr lang="en-US" dirty="0" err="1" smtClean="0"/>
+              <a:t>hợp</a:t>
+            </a:r>
+            <a:r>
+              <a:rPr lang="en-US" dirty="0" smtClean="0"/>
+              <a:t> </a:t>
+            </a:r>
+            <a:r>
+              <a:rPr lang="en-US" dirty="0" err="1" smtClean="0"/>
+              <a:t>có</a:t>
+            </a:r>
+            <a:r>
+              <a:rPr lang="en-US" dirty="0" smtClean="0"/>
+              <a:t> </a:t>
+            </a:r>
+            <a:r>
+              <a:rPr lang="en-US" dirty="0" err="1" smtClean="0"/>
+              <a:t>thể</a:t>
+            </a:r>
+            <a:r>
+              <a:rPr lang="en-US" dirty="0" smtClean="0"/>
+              <a:t> </a:t>
+            </a:r>
+            <a:r>
+              <a:rPr lang="en-US" dirty="0" err="1" smtClean="0"/>
+              <a:t>xảy</a:t>
+            </a:r>
+            <a:r>
+              <a:rPr lang="en-US" dirty="0" smtClean="0"/>
+              <a:t> </a:t>
+            </a:r>
+            <a:r>
+              <a:rPr lang="en-US" dirty="0" err="1" smtClean="0"/>
+              <a:t>ra</a:t>
+            </a:r>
+            <a:endParaRPr lang="en-US" dirty="0"/>
+          </a:p>
+          <a:p>
+            <a:r>
+              <a:rPr lang="en-US" dirty="0" err="1" smtClean="0"/>
+              <a:t>Ví</a:t>
+            </a:r>
+            <a:r>
+              <a:rPr lang="en-US" dirty="0" smtClean="0"/>
+              <a:t> </a:t>
+            </a:r>
+            <a:r>
+              <a:rPr lang="en-US" dirty="0" err="1" smtClean="0"/>
+              <a:t>dụ</a:t>
+            </a:r>
+            <a:r>
+              <a:rPr lang="en-US" dirty="0" smtClean="0"/>
+              <a:t>, </a:t>
+            </a:r>
+            <a:r>
+              <a:rPr lang="en-US" dirty="0" err="1" smtClean="0"/>
+              <a:t>giả</a:t>
+            </a:r>
+            <a:r>
+              <a:rPr lang="en-US" dirty="0" smtClean="0"/>
+              <a:t> </a:t>
+            </a:r>
+            <a:r>
+              <a:rPr lang="en-US" dirty="0" err="1" smtClean="0"/>
+              <a:t>sự</a:t>
+            </a:r>
+            <a:r>
+              <a:rPr lang="en-US" dirty="0" smtClean="0"/>
+              <a:t> </a:t>
+            </a:r>
+            <a:r>
+              <a:rPr lang="en-US" dirty="0" err="1" smtClean="0"/>
+              <a:t>groundtruth</a:t>
+            </a:r>
+            <a:r>
+              <a:rPr lang="en-US" dirty="0" smtClean="0"/>
+              <a:t> </a:t>
+            </a:r>
+            <a:r>
+              <a:rPr lang="en-US" dirty="0" err="1" smtClean="0"/>
+              <a:t>là</a:t>
+            </a:r>
+            <a:r>
+              <a:rPr lang="en-US" dirty="0" smtClean="0"/>
+              <a:t> a, ta </a:t>
+            </a:r>
+            <a:r>
+              <a:rPr lang="en-US" dirty="0" err="1" smtClean="0"/>
+              <a:t>cần</a:t>
+            </a:r>
+            <a:r>
+              <a:rPr lang="en-US" dirty="0" smtClean="0"/>
+              <a:t> </a:t>
+            </a:r>
+            <a:r>
+              <a:rPr lang="en-US" dirty="0" err="1" smtClean="0"/>
+              <a:t>tính</a:t>
+            </a:r>
+            <a:r>
+              <a:rPr lang="en-US" dirty="0" smtClean="0"/>
+              <a:t> </a:t>
+            </a:r>
+            <a:r>
+              <a:rPr lang="en-US" dirty="0" err="1" smtClean="0"/>
+              <a:t>tất</a:t>
+            </a:r>
+            <a:r>
+              <a:rPr lang="en-US" dirty="0" smtClean="0"/>
+              <a:t> </a:t>
+            </a:r>
+            <a:r>
+              <a:rPr lang="en-US" dirty="0" err="1" smtClean="0"/>
+              <a:t>cả</a:t>
+            </a:r>
+            <a:r>
+              <a:rPr lang="en-US" dirty="0" smtClean="0"/>
+              <a:t> </a:t>
+            </a:r>
+            <a:r>
+              <a:rPr lang="en-US" dirty="0" err="1" smtClean="0"/>
+              <a:t>trường</a:t>
+            </a:r>
+            <a:r>
+              <a:rPr lang="en-US" dirty="0" smtClean="0"/>
+              <a:t> </a:t>
+            </a:r>
+            <a:r>
+              <a:rPr lang="en-US" dirty="0" err="1" smtClean="0"/>
+              <a:t>hợp</a:t>
+            </a:r>
+            <a:r>
+              <a:rPr lang="en-US" dirty="0" smtClean="0"/>
+              <a:t> </a:t>
+            </a:r>
+            <a:r>
+              <a:rPr lang="en-US" dirty="0" err="1" smtClean="0"/>
+              <a:t>có</a:t>
+            </a:r>
+            <a:r>
+              <a:rPr lang="en-US" dirty="0" smtClean="0"/>
+              <a:t> 2 </a:t>
+            </a:r>
+            <a:r>
+              <a:rPr lang="en-US" dirty="0" err="1" smtClean="0"/>
+              <a:t>thời</a:t>
+            </a:r>
+            <a:r>
+              <a:rPr lang="en-US" dirty="0" smtClean="0"/>
+              <a:t> </a:t>
+            </a:r>
+            <a:r>
+              <a:rPr lang="en-US" dirty="0" err="1" smtClean="0"/>
+              <a:t>điểm</a:t>
+            </a:r>
+            <a:r>
+              <a:rPr lang="en-US" dirty="0" smtClean="0"/>
+              <a:t>, </a:t>
+            </a:r>
+            <a:r>
+              <a:rPr lang="en-US" dirty="0" err="1" smtClean="0"/>
+              <a:t>đó</a:t>
+            </a:r>
+            <a:r>
+              <a:rPr lang="en-US" dirty="0" smtClean="0"/>
+              <a:t> </a:t>
+            </a:r>
+            <a:r>
+              <a:rPr lang="en-US" dirty="0" err="1" smtClean="0"/>
+              <a:t>là</a:t>
+            </a:r>
+            <a:r>
+              <a:rPr lang="en-US" dirty="0" smtClean="0"/>
+              <a:t> aa, a-, -a. </a:t>
+            </a:r>
+            <a:r>
+              <a:rPr lang="en-US" dirty="0" err="1" smtClean="0"/>
+              <a:t>Từ</a:t>
+            </a:r>
+            <a:r>
+              <a:rPr lang="en-US" dirty="0" smtClean="0"/>
+              <a:t> </a:t>
+            </a:r>
+            <a:r>
+              <a:rPr lang="en-US" dirty="0" err="1" smtClean="0"/>
+              <a:t>đầu</a:t>
+            </a:r>
+            <a:r>
+              <a:rPr lang="en-US" dirty="0" smtClean="0"/>
+              <a:t> </a:t>
+            </a:r>
+            <a:r>
+              <a:rPr lang="en-US" dirty="0" err="1" smtClean="0"/>
+              <a:t>ra</a:t>
+            </a:r>
+            <a:r>
+              <a:rPr lang="en-US" dirty="0" smtClean="0"/>
+              <a:t> ta </a:t>
+            </a:r>
+            <a:r>
+              <a:rPr lang="en-US" dirty="0" err="1" smtClean="0"/>
+              <a:t>có</a:t>
+            </a:r>
+            <a:r>
+              <a:rPr lang="en-US" dirty="0" smtClean="0"/>
+              <a:t>:</a:t>
+            </a:r>
+          </a:p>
+          <a:p>
+            <a:pPr lvl="1"/>
+            <a:r>
+              <a:rPr lang="en-US" dirty="0" smtClean="0"/>
+              <a:t>aa=0.4*0.4=0.16</a:t>
+            </a:r>
+          </a:p>
+          <a:p>
+            <a:pPr lvl="1"/>
+            <a:r>
+              <a:rPr lang="en-US" dirty="0" smtClean="0"/>
+              <a:t>a-=0.4*0.6=0.24</a:t>
+            </a:r>
+          </a:p>
+          <a:p>
+            <a:pPr lvl="1"/>
+            <a:r>
+              <a:rPr lang="en-US" dirty="0" smtClean="0"/>
+              <a:t>-a=0.6.0.4=0.24</a:t>
+            </a:r>
+          </a:p>
+          <a:p>
+            <a:r>
+              <a:rPr lang="en-US" dirty="0" err="1" smtClean="0"/>
+              <a:t>Nên</a:t>
+            </a:r>
+            <a:r>
+              <a:rPr lang="en-US" dirty="0" smtClean="0"/>
+              <a:t> </a:t>
+            </a:r>
+            <a:r>
+              <a:rPr lang="en-US" dirty="0" err="1" smtClean="0"/>
+              <a:t>xác</a:t>
+            </a:r>
+            <a:r>
+              <a:rPr lang="en-US" dirty="0" smtClean="0"/>
+              <a:t> </a:t>
+            </a:r>
+            <a:r>
+              <a:rPr lang="en-US" dirty="0" err="1" smtClean="0"/>
+              <a:t>xuất</a:t>
+            </a:r>
+            <a:r>
+              <a:rPr lang="en-US" dirty="0" smtClean="0"/>
+              <a:t> </a:t>
+            </a:r>
+            <a:r>
+              <a:rPr lang="en-US" dirty="0" err="1" smtClean="0"/>
+              <a:t>của</a:t>
+            </a:r>
+            <a:r>
+              <a:rPr lang="en-US" dirty="0" smtClean="0"/>
+              <a:t> </a:t>
+            </a:r>
+            <a:r>
+              <a:rPr lang="en-US" dirty="0" err="1" smtClean="0"/>
+              <a:t>đầu</a:t>
+            </a:r>
+            <a:r>
+              <a:rPr lang="en-US" dirty="0" smtClean="0"/>
+              <a:t> </a:t>
+            </a:r>
+            <a:r>
+              <a:rPr lang="en-US" dirty="0" err="1" smtClean="0"/>
+              <a:t>ra</a:t>
+            </a:r>
+            <a:r>
+              <a:rPr lang="en-US" dirty="0" smtClean="0"/>
+              <a:t> </a:t>
+            </a:r>
+            <a:r>
+              <a:rPr lang="en-US" dirty="0" err="1" smtClean="0"/>
+              <a:t>tương</a:t>
+            </a:r>
+            <a:r>
+              <a:rPr lang="en-US" dirty="0" smtClean="0"/>
+              <a:t> </a:t>
+            </a:r>
+            <a:r>
+              <a:rPr lang="en-US" dirty="0" err="1" smtClean="0"/>
+              <a:t>ứng</a:t>
+            </a:r>
+            <a:r>
+              <a:rPr lang="en-US" dirty="0" smtClean="0"/>
+              <a:t> </a:t>
+            </a:r>
+            <a:r>
+              <a:rPr lang="en-US" dirty="0" err="1" smtClean="0"/>
+              <a:t>với</a:t>
+            </a:r>
+            <a:r>
+              <a:rPr lang="en-US" dirty="0" smtClean="0"/>
+              <a:t> </a:t>
+            </a:r>
+            <a:r>
+              <a:rPr lang="en-US" dirty="0" err="1" smtClean="0"/>
+              <a:t>groundtruth</a:t>
+            </a:r>
+            <a:r>
+              <a:rPr lang="en-US" dirty="0" smtClean="0"/>
+              <a:t> a </a:t>
+            </a:r>
+            <a:r>
+              <a:rPr lang="en-US" dirty="0" err="1" smtClean="0"/>
+              <a:t>là</a:t>
+            </a:r>
+            <a:r>
+              <a:rPr lang="en-US" dirty="0" smtClean="0"/>
+              <a:t> 0.64</a:t>
+            </a:r>
+          </a:p>
+          <a:p>
+            <a:r>
+              <a:rPr lang="en-US" dirty="0" err="1" smtClean="0"/>
+              <a:t>Nếu</a:t>
+            </a:r>
+            <a:r>
+              <a:rPr lang="en-US" dirty="0" smtClean="0"/>
+              <a:t> </a:t>
+            </a:r>
+            <a:r>
+              <a:rPr lang="en-US" dirty="0" err="1" smtClean="0"/>
+              <a:t>groundtruth</a:t>
+            </a:r>
+            <a:r>
+              <a:rPr lang="en-US" dirty="0" smtClean="0"/>
+              <a:t> </a:t>
+            </a:r>
+            <a:r>
+              <a:rPr lang="en-US" dirty="0" err="1" smtClean="0"/>
+              <a:t>là</a:t>
+            </a:r>
+            <a:r>
+              <a:rPr lang="en-US" dirty="0" smtClean="0"/>
+              <a:t> “”, </a:t>
+            </a:r>
+            <a:r>
+              <a:rPr lang="en-US" dirty="0" err="1" smtClean="0"/>
+              <a:t>xác</a:t>
+            </a:r>
+            <a:r>
+              <a:rPr lang="en-US" dirty="0" smtClean="0"/>
+              <a:t> </a:t>
+            </a:r>
+            <a:r>
+              <a:rPr lang="en-US" dirty="0" err="1" smtClean="0"/>
+              <a:t>xuất</a:t>
+            </a:r>
+            <a:r>
+              <a:rPr lang="en-US" dirty="0" smtClean="0"/>
+              <a:t> </a:t>
+            </a:r>
+            <a:r>
+              <a:rPr lang="en-US" dirty="0" err="1" smtClean="0"/>
+              <a:t>đó</a:t>
+            </a:r>
+            <a:r>
+              <a:rPr lang="en-US" dirty="0" smtClean="0"/>
+              <a:t> </a:t>
+            </a:r>
+            <a:r>
+              <a:rPr lang="en-US" dirty="0" err="1" smtClean="0"/>
+              <a:t>là</a:t>
+            </a:r>
+            <a:r>
+              <a:rPr lang="en-US" dirty="0" smtClean="0"/>
+              <a:t> 0.36</a:t>
+            </a:r>
+          </a:p>
+          <a:p>
+            <a:r>
+              <a:rPr lang="en-US" dirty="0" err="1"/>
+              <a:t>Mô</a:t>
+            </a:r>
+            <a:r>
+              <a:rPr lang="en-US" dirty="0"/>
+              <a:t> </a:t>
+            </a:r>
+            <a:r>
+              <a:rPr lang="en-US" dirty="0" err="1"/>
+              <a:t>hình</a:t>
+            </a:r>
+            <a:r>
+              <a:rPr lang="en-US" dirty="0"/>
+              <a:t> </a:t>
+            </a:r>
+            <a:r>
+              <a:rPr lang="en-US" dirty="0" err="1"/>
+              <a:t>được</a:t>
+            </a:r>
+            <a:r>
+              <a:rPr lang="en-US" dirty="0"/>
+              <a:t> </a:t>
+            </a:r>
+            <a:r>
+              <a:rPr lang="en-US" dirty="0" err="1"/>
+              <a:t>huấn</a:t>
+            </a:r>
+            <a:r>
+              <a:rPr lang="en-US" dirty="0"/>
+              <a:t> </a:t>
+            </a:r>
+            <a:r>
+              <a:rPr lang="en-US" dirty="0" err="1"/>
+              <a:t>luyện</a:t>
+            </a:r>
+            <a:r>
+              <a:rPr lang="en-US" dirty="0"/>
+              <a:t> </a:t>
+            </a:r>
+            <a:r>
+              <a:rPr lang="en-US" dirty="0" err="1"/>
+              <a:t>bằng</a:t>
+            </a:r>
+            <a:r>
+              <a:rPr lang="en-US" dirty="0"/>
+              <a:t> </a:t>
+            </a:r>
+            <a:r>
+              <a:rPr lang="en-US" dirty="0" err="1"/>
+              <a:t>cách</a:t>
+            </a:r>
+            <a:r>
+              <a:rPr lang="en-US" dirty="0"/>
+              <a:t> </a:t>
+            </a:r>
+            <a:r>
+              <a:rPr lang="en-US" dirty="0" err="1"/>
+              <a:t>làm</a:t>
+            </a:r>
+            <a:r>
+              <a:rPr lang="en-US" dirty="0"/>
+              <a:t> </a:t>
+            </a:r>
+            <a:r>
+              <a:rPr lang="en-US" dirty="0" err="1"/>
+              <a:t>tối</a:t>
+            </a:r>
+            <a:r>
+              <a:rPr lang="en-US" dirty="0"/>
+              <a:t> </a:t>
+            </a:r>
+            <a:r>
+              <a:rPr lang="en-US" dirty="0" err="1"/>
+              <a:t>ưu</a:t>
+            </a:r>
+            <a:r>
+              <a:rPr lang="en-US" dirty="0"/>
+              <a:t> </a:t>
+            </a:r>
+            <a:r>
+              <a:rPr lang="en-US" dirty="0" err="1"/>
+              <a:t>xác</a:t>
+            </a:r>
+            <a:r>
+              <a:rPr lang="en-US" dirty="0"/>
+              <a:t> </a:t>
+            </a:r>
+            <a:r>
+              <a:rPr lang="en-US" dirty="0" err="1"/>
+              <a:t>xuất</a:t>
+            </a:r>
+            <a:r>
+              <a:rPr lang="en-US" dirty="0"/>
+              <a:t> </a:t>
+            </a:r>
+            <a:r>
+              <a:rPr lang="en-US" dirty="0" err="1"/>
+              <a:t>giữa</a:t>
+            </a:r>
+            <a:r>
+              <a:rPr lang="en-US" dirty="0"/>
+              <a:t> </a:t>
+            </a:r>
+            <a:r>
+              <a:rPr lang="en-US" dirty="0" err="1"/>
+              <a:t>đầu</a:t>
+            </a:r>
+            <a:r>
+              <a:rPr lang="en-US" dirty="0"/>
+              <a:t> </a:t>
+            </a:r>
+            <a:r>
+              <a:rPr lang="en-US" dirty="0" err="1"/>
+              <a:t>ra</a:t>
+            </a:r>
+            <a:r>
+              <a:rPr lang="en-US" dirty="0"/>
+              <a:t> </a:t>
+            </a:r>
+            <a:r>
+              <a:rPr lang="en-US" dirty="0" err="1"/>
+              <a:t>và</a:t>
+            </a:r>
+            <a:r>
+              <a:rPr lang="en-US" dirty="0"/>
+              <a:t> </a:t>
+            </a:r>
+            <a:r>
+              <a:rPr lang="en-US" dirty="0" err="1"/>
+              <a:t>groundtruth</a:t>
+            </a:r>
+            <a:r>
+              <a:rPr lang="en-US" dirty="0"/>
+              <a:t> (</a:t>
+            </a:r>
+            <a:r>
+              <a:rPr lang="en-US" dirty="0" err="1"/>
+              <a:t>tối</a:t>
+            </a:r>
+            <a:r>
+              <a:rPr lang="en-US" dirty="0"/>
+              <a:t> </a:t>
+            </a:r>
+            <a:r>
+              <a:rPr lang="en-US" dirty="0" err="1"/>
+              <a:t>đa</a:t>
+            </a:r>
+            <a:r>
+              <a:rPr lang="en-US" dirty="0"/>
+              <a:t> </a:t>
+            </a:r>
+            <a:r>
+              <a:rPr lang="en-US" dirty="0" err="1"/>
+              <a:t>là</a:t>
+            </a:r>
+            <a:r>
+              <a:rPr lang="en-US" dirty="0"/>
+              <a:t> 1).</a:t>
+            </a:r>
+          </a:p>
+          <a:p>
+            <a:r>
+              <a:rPr lang="en-US" dirty="0" err="1"/>
+              <a:t>Hàm</a:t>
+            </a:r>
+            <a:r>
+              <a:rPr lang="en-US" dirty="0"/>
+              <a:t> loss </a:t>
+            </a:r>
+            <a:r>
+              <a:rPr lang="en-US" dirty="0" err="1"/>
+              <a:t>được</a:t>
+            </a:r>
+            <a:r>
+              <a:rPr lang="en-US" dirty="0"/>
+              <a:t> </a:t>
+            </a:r>
+            <a:r>
+              <a:rPr lang="en-US" dirty="0" err="1"/>
+              <a:t>sử</a:t>
+            </a:r>
+            <a:r>
+              <a:rPr lang="en-US" dirty="0"/>
+              <a:t> </a:t>
+            </a:r>
+            <a:r>
+              <a:rPr lang="en-US" dirty="0" err="1"/>
+              <a:t>dụng</a:t>
+            </a:r>
+            <a:r>
+              <a:rPr lang="en-US" dirty="0"/>
+              <a:t> </a:t>
+            </a:r>
+            <a:r>
+              <a:rPr lang="en-US" dirty="0" err="1"/>
+              <a:t>là</a:t>
+            </a:r>
+            <a:r>
+              <a:rPr lang="en-US" dirty="0"/>
+              <a:t> negative sum </a:t>
+            </a:r>
+            <a:r>
+              <a:rPr lang="en-US" dirty="0" err="1"/>
+              <a:t>của</a:t>
+            </a:r>
+            <a:r>
+              <a:rPr lang="en-US" dirty="0"/>
+              <a:t> log probability, </a:t>
+            </a:r>
+            <a:r>
+              <a:rPr lang="en-US" dirty="0" err="1"/>
+              <a:t>mục</a:t>
+            </a:r>
+            <a:r>
+              <a:rPr lang="en-US" dirty="0"/>
+              <a:t> </a:t>
+            </a:r>
+            <a:r>
+              <a:rPr lang="en-US" dirty="0" err="1"/>
+              <a:t>tiêu</a:t>
+            </a:r>
+            <a:r>
+              <a:rPr lang="en-US" dirty="0"/>
+              <a:t> </a:t>
+            </a:r>
+            <a:r>
+              <a:rPr lang="en-US" dirty="0" err="1"/>
+              <a:t>tối</a:t>
+            </a:r>
+            <a:r>
+              <a:rPr lang="en-US" dirty="0"/>
+              <a:t> </a:t>
+            </a:r>
+            <a:r>
+              <a:rPr lang="en-US" dirty="0" err="1"/>
+              <a:t>ưu</a:t>
+            </a:r>
+            <a:r>
+              <a:rPr lang="en-US" dirty="0"/>
+              <a:t> </a:t>
+            </a:r>
+            <a:r>
+              <a:rPr lang="en-US" dirty="0" err="1"/>
+              <a:t>hoá</a:t>
+            </a:r>
+            <a:r>
+              <a:rPr lang="en-US" dirty="0"/>
+              <a:t> </a:t>
+            </a:r>
+            <a:r>
+              <a:rPr lang="en-US" dirty="0" err="1"/>
+              <a:t>là</a:t>
+            </a:r>
+            <a:r>
+              <a:rPr lang="en-US" dirty="0"/>
+              <a:t> </a:t>
+            </a:r>
+            <a:r>
+              <a:rPr lang="en-US" dirty="0" err="1"/>
+              <a:t>tìm</a:t>
+            </a:r>
+            <a:r>
+              <a:rPr lang="en-US" dirty="0"/>
+              <a:t> </a:t>
+            </a:r>
+            <a:r>
+              <a:rPr lang="en-US" dirty="0" err="1"/>
+              <a:t>cực</a:t>
+            </a:r>
+            <a:r>
+              <a:rPr lang="en-US" dirty="0"/>
+              <a:t> </a:t>
+            </a:r>
+            <a:r>
+              <a:rPr lang="en-US" dirty="0" err="1"/>
+              <a:t>tiểu</a:t>
+            </a:r>
+            <a:r>
+              <a:rPr lang="en-US" dirty="0"/>
+              <a:t> </a:t>
+            </a:r>
+            <a:r>
+              <a:rPr lang="en-US" dirty="0" err="1"/>
+              <a:t>của</a:t>
+            </a:r>
+            <a:r>
+              <a:rPr lang="en-US" dirty="0"/>
+              <a:t> </a:t>
+            </a:r>
+            <a:r>
+              <a:rPr lang="en-US" dirty="0" err="1"/>
+              <a:t>hàm</a:t>
+            </a:r>
+            <a:r>
+              <a:rPr lang="en-US" dirty="0"/>
+              <a:t> </a:t>
+            </a:r>
+            <a:r>
+              <a:rPr lang="en-US" dirty="0" err="1"/>
+              <a:t>này</a:t>
+            </a:r>
+            <a:endParaRPr lang="en-US" dirty="0"/>
+          </a:p>
+          <a:p>
+            <a:endParaRPr lang="en-US" dirty="0" smtClean="0"/>
+          </a:p>
+          <a:p>
+            <a:endParaRPr lang="en-US" dirty="0" smtClean="0"/>
+          </a:p>
+        </p:txBody>
+      </p:sp>
+      <p:pic>
+        <p:nvPicPr>
+          <p:cNvPr id="4" name="Picture 2" descr="https://miro.medium.com/max/400/1*BFQYgGofh6HOxnGdkJnO-w.png"/>
           <p:cNvPicPr>
             <a:picLocks noChangeAspect="1" noChangeArrowheads="1"/>
           </p:cNvPicPr>
@@ -3671,7 +8621,7 @@
         </p:blipFill>
         <p:spPr bwMode="auto">
           <a:xfrm>
-            <a:off x="1698642" y="2694720"/>
+            <a:off x="8890473" y="2003604"/>
             <a:ext cx="2265207" cy="2072665"/>
           </a:xfrm>
           <a:prstGeom prst="rect">
@@ -3689,6 +8639,569 @@
           </a:extLst>
         </p:spPr>
       </p:pic>
+    </p:spTree>
+    <p:extLst>
+      <p:ext uri="{BB962C8B-B14F-4D97-AF65-F5344CB8AC3E}">
+        <p14:creationId xmlns:p14="http://schemas.microsoft.com/office/powerpoint/2010/main" val="3043148492"/>
+      </p:ext>
+    </p:extLst>
+  </p:cSld>
+  <p:clrMapOvr>
+    <a:masterClrMapping/>
+  </p:clrMapOvr>
+</p:sld>
+</file>
+
+<file path=ppt/slides/slide9.xml><?xml version="1.0" encoding="utf-8"?>
+<p:sld xmlns:a="http://schemas.openxmlformats.org/drawingml/2006/main" xmlns:r="http://schemas.openxmlformats.org/officeDocument/2006/relationships" xmlns:p="http://schemas.openxmlformats.org/presentationml/2006/main">
+  <p:cSld>
+    <p:spTree>
+      <p:nvGrpSpPr>
+        <p:cNvPr id="1" name=""/>
+        <p:cNvGrpSpPr/>
+        <p:nvPr/>
+      </p:nvGrpSpPr>
+      <p:grpSpPr>
+        <a:xfrm>
+          <a:off x="0" y="0"/>
+          <a:ext cx="0" cy="0"/>
+          <a:chOff x="0" y="0"/>
+          <a:chExt cx="0" cy="0"/>
+        </a:xfrm>
+      </p:grpSpPr>
+      <p:sp>
+        <p:nvSpPr>
+          <p:cNvPr id="2" name="Title 1"/>
+          <p:cNvSpPr>
+            <a:spLocks noGrp="1"/>
+          </p:cNvSpPr>
+          <p:nvPr>
+            <p:ph type="title"/>
+          </p:nvPr>
+        </p:nvSpPr>
+        <p:spPr/>
+        <p:txBody>
+          <a:bodyPr/>
+          <a:lstStyle/>
+          <a:p>
+            <a:r>
+              <a:rPr lang="en-US" dirty="0" err="1" smtClean="0"/>
+              <a:t>Cách</a:t>
+            </a:r>
+            <a:r>
+              <a:rPr lang="en-US" dirty="0" smtClean="0"/>
+              <a:t> </a:t>
+            </a:r>
+            <a:r>
+              <a:rPr lang="en-US" dirty="0" err="1" smtClean="0"/>
+              <a:t>thức</a:t>
+            </a:r>
+            <a:r>
+              <a:rPr lang="en-US" dirty="0" smtClean="0"/>
+              <a:t> </a:t>
+            </a:r>
+            <a:r>
+              <a:rPr lang="en-US" dirty="0" err="1" smtClean="0"/>
+              <a:t>giải</a:t>
+            </a:r>
+            <a:r>
+              <a:rPr lang="en-US" dirty="0" smtClean="0"/>
+              <a:t> </a:t>
+            </a:r>
+            <a:r>
+              <a:rPr lang="en-US" dirty="0" err="1" smtClean="0"/>
+              <a:t>mã</a:t>
+            </a:r>
+            <a:r>
+              <a:rPr lang="en-US" dirty="0" smtClean="0"/>
+              <a:t> </a:t>
+            </a:r>
+            <a:r>
+              <a:rPr lang="en-US" dirty="0" err="1" smtClean="0"/>
+              <a:t>chuỗi</a:t>
+            </a:r>
+            <a:r>
+              <a:rPr lang="en-US" dirty="0" smtClean="0"/>
+              <a:t> CTC</a:t>
+            </a:r>
+            <a:endParaRPr lang="en-US" dirty="0"/>
+          </a:p>
+        </p:txBody>
+      </p:sp>
+      <p:sp>
+        <p:nvSpPr>
+          <p:cNvPr id="3" name="Content Placeholder 2"/>
+          <p:cNvSpPr>
+            <a:spLocks noGrp="1"/>
+          </p:cNvSpPr>
+          <p:nvPr>
+            <p:ph idx="1"/>
+          </p:nvPr>
+        </p:nvSpPr>
+        <p:spPr/>
+        <p:txBody>
+          <a:bodyPr/>
+          <a:lstStyle/>
+          <a:p>
+            <a:r>
+              <a:rPr lang="en-US" dirty="0" err="1" smtClean="0"/>
+              <a:t>Cách</a:t>
+            </a:r>
+            <a:r>
+              <a:rPr lang="en-US" dirty="0" smtClean="0"/>
+              <a:t> 1: greedy search</a:t>
+            </a:r>
+          </a:p>
+          <a:p>
+            <a:pPr lvl="1"/>
+            <a:r>
+              <a:rPr lang="en-US" dirty="0" err="1" smtClean="0"/>
+              <a:t>Tại</a:t>
+            </a:r>
+            <a:r>
+              <a:rPr lang="en-US" dirty="0" smtClean="0"/>
+              <a:t> </a:t>
+            </a:r>
+            <a:r>
+              <a:rPr lang="en-US" dirty="0" err="1" smtClean="0"/>
+              <a:t>mỗi</a:t>
+            </a:r>
+            <a:r>
+              <a:rPr lang="en-US" dirty="0" smtClean="0"/>
+              <a:t> </a:t>
+            </a:r>
+            <a:r>
+              <a:rPr lang="en-US" dirty="0" err="1" smtClean="0"/>
+              <a:t>thời</a:t>
+            </a:r>
+            <a:r>
+              <a:rPr lang="en-US" dirty="0" smtClean="0"/>
+              <a:t> </a:t>
+            </a:r>
+            <a:r>
+              <a:rPr lang="en-US" dirty="0" err="1" smtClean="0"/>
+              <a:t>điểm</a:t>
+            </a:r>
+            <a:r>
+              <a:rPr lang="en-US" dirty="0" smtClean="0"/>
+              <a:t> </a:t>
+            </a:r>
+            <a:r>
+              <a:rPr lang="en-US" dirty="0" err="1" smtClean="0"/>
+              <a:t>lấy</a:t>
+            </a:r>
+            <a:r>
+              <a:rPr lang="en-US" dirty="0" smtClean="0"/>
+              <a:t> </a:t>
+            </a:r>
+            <a:r>
+              <a:rPr lang="en-US" dirty="0" err="1" smtClean="0"/>
+              <a:t>ký</a:t>
+            </a:r>
+            <a:r>
+              <a:rPr lang="en-US" dirty="0" smtClean="0"/>
+              <a:t> </a:t>
+            </a:r>
+            <a:r>
+              <a:rPr lang="en-US" dirty="0" err="1" smtClean="0"/>
+              <a:t>tự</a:t>
+            </a:r>
+            <a:r>
+              <a:rPr lang="en-US" dirty="0" smtClean="0"/>
+              <a:t> </a:t>
+            </a:r>
+            <a:r>
+              <a:rPr lang="en-US" dirty="0" err="1" smtClean="0"/>
+              <a:t>có</a:t>
+            </a:r>
+            <a:r>
+              <a:rPr lang="en-US" dirty="0" smtClean="0"/>
+              <a:t> </a:t>
+            </a:r>
+            <a:r>
+              <a:rPr lang="en-US" dirty="0" err="1" smtClean="0"/>
+              <a:t>xác</a:t>
+            </a:r>
+            <a:r>
+              <a:rPr lang="en-US" dirty="0" smtClean="0"/>
+              <a:t> </a:t>
+            </a:r>
+            <a:r>
+              <a:rPr lang="en-US" dirty="0" err="1" smtClean="0"/>
+              <a:t>suất</a:t>
+            </a:r>
+            <a:r>
+              <a:rPr lang="en-US" dirty="0" smtClean="0"/>
+              <a:t> </a:t>
+            </a:r>
+            <a:r>
+              <a:rPr lang="en-US" dirty="0" err="1" smtClean="0"/>
+              <a:t>cao</a:t>
+            </a:r>
+            <a:r>
+              <a:rPr lang="en-US" dirty="0" smtClean="0"/>
+              <a:t> </a:t>
+            </a:r>
+            <a:r>
+              <a:rPr lang="en-US" dirty="0" err="1" smtClean="0"/>
+              <a:t>nhất</a:t>
+            </a:r>
+            <a:endParaRPr lang="en-US" dirty="0" smtClean="0"/>
+          </a:p>
+          <a:p>
+            <a:r>
+              <a:rPr lang="en-US" dirty="0" err="1" smtClean="0"/>
+              <a:t>Cách</a:t>
+            </a:r>
+            <a:r>
+              <a:rPr lang="en-US" dirty="0" smtClean="0"/>
+              <a:t> 2: beam search</a:t>
+            </a:r>
+          </a:p>
+          <a:p>
+            <a:pPr lvl="1"/>
+            <a:r>
+              <a:rPr lang="en-US" dirty="0" err="1" smtClean="0"/>
+              <a:t>Tại</a:t>
+            </a:r>
+            <a:r>
+              <a:rPr lang="en-US" dirty="0" smtClean="0"/>
+              <a:t> </a:t>
+            </a:r>
+            <a:r>
+              <a:rPr lang="en-US" dirty="0" err="1" smtClean="0"/>
+              <a:t>mỗi</a:t>
+            </a:r>
+            <a:r>
+              <a:rPr lang="en-US" dirty="0" smtClean="0"/>
+              <a:t> </a:t>
+            </a:r>
+            <a:r>
+              <a:rPr lang="en-US" dirty="0" err="1" smtClean="0"/>
+              <a:t>thời</a:t>
+            </a:r>
+            <a:r>
+              <a:rPr lang="en-US" dirty="0" smtClean="0"/>
+              <a:t> </a:t>
+            </a:r>
+            <a:r>
+              <a:rPr lang="en-US" dirty="0" err="1" smtClean="0"/>
+              <a:t>điểm</a:t>
+            </a:r>
+            <a:r>
+              <a:rPr lang="en-US" dirty="0" smtClean="0"/>
+              <a:t>:</a:t>
+            </a:r>
+          </a:p>
+          <a:p>
+            <a:pPr marL="726948" lvl="2" indent="-342900">
+              <a:buFont typeface="+mj-lt"/>
+              <a:buAutoNum type="arabicPeriod"/>
+            </a:pPr>
+            <a:r>
+              <a:rPr lang="en-US" dirty="0" err="1" smtClean="0"/>
+              <a:t>Giữ</a:t>
+            </a:r>
+            <a:r>
+              <a:rPr lang="en-US" dirty="0" smtClean="0"/>
+              <a:t> </a:t>
+            </a:r>
+            <a:r>
+              <a:rPr lang="en-US" dirty="0" err="1" smtClean="0"/>
+              <a:t>lại</a:t>
+            </a:r>
+            <a:r>
+              <a:rPr lang="en-US" dirty="0" smtClean="0"/>
+              <a:t> N beam </a:t>
+            </a:r>
+            <a:r>
+              <a:rPr lang="en-US" dirty="0" err="1" smtClean="0"/>
+              <a:t>tốt</a:t>
+            </a:r>
+            <a:r>
+              <a:rPr lang="en-US" dirty="0" smtClean="0"/>
+              <a:t> </a:t>
+            </a:r>
+            <a:r>
+              <a:rPr lang="en-US" dirty="0" err="1" smtClean="0"/>
+              <a:t>nhất</a:t>
+            </a:r>
+            <a:r>
+              <a:rPr lang="en-US" dirty="0" smtClean="0"/>
+              <a:t> </a:t>
+            </a:r>
+            <a:r>
+              <a:rPr lang="en-US" dirty="0" err="1" smtClean="0"/>
+              <a:t>tại</a:t>
+            </a:r>
+            <a:r>
+              <a:rPr lang="en-US" dirty="0" smtClean="0"/>
+              <a:t> </a:t>
+            </a:r>
+            <a:r>
+              <a:rPr lang="en-US" dirty="0" err="1" smtClean="0"/>
+              <a:t>các</a:t>
+            </a:r>
+            <a:r>
+              <a:rPr lang="en-US" dirty="0" smtClean="0"/>
+              <a:t> </a:t>
+            </a:r>
+            <a:r>
+              <a:rPr lang="en-US" dirty="0" err="1" smtClean="0"/>
+              <a:t>thời</a:t>
+            </a:r>
+            <a:r>
+              <a:rPr lang="en-US" dirty="0" smtClean="0"/>
+              <a:t> </a:t>
+            </a:r>
+            <a:r>
+              <a:rPr lang="en-US" dirty="0" err="1" smtClean="0"/>
+              <a:t>điểm</a:t>
+            </a:r>
+            <a:r>
+              <a:rPr lang="en-US" dirty="0" smtClean="0"/>
+              <a:t> </a:t>
+            </a:r>
+            <a:r>
+              <a:rPr lang="en-US" dirty="0" err="1" smtClean="0"/>
+              <a:t>trước</a:t>
+            </a:r>
+            <a:endParaRPr lang="en-US" dirty="0" smtClean="0"/>
+          </a:p>
+          <a:p>
+            <a:pPr marL="726948" lvl="2" indent="-342900">
+              <a:buFont typeface="+mj-lt"/>
+              <a:buAutoNum type="arabicPeriod"/>
+            </a:pPr>
+            <a:r>
+              <a:rPr lang="en-US" dirty="0" err="1" smtClean="0"/>
+              <a:t>Với</a:t>
+            </a:r>
+            <a:r>
+              <a:rPr lang="en-US" dirty="0" smtClean="0"/>
+              <a:t> </a:t>
+            </a:r>
+            <a:r>
+              <a:rPr lang="en-US" dirty="0" err="1" smtClean="0"/>
+              <a:t>mỗi</a:t>
+            </a:r>
+            <a:r>
+              <a:rPr lang="en-US" dirty="0" smtClean="0"/>
+              <a:t> beam:</a:t>
+            </a:r>
+          </a:p>
+          <a:p>
+            <a:pPr lvl="3"/>
+            <a:r>
+              <a:rPr lang="en-US" dirty="0" err="1" smtClean="0"/>
+              <a:t>Thêm</a:t>
+            </a:r>
+            <a:r>
+              <a:rPr lang="en-US" dirty="0" smtClean="0"/>
+              <a:t> </a:t>
+            </a:r>
+            <a:r>
+              <a:rPr lang="en-US" dirty="0" err="1" smtClean="0"/>
+              <a:t>tất</a:t>
+            </a:r>
+            <a:r>
+              <a:rPr lang="en-US" dirty="0" smtClean="0"/>
+              <a:t> </a:t>
+            </a:r>
+            <a:r>
+              <a:rPr lang="en-US" dirty="0" err="1" smtClean="0"/>
+              <a:t>cả</a:t>
+            </a:r>
+            <a:r>
+              <a:rPr lang="en-US" dirty="0" smtClean="0"/>
+              <a:t> </a:t>
+            </a:r>
+            <a:r>
+              <a:rPr lang="en-US" dirty="0" err="1" smtClean="0"/>
+              <a:t>các</a:t>
+            </a:r>
+            <a:r>
+              <a:rPr lang="en-US" dirty="0" smtClean="0"/>
+              <a:t> </a:t>
+            </a:r>
+            <a:r>
+              <a:rPr lang="en-US" dirty="0" err="1" smtClean="0"/>
+              <a:t>ký</a:t>
+            </a:r>
+            <a:r>
+              <a:rPr lang="en-US" dirty="0" smtClean="0"/>
+              <a:t> </a:t>
+            </a:r>
+            <a:r>
+              <a:rPr lang="en-US" dirty="0" err="1" smtClean="0"/>
+              <a:t>tự</a:t>
+            </a:r>
+            <a:r>
+              <a:rPr lang="en-US" dirty="0" smtClean="0"/>
+              <a:t> ở </a:t>
+            </a:r>
+            <a:r>
+              <a:rPr lang="en-US" dirty="0" err="1" smtClean="0"/>
+              <a:t>thời</a:t>
+            </a:r>
+            <a:r>
+              <a:rPr lang="en-US" dirty="0" smtClean="0"/>
+              <a:t> </a:t>
+            </a:r>
+            <a:r>
+              <a:rPr lang="en-US" dirty="0" err="1" smtClean="0"/>
+              <a:t>điểm</a:t>
+            </a:r>
+            <a:r>
+              <a:rPr lang="en-US" dirty="0" smtClean="0"/>
+              <a:t> </a:t>
+            </a:r>
+            <a:r>
+              <a:rPr lang="en-US" dirty="0" err="1" smtClean="0"/>
+              <a:t>hiện</a:t>
+            </a:r>
+            <a:r>
+              <a:rPr lang="en-US" dirty="0" smtClean="0"/>
+              <a:t> </a:t>
+            </a:r>
+            <a:r>
+              <a:rPr lang="en-US" dirty="0" err="1" smtClean="0"/>
+              <a:t>tại</a:t>
+            </a:r>
+            <a:r>
+              <a:rPr lang="en-US" dirty="0" smtClean="0"/>
+              <a:t> </a:t>
+            </a:r>
+            <a:r>
+              <a:rPr lang="en-US" dirty="0" err="1" smtClean="0"/>
+              <a:t>vào</a:t>
+            </a:r>
+            <a:r>
+              <a:rPr lang="en-US" dirty="0" smtClean="0"/>
+              <a:t> beam</a:t>
+            </a:r>
+          </a:p>
+          <a:p>
+            <a:pPr lvl="3"/>
+            <a:r>
+              <a:rPr lang="en-US" dirty="0" err="1" smtClean="0"/>
+              <a:t>Tính</a:t>
+            </a:r>
+            <a:r>
+              <a:rPr lang="en-US" dirty="0" smtClean="0"/>
+              <a:t> </a:t>
+            </a:r>
+            <a:r>
+              <a:rPr lang="en-US" dirty="0" err="1" smtClean="0"/>
+              <a:t>lại</a:t>
+            </a:r>
+            <a:r>
+              <a:rPr lang="en-US" dirty="0" smtClean="0"/>
+              <a:t> </a:t>
+            </a:r>
+            <a:r>
+              <a:rPr lang="en-US" dirty="0" err="1" smtClean="0"/>
+              <a:t>tổng</a:t>
+            </a:r>
+            <a:r>
+              <a:rPr lang="en-US" dirty="0" smtClean="0"/>
+              <a:t> </a:t>
+            </a:r>
+            <a:r>
+              <a:rPr lang="en-US" dirty="0" err="1" smtClean="0"/>
+              <a:t>xác</a:t>
+            </a:r>
+            <a:r>
+              <a:rPr lang="en-US" dirty="0" smtClean="0"/>
+              <a:t> </a:t>
+            </a:r>
+            <a:r>
+              <a:rPr lang="en-US" dirty="0" err="1" smtClean="0"/>
+              <a:t>suất</a:t>
+            </a:r>
+            <a:r>
+              <a:rPr lang="en-US" dirty="0" smtClean="0"/>
+              <a:t> </a:t>
+            </a:r>
+          </a:p>
+          <a:p>
+            <a:pPr lvl="1"/>
+            <a:r>
+              <a:rPr lang="en-US" dirty="0" smtClean="0"/>
+              <a:t>Beam </a:t>
+            </a:r>
+            <a:r>
+              <a:rPr lang="en-US" dirty="0" err="1" smtClean="0"/>
+              <a:t>tốt</a:t>
+            </a:r>
+            <a:r>
+              <a:rPr lang="en-US" dirty="0" smtClean="0"/>
+              <a:t> </a:t>
+            </a:r>
+            <a:r>
+              <a:rPr lang="en-US" dirty="0" err="1" smtClean="0"/>
+              <a:t>nhất</a:t>
+            </a:r>
+            <a:r>
+              <a:rPr lang="en-US" dirty="0" smtClean="0"/>
+              <a:t> </a:t>
+            </a:r>
+            <a:r>
+              <a:rPr lang="en-US" dirty="0" err="1" smtClean="0"/>
+              <a:t>được</a:t>
+            </a:r>
+            <a:r>
+              <a:rPr lang="en-US" dirty="0" smtClean="0"/>
+              <a:t> </a:t>
+            </a:r>
+            <a:r>
+              <a:rPr lang="en-US" dirty="0" err="1" smtClean="0"/>
+              <a:t>giữ</a:t>
+            </a:r>
+            <a:r>
+              <a:rPr lang="en-US" dirty="0" smtClean="0"/>
+              <a:t> </a:t>
+            </a:r>
+            <a:r>
+              <a:rPr lang="en-US" dirty="0" err="1" smtClean="0"/>
+              <a:t>làm</a:t>
+            </a:r>
+            <a:r>
+              <a:rPr lang="en-US" dirty="0" smtClean="0"/>
+              <a:t> </a:t>
+            </a:r>
+            <a:r>
+              <a:rPr lang="en-US" dirty="0" err="1" smtClean="0"/>
+              <a:t>kết</a:t>
+            </a:r>
+            <a:r>
+              <a:rPr lang="en-US" dirty="0" smtClean="0"/>
+              <a:t> </a:t>
+            </a:r>
+            <a:r>
+              <a:rPr lang="en-US" dirty="0" err="1" smtClean="0"/>
+              <a:t>quả</a:t>
+            </a:r>
+            <a:r>
+              <a:rPr lang="en-US" dirty="0" smtClean="0"/>
+              <a:t> </a:t>
+            </a:r>
+            <a:r>
+              <a:rPr lang="en-US" dirty="0" err="1" smtClean="0"/>
+              <a:t>cuối</a:t>
+            </a:r>
+            <a:r>
+              <a:rPr lang="en-US" dirty="0" smtClean="0"/>
+              <a:t> </a:t>
+            </a:r>
+            <a:r>
+              <a:rPr lang="en-US" dirty="0" err="1" smtClean="0"/>
+              <a:t>cùng</a:t>
+            </a:r>
+            <a:endParaRPr lang="en-US" dirty="0" smtClean="0"/>
+          </a:p>
+        </p:txBody>
+      </p:sp>
       <p:pic>
         <p:nvPicPr>
           <p:cNvPr id="2052" name="Picture 4" descr="https://miro.medium.com/max/600/1*1_5KnLvaTkGUFoyat2jHcQ.png"/>
@@ -3698,7 +9211,7 @@
           <p:nvPr/>
         </p:nvPicPr>
         <p:blipFill>
-          <a:blip r:embed="rId4">
+          <a:blip r:embed="rId3">
             <a:extLst>
               <a:ext uri="{28A0092B-C50C-407E-A947-70E740481C1C}">
                 <a14:useLocalDpi xmlns:a14="http://schemas.microsoft.com/office/drawing/2010/main" val="0"/>
@@ -3712,7 +9225,7 @@
         </p:blipFill>
         <p:spPr bwMode="auto">
           <a:xfrm>
-            <a:off x="4957515" y="2572971"/>
+            <a:off x="8501743" y="1845734"/>
             <a:ext cx="2653937" cy="1955067"/>
           </a:xfrm>
           <a:prstGeom prst="rect">
@@ -3733,117 +9246,7 @@
     </p:spTree>
     <p:extLst>
       <p:ext uri="{BB962C8B-B14F-4D97-AF65-F5344CB8AC3E}">
-        <p14:creationId xmlns:p14="http://schemas.microsoft.com/office/powerpoint/2010/main" val="2750502306"/>
-      </p:ext>
-    </p:extLst>
-  </p:cSld>
-  <p:clrMapOvr>
-    <a:masterClrMapping/>
-  </p:clrMapOvr>
-</p:sld>
-</file>
-
-<file path=ppt/slides/slide4.xml><?xml version="1.0" encoding="utf-8"?>
-<p:sld xmlns:a="http://schemas.openxmlformats.org/drawingml/2006/main" xmlns:r="http://schemas.openxmlformats.org/officeDocument/2006/relationships" xmlns:p="http://schemas.openxmlformats.org/presentationml/2006/main">
-  <p:cSld>
-    <p:spTree>
-      <p:nvGrpSpPr>
-        <p:cNvPr id="1" name=""/>
-        <p:cNvGrpSpPr/>
-        <p:nvPr/>
-      </p:nvGrpSpPr>
-      <p:grpSpPr>
-        <a:xfrm>
-          <a:off x="0" y="0"/>
-          <a:ext cx="0" cy="0"/>
-          <a:chOff x="0" y="0"/>
-          <a:chExt cx="0" cy="0"/>
-        </a:xfrm>
-      </p:grpSpPr>
-      <p:sp>
-        <p:nvSpPr>
-          <p:cNvPr id="4" name="Title 3"/>
-          <p:cNvSpPr>
-            <a:spLocks noGrp="1"/>
-          </p:cNvSpPr>
-          <p:nvPr>
-            <p:ph type="title"/>
-          </p:nvPr>
-        </p:nvSpPr>
-        <p:spPr/>
-        <p:txBody>
-          <a:bodyPr/>
-          <a:lstStyle/>
-          <a:p>
-            <a:r>
-              <a:rPr lang="fr-FR" dirty="0" smtClean="0"/>
-              <a:t>Practice</a:t>
-            </a:r>
-            <a:endParaRPr lang="en-US" dirty="0"/>
-          </a:p>
-        </p:txBody>
-      </p:sp>
-      <p:sp>
-        <p:nvSpPr>
-          <p:cNvPr id="5" name="Content Placeholder 4"/>
-          <p:cNvSpPr>
-            <a:spLocks noGrp="1"/>
-          </p:cNvSpPr>
-          <p:nvPr>
-            <p:ph idx="1"/>
-          </p:nvPr>
-        </p:nvSpPr>
-        <p:spPr/>
-        <p:txBody>
-          <a:bodyPr/>
-          <a:lstStyle/>
-          <a:p>
-            <a:r>
-              <a:rPr lang="fr-FR" dirty="0" smtClean="0"/>
-              <a:t>Seq2seq </a:t>
-            </a:r>
-            <a:r>
-              <a:rPr lang="fr-FR" dirty="0" err="1" smtClean="0"/>
-              <a:t>with</a:t>
-            </a:r>
-            <a:r>
-              <a:rPr lang="fr-FR" dirty="0" smtClean="0"/>
-              <a:t> attention</a:t>
-            </a:r>
-          </a:p>
-          <a:p>
-            <a:r>
-              <a:rPr lang="fr-FR" dirty="0" smtClean="0"/>
-              <a:t>Bai </a:t>
-            </a:r>
-            <a:r>
-              <a:rPr lang="fr-FR" dirty="0" err="1" smtClean="0"/>
-              <a:t>tap</a:t>
-            </a:r>
-            <a:r>
-              <a:rPr lang="fr-FR" dirty="0" smtClean="0"/>
-              <a:t> </a:t>
-            </a:r>
-            <a:r>
-              <a:rPr lang="fr-FR" dirty="0" err="1" smtClean="0"/>
-              <a:t>giua</a:t>
-            </a:r>
-            <a:r>
-              <a:rPr lang="fr-FR" dirty="0" smtClean="0"/>
-              <a:t> </a:t>
-            </a:r>
-            <a:r>
-              <a:rPr lang="fr-FR" dirty="0" err="1" smtClean="0"/>
-              <a:t>ki</a:t>
-            </a:r>
-            <a:endParaRPr lang="en-US" dirty="0"/>
-          </a:p>
-        </p:txBody>
-      </p:sp>
-    </p:spTree>
-    <p:extLst>
-      <p:ext uri="{BB962C8B-B14F-4D97-AF65-F5344CB8AC3E}">
-        <p14:creationId xmlns:p14="http://schemas.microsoft.com/office/powerpoint/2010/main" val="205605987"/>
+        <p14:creationId xmlns:p14="http://schemas.microsoft.com/office/powerpoint/2010/main" val="3468476527"/>
       </p:ext>
     </p:extLst>
   </p:cSld>
@@ -3854,54 +9257,54 @@
 </file>
 
 <file path=ppt/theme/theme1.xml><?xml version="1.0" encoding="utf-8"?>
-<a:theme xmlns:a="http://schemas.openxmlformats.org/drawingml/2006/main" name="Office Theme">
+<a:theme xmlns:a="http://schemas.openxmlformats.org/drawingml/2006/main" name="Retrospect">
   <a:themeElements>
-    <a:clrScheme name="Office">
+    <a:clrScheme name="Retrospect">
       <a:dk1>
-        <a:sysClr val="windowText" lastClr="000000"/>
+        <a:srgbClr val="000000"/>
       </a:dk1>
       <a:lt1>
         <a:sysClr val="window" lastClr="FFFFFF"/>
       </a:lt1>
       <a:dk2>
-        <a:srgbClr val="44546A"/>
+        <a:srgbClr val="637052"/>
       </a:dk2>
       <a:lt2>
-        <a:srgbClr val="E7E6E6"/>
+        <a:srgbClr val="CCDDEA"/>
       </a:lt2>
       <a:accent1>
-        <a:srgbClr val="5B9BD5"/>
+        <a:srgbClr val="E48312"/>
       </a:accent1>
       <a:accent2>
-        <a:srgbClr val="ED7D31"/>
+        <a:srgbClr val="BD582C"/>
       </a:accent2>
       <a:accent3>
-        <a:srgbClr val="A5A5A5"/>
+        <a:srgbClr val="865640"/>
       </a:accent3>
       <a:accent4>
-        <a:srgbClr val="FFC000"/>
+        <a:srgbClr val="9B8357"/>
       </a:accent4>
       <a:accent5>
-        <a:srgbClr val="4472C4"/>
+        <a:srgbClr val="C2BC80"/>
       </a:accent5>
       <a:accent6>
-        <a:srgbClr val="70AD47"/>
+        <a:srgbClr val="94A088"/>
       </a:accent6>
       <a:hlink>
-        <a:srgbClr val="0563C1"/>
+        <a:srgbClr val="2998E3"/>
       </a:hlink>
       <a:folHlink>
-        <a:srgbClr val="954F72"/>
+        <a:srgbClr val="8C8C8C"/>
       </a:folHlink>
     </a:clrScheme>
-    <a:fontScheme name="Office">
+    <a:fontScheme name="Retrospect">
       <a:majorFont>
         <a:latin typeface="Calibri Light" panose="020F0302020204030204"/>
         <a:ea typeface=""/>
         <a:cs typeface=""/>
-        <a:font script="Jpan" typeface="游ゴシック Light"/>
+        <a:font script="Jpan" typeface="ＭＳ Ｐゴシック"/>
         <a:font script="Hang" typeface="맑은 고딕"/>
-        <a:font script="Hans" typeface="等线 Light"/>
+        <a:font script="Hans" typeface="宋体"/>
         <a:font script="Hant" typeface="新細明體"/>
         <a:font script="Arab" typeface="Times New Roman"/>
         <a:font script="Hebr" typeface="Times New Roman"/>
@@ -3934,9 +9337,9 @@
         <a:latin typeface="Calibri" panose="020F0502020204030204"/>
         <a:ea typeface=""/>
         <a:cs typeface=""/>
-        <a:font script="Jpan" typeface="游ゴシック"/>
+        <a:font script="Jpan" typeface="ＭＳ Ｐゴシック"/>
         <a:font script="Hang" typeface="맑은 고딕"/>
-        <a:font script="Hans" typeface="等线"/>
+        <a:font script="Hans" typeface="宋体"/>
         <a:font script="Hant" typeface="新細明體"/>
         <a:font script="Arab" typeface="Arial"/>
         <a:font script="Hebr" typeface="Arial"/>
@@ -3966,7 +9369,7 @@
         <a:font script="Geor" typeface="Sylfaen"/>
       </a:minorFont>
     </a:fontScheme>
-    <a:fmtScheme name="Office">
+    <a:fmtScheme name="Retrospect">
       <a:fillStyleLst>
         <a:solidFill>
           <a:schemeClr val="phClr"/>
@@ -3975,76 +9378,81 @@
           <a:gsLst>
             <a:gs pos="0">
               <a:schemeClr val="phClr">
-                <a:lumMod val="110000"/>
-                <a:satMod val="105000"/>
-                <a:tint val="67000"/>
+                <a:tint val="65000"/>
+                <a:shade val="92000"/>
+                <a:satMod val="130000"/>
               </a:schemeClr>
             </a:gs>
-            <a:gs pos="50000">
+            <a:gs pos="45000">
               <a:schemeClr val="phClr">
-                <a:lumMod val="105000"/>
-                <a:satMod val="103000"/>
-                <a:tint val="73000"/>
+                <a:tint val="60000"/>
+                <a:shade val="99000"/>
+                <a:satMod val="120000"/>
               </a:schemeClr>
             </a:gs>
             <a:gs pos="100000">
               <a:schemeClr val="phClr">
-                <a:lumMod val="105000"/>
-                <a:satMod val="109000"/>
-                <a:tint val="81000"/>
+                <a:tint val="55000"/>
+                <a:satMod val="140000"/>
               </a:schemeClr>
             </a:gs>
           </a:gsLst>
-          <a:lin ang="5400000" scaled="0"/>
+          <a:path path="circle">
+            <a:fillToRect l="100000" t="100000" r="100000" b="100000"/>
+          </a:path>
         </a:gradFill>
         <a:gradFill rotWithShape="1">
           <a:gsLst>
             <a:gs pos="0">
               <a:schemeClr val="phClr">
-                <a:satMod val="103000"/>
-                <a:lumMod val="102000"/>
-                <a:tint val="94000"/>
+                <a:shade val="85000"/>
+                <a:satMod val="130000"/>
               </a:schemeClr>
             </a:gs>
-            <a:gs pos="50000">
+            <a:gs pos="34000">
               <a:schemeClr val="phClr">
-                <a:satMod val="110000"/>
-                <a:lumMod val="100000"/>
-                <a:shade val="100000"/>
+                <a:shade val="87000"/>
+                <a:satMod val="125000"/>
+              </a:schemeClr>
+            </a:gs>
+            <a:gs pos="70000">
+              <a:schemeClr val="phClr">
+                <a:tint val="100000"/>
+                <a:shade val="90000"/>
+                <a:satMod val="130000"/>
               </a:schemeClr>
             </a:gs>
             <a:gs pos="100000">
               <a:schemeClr val="phClr">
-                <a:lumMod val="99000"/>
-                <a:satMod val="120000"/>
-                <a:shade val="78000"/>
+                <a:tint val="100000"/>
+                <a:shade val="100000"/>
+                <a:satMod val="110000"/>
               </a:schemeClr>
             </a:gs>
           </a:gsLst>
-          <a:lin ang="5400000" scaled="0"/>
+          <a:path path="circle">
+            <a:fillToRect l="100000" t="100000" r="100000" b="100000"/>
+          </a:path>
         </a:gradFill>
       </a:fillStyleLst>
       <a:lnStyleLst>
-        <a:ln w="6350" cap="flat" cmpd="sng" algn="ctr">
-          <a:solidFill>
-            <a:schemeClr val="phClr"/>
-          </a:solidFill>
-          <a:prstDash val="solid"/>
-          <a:miter lim="800000"/>
-        </a:ln>
         <a:ln w="12700" cap="flat" cmpd="sng" algn="ctr">
           <a:solidFill>
             <a:schemeClr val="phClr"/>
           </a:solidFill>
           <a:prstDash val="solid"/>
-          <a:miter lim="800000"/>
         </a:ln>
-        <a:ln w="19050" cap="flat" cmpd="sng" algn="ctr">
+        <a:ln w="15875" cap="flat" cmpd="sng" algn="ctr">
           <a:solidFill>
             <a:schemeClr val="phClr"/>
           </a:solidFill>
           <a:prstDash val="solid"/>
-          <a:miter lim="800000"/>
+        </a:ln>
+        <a:ln w="25400" cap="flat" cmpd="sng" algn="ctr">
+          <a:solidFill>
+            <a:schemeClr val="phClr"/>
+          </a:solidFill>
+          <a:prstDash val="solid"/>
         </a:ln>
       </a:lnStyleLst>
       <a:effectStyleLst>
@@ -4052,16 +9460,33 @@
           <a:effectLst/>
         </a:effectStyle>
         <a:effectStyle>
-          <a:effectLst/>
+          <a:effectLst>
+            <a:outerShdw blurRad="38100" dist="25400" dir="2700000" algn="br" rotWithShape="0">
+              <a:srgbClr val="000000">
+                <a:alpha val="60000"/>
+              </a:srgbClr>
+            </a:outerShdw>
+          </a:effectLst>
         </a:effectStyle>
         <a:effectStyle>
           <a:effectLst>
-            <a:outerShdw blurRad="57150" dist="19050" dir="5400000" algn="ctr" rotWithShape="0">
+            <a:outerShdw blurRad="44450" dist="25400" dir="2700000" algn="br" rotWithShape="0">
               <a:srgbClr val="000000">
-                <a:alpha val="63000"/>
+                <a:alpha val="60000"/>
               </a:srgbClr>
             </a:outerShdw>
           </a:effectLst>
+          <a:scene3d>
+            <a:camera prst="orthographicFront">
+              <a:rot lat="0" lon="0" rev="0"/>
+            </a:camera>
+            <a:lightRig rig="threePt" dir="t">
+              <a:rot lat="0" lon="0" rev="19800000"/>
+            </a:lightRig>
+          </a:scene3d>
+          <a:sp3d prstMaterial="flat">
+            <a:bevelT w="25400" h="31750"/>
+          </a:sp3d>
         </a:effectStyle>
       </a:effectStyleLst>
       <a:bgFillStyleLst>
@@ -4070,36 +9495,36 @@
         </a:solidFill>
         <a:solidFill>
           <a:schemeClr val="phClr">
-            <a:tint val="95000"/>
-            <a:satMod val="170000"/>
+            <a:tint val="90000"/>
+            <a:shade val="97000"/>
+            <a:satMod val="130000"/>
           </a:schemeClr>
         </a:solidFill>
         <a:gradFill rotWithShape="1">
           <a:gsLst>
             <a:gs pos="0">
               <a:schemeClr val="phClr">
-                <a:tint val="93000"/>
-                <a:satMod val="150000"/>
-                <a:shade val="98000"/>
-                <a:lumMod val="102000"/>
+                <a:tint val="96000"/>
+                <a:shade val="99000"/>
+                <a:satMod val="140000"/>
               </a:schemeClr>
             </a:gs>
-            <a:gs pos="50000">
+            <a:gs pos="65000">
               <a:schemeClr val="phClr">
-                <a:tint val="98000"/>
+                <a:tint val="100000"/>
+                <a:shade val="80000"/>
                 <a:satMod val="130000"/>
-                <a:shade val="90000"/>
-                <a:lumMod val="103000"/>
               </a:schemeClr>
             </a:gs>
             <a:gs pos="100000">
               <a:schemeClr val="phClr">
-                <a:shade val="63000"/>
+                <a:tint val="100000"/>
+                <a:shade val="48000"/>
                 <a:satMod val="120000"/>
               </a:schemeClr>
             </a:gs>
           </a:gsLst>
-          <a:lin ang="5400000" scaled="0"/>
+          <a:lin ang="16200000" scaled="0"/>
         </a:gradFill>
       </a:bgFillStyleLst>
     </a:fmtScheme>
@@ -4108,7 +9533,7 @@
   <a:extraClrSchemeLst/>
   <a:extLst>
     <a:ext uri="{05A4C25C-085E-4340-85A3-A5531E510DB2}">
-      <thm15:themeFamily xmlns:thm15="http://schemas.microsoft.com/office/thememl/2012/main" name="Office Theme" id="{62F939B6-93AF-4DB8-9C6B-D6C7DFDC589F}" vid="{4A3C46E8-61CC-4603-A589-7422A47A8E4A}"/>
+      <thm15:themeFamily xmlns:thm15="http://schemas.microsoft.com/office/thememl/2012/main" name="Retrospect" id="{5F128B03-DCCA-4EEB-AB3B-CF2899314A46}" vid="{3F1AAB62-24C6-49D2-8E01-B56FAC9A3DCD}"/>
     </a:ext>
   </a:extLst>
 </a:theme>
